--- a/spring11/slides11/slides13f.pptx
+++ b/spring11/slides11/slides13f.pptx
@@ -5,56 +5,55 @@
     <p:sldMasterId id="2147483650" r:id="rId1"/>
   </p:sldMasterIdLst>
   <p:notesMasterIdLst>
-    <p:notesMasterId r:id="rId24"/>
+    <p:notesMasterId r:id="rId23"/>
   </p:notesMasterIdLst>
   <p:handoutMasterIdLst>
-    <p:handoutMasterId r:id="rId25"/>
+    <p:handoutMasterId r:id="rId24"/>
   </p:handoutMasterIdLst>
   <p:sldIdLst>
     <p:sldId id="469" r:id="rId2"/>
-    <p:sldId id="478" r:id="rId3"/>
-    <p:sldId id="472" r:id="rId4"/>
-    <p:sldId id="448" r:id="rId5"/>
-    <p:sldId id="473" r:id="rId6"/>
-    <p:sldId id="443" r:id="rId7"/>
-    <p:sldId id="474" r:id="rId8"/>
-    <p:sldId id="471" r:id="rId9"/>
-    <p:sldId id="449" r:id="rId10"/>
-    <p:sldId id="450" r:id="rId11"/>
-    <p:sldId id="451" r:id="rId12"/>
-    <p:sldId id="452" r:id="rId13"/>
-    <p:sldId id="459" r:id="rId14"/>
-    <p:sldId id="460" r:id="rId15"/>
-    <p:sldId id="453" r:id="rId16"/>
-    <p:sldId id="456" r:id="rId17"/>
-    <p:sldId id="462" r:id="rId18"/>
-    <p:sldId id="476" r:id="rId19"/>
-    <p:sldId id="477" r:id="rId20"/>
-    <p:sldId id="479" r:id="rId21"/>
-    <p:sldId id="461" r:id="rId22"/>
-    <p:sldId id="457" r:id="rId23"/>
+    <p:sldId id="472" r:id="rId3"/>
+    <p:sldId id="448" r:id="rId4"/>
+    <p:sldId id="473" r:id="rId5"/>
+    <p:sldId id="443" r:id="rId6"/>
+    <p:sldId id="474" r:id="rId7"/>
+    <p:sldId id="471" r:id="rId8"/>
+    <p:sldId id="449" r:id="rId9"/>
+    <p:sldId id="451" r:id="rId10"/>
+    <p:sldId id="452" r:id="rId11"/>
+    <p:sldId id="459" r:id="rId12"/>
+    <p:sldId id="481" r:id="rId13"/>
+    <p:sldId id="460" r:id="rId14"/>
+    <p:sldId id="453" r:id="rId15"/>
+    <p:sldId id="478" r:id="rId16"/>
+    <p:sldId id="462" r:id="rId17"/>
+    <p:sldId id="476" r:id="rId18"/>
+    <p:sldId id="477" r:id="rId19"/>
+    <p:sldId id="479" r:id="rId20"/>
+    <p:sldId id="461" r:id="rId21"/>
+    <p:sldId id="457" r:id="rId22"/>
   </p:sldIdLst>
   <p:sldSz cx="9144000" cy="6858000" type="screen4x3"/>
   <p:notesSz cx="7315200" cy="9601200"/>
   <p:embeddedFontLst>
     <p:embeddedFont>
       <p:font typeface="cmsy10"/>
-      <p:regular r:id="rId26"/>
+      <p:regular r:id="rId25"/>
     </p:embeddedFont>
     <p:embeddedFont>
       <p:font typeface="Euclid"/>
-      <p:regular r:id="rId27"/>
-      <p:bold r:id="rId28"/>
-      <p:italic r:id="rId29"/>
-      <p:boldItalic r:id="rId30"/>
+      <p:regular r:id="rId26"/>
+      <p:bold r:id="rId27"/>
+      <p:italic r:id="rId28"/>
+      <p:boldItalic r:id="rId29"/>
     </p:embeddedFont>
     <p:embeddedFont>
       <p:font typeface="MT Extra" charset="2"/>
-      <p:regular r:id="rId31"/>
+      <p:regular r:id="rId30"/>
     </p:embeddedFont>
   </p:embeddedFontLst>
   <p:custDataLst>
-    <p:tags r:id="rId33"/>
+    <p:tags r:id="rId32"/>
   </p:custDataLst>
   <p:defaultTextStyle>
     <a:defPPr>
@@ -521,7 +520,7 @@
         <p:nvSpPr>
           <p:cNvPr id="7172" name="Rectangle 4"/>
           <p:cNvSpPr>
-            <a:spLocks noChangeArrowheads="1" noTextEdit="1"/>
+            <a:spLocks noGrp="1" noRot="1" noChangeAspect="1" noChangeArrowheads="1" noTextEdit="1"/>
           </p:cNvSpPr>
           <p:nvPr>
             <p:ph type="sldImg" idx="2"/>
@@ -971,10 +970,16 @@
           </a:lstStyle>
           <a:p>
             <a:r>
+              <a:rPr lang="en-US" dirty="0" err="1" smtClean="0">
+                <a:latin typeface="Comic Sans MS"/>
+              </a:rPr>
+              <a:t>lec</a:t>
+            </a:r>
+            <a:r>
               <a:rPr lang="en-US" dirty="0" smtClean="0">
                 <a:latin typeface="Comic Sans MS"/>
               </a:rPr>
-              <a:t>L14-3</a:t>
+              <a:t> 13F</a:t>
             </a:r>
             <a:r>
               <a:rPr lang="en-US" sz="1400" dirty="0" smtClean="0">
@@ -1115,10 +1120,16 @@
           </a:lstStyle>
           <a:p>
             <a:r>
+              <a:rPr lang="en-US" dirty="0" err="1" smtClean="0">
+                <a:latin typeface="Comic Sans MS"/>
+              </a:rPr>
+              <a:t>lec</a:t>
+            </a:r>
+            <a:r>
               <a:rPr lang="en-US" dirty="0" smtClean="0">
                 <a:latin typeface="Comic Sans MS"/>
               </a:rPr>
-              <a:t>L14-3</a:t>
+              <a:t> 13F</a:t>
             </a:r>
             <a:r>
               <a:rPr lang="en-US" sz="1400" dirty="0" smtClean="0">
@@ -1269,10 +1280,16 @@
           </a:lstStyle>
           <a:p>
             <a:r>
+              <a:rPr lang="en-US" dirty="0" err="1" smtClean="0">
+                <a:latin typeface="Comic Sans MS"/>
+              </a:rPr>
+              <a:t>lec</a:t>
+            </a:r>
+            <a:r>
               <a:rPr lang="en-US" dirty="0" smtClean="0">
                 <a:latin typeface="Comic Sans MS"/>
               </a:rPr>
-              <a:t>L14-3</a:t>
+              <a:t> 13F</a:t>
             </a:r>
             <a:r>
               <a:rPr lang="en-US" sz="1400" dirty="0" smtClean="0">
@@ -1542,10 +1559,16 @@
           </a:lstStyle>
           <a:p>
             <a:r>
+              <a:rPr lang="en-US" dirty="0" err="1" smtClean="0">
+                <a:latin typeface="Comic Sans MS"/>
+              </a:rPr>
+              <a:t>lec</a:t>
+            </a:r>
+            <a:r>
               <a:rPr lang="en-US" dirty="0" smtClean="0">
                 <a:latin typeface="Comic Sans MS"/>
               </a:rPr>
-              <a:t>L14-3</a:t>
+              <a:t> 13F</a:t>
             </a:r>
             <a:r>
               <a:rPr lang="en-US" sz="1400" dirty="0" smtClean="0">
@@ -1758,10 +1781,16 @@
           </a:lstStyle>
           <a:p>
             <a:r>
+              <a:rPr lang="en-US" dirty="0" err="1" smtClean="0">
+                <a:latin typeface="Comic Sans MS"/>
+              </a:rPr>
+              <a:t>lec</a:t>
+            </a:r>
+            <a:r>
               <a:rPr lang="en-US" dirty="0" smtClean="0">
                 <a:latin typeface="Comic Sans MS"/>
               </a:rPr>
-              <a:t>L14-3</a:t>
+              <a:t> 13F</a:t>
             </a:r>
             <a:r>
               <a:rPr lang="en-US" sz="1400" dirty="0" smtClean="0">
@@ -1902,10 +1931,16 @@
           </a:lstStyle>
           <a:p>
             <a:r>
+              <a:rPr lang="en-US" dirty="0" err="1" smtClean="0">
+                <a:latin typeface="Comic Sans MS"/>
+              </a:rPr>
+              <a:t>lec</a:t>
+            </a:r>
+            <a:r>
               <a:rPr lang="en-US" dirty="0" smtClean="0">
                 <a:latin typeface="Comic Sans MS"/>
               </a:rPr>
-              <a:t>L14-3</a:t>
+              <a:t> 13F</a:t>
             </a:r>
             <a:r>
               <a:rPr lang="en-US" sz="1400" dirty="0" smtClean="0">
@@ -2068,10 +2103,16 @@
           </a:lstStyle>
           <a:p>
             <a:r>
+              <a:rPr lang="en-US" dirty="0" err="1" smtClean="0">
+                <a:latin typeface="Comic Sans MS"/>
+              </a:rPr>
+              <a:t>lec</a:t>
+            </a:r>
+            <a:r>
               <a:rPr lang="en-US" dirty="0" smtClean="0">
                 <a:latin typeface="Comic Sans MS"/>
               </a:rPr>
-              <a:t>L14-3</a:t>
+              <a:t> 13F</a:t>
             </a:r>
             <a:r>
               <a:rPr lang="en-US" sz="1400" dirty="0" smtClean="0">
@@ -2330,10 +2371,16 @@
           </a:lstStyle>
           <a:p>
             <a:r>
+              <a:rPr lang="en-US" dirty="0" err="1" smtClean="0">
+                <a:latin typeface="Comic Sans MS"/>
+              </a:rPr>
+              <a:t>lec</a:t>
+            </a:r>
+            <a:r>
               <a:rPr lang="en-US" dirty="0" smtClean="0">
                 <a:latin typeface="Comic Sans MS"/>
               </a:rPr>
-              <a:t>L14-3</a:t>
+              <a:t> 13F</a:t>
             </a:r>
             <a:r>
               <a:rPr lang="en-US" sz="1400" dirty="0" smtClean="0">
@@ -2731,10 +2778,16 @@
           </a:lstStyle>
           <a:p>
             <a:r>
+              <a:rPr lang="en-US" dirty="0" err="1" smtClean="0">
+                <a:latin typeface="Comic Sans MS"/>
+              </a:rPr>
+              <a:t>lec</a:t>
+            </a:r>
+            <a:r>
               <a:rPr lang="en-US" dirty="0" smtClean="0">
                 <a:latin typeface="Comic Sans MS"/>
               </a:rPr>
-              <a:t>L14-3</a:t>
+              <a:t> 13F</a:t>
             </a:r>
             <a:r>
               <a:rPr lang="en-US" sz="1400" dirty="0" smtClean="0">
@@ -2823,10 +2876,16 @@
           </a:lstStyle>
           <a:p>
             <a:r>
+              <a:rPr lang="en-US" dirty="0" err="1" smtClean="0">
+                <a:latin typeface="Comic Sans MS"/>
+              </a:rPr>
+              <a:t>lec</a:t>
+            </a:r>
+            <a:r>
               <a:rPr lang="en-US" dirty="0" smtClean="0">
                 <a:latin typeface="Comic Sans MS"/>
               </a:rPr>
-              <a:t>L14-3</a:t>
+              <a:t> 13F</a:t>
             </a:r>
             <a:r>
               <a:rPr lang="en-US" sz="1400" dirty="0" smtClean="0">
@@ -2892,10 +2951,16 @@
           </a:lstStyle>
           <a:p>
             <a:r>
+              <a:rPr lang="en-US" dirty="0" err="1" smtClean="0">
+                <a:latin typeface="Comic Sans MS"/>
+              </a:rPr>
+              <a:t>lec</a:t>
+            </a:r>
+            <a:r>
               <a:rPr lang="en-US" dirty="0" smtClean="0">
                 <a:latin typeface="Comic Sans MS"/>
               </a:rPr>
-              <a:t>L14-3</a:t>
+              <a:t> 13F</a:t>
             </a:r>
             <a:r>
               <a:rPr lang="en-US" sz="1400" dirty="0" smtClean="0">
@@ -3143,10 +3208,16 @@
           </a:lstStyle>
           <a:p>
             <a:r>
+              <a:rPr lang="en-US" dirty="0" err="1" smtClean="0">
+                <a:latin typeface="Comic Sans MS"/>
+              </a:rPr>
+              <a:t>lec</a:t>
+            </a:r>
+            <a:r>
               <a:rPr lang="en-US" dirty="0" smtClean="0">
                 <a:latin typeface="Comic Sans MS"/>
               </a:rPr>
-              <a:t>L14-3</a:t>
+              <a:t> 13F</a:t>
             </a:r>
             <a:r>
               <a:rPr lang="en-US" sz="1400" dirty="0" smtClean="0">
@@ -3370,10 +3441,16 @@
           </a:lstStyle>
           <a:p>
             <a:r>
+              <a:rPr lang="en-US" dirty="0" err="1" smtClean="0">
+                <a:latin typeface="Comic Sans MS"/>
+              </a:rPr>
+              <a:t>lec</a:t>
+            </a:r>
+            <a:r>
               <a:rPr lang="en-US" dirty="0" smtClean="0">
                 <a:latin typeface="Comic Sans MS"/>
               </a:rPr>
-              <a:t>L14-3</a:t>
+              <a:t> 13F</a:t>
             </a:r>
             <a:r>
               <a:rPr lang="en-US" sz="1400" dirty="0" smtClean="0">
@@ -3408,7 +3485,7 @@
     <p:bg>
       <p:bgPr>
         <a:solidFill>
-          <a:schemeClr val="bg1"/>
+          <a:schemeClr val="accent5"/>
         </a:solidFill>
         <a:effectLst/>
       </p:bgPr>
@@ -3582,10 +3659,16 @@
           </a:lstStyle>
           <a:p>
             <a:r>
+              <a:rPr lang="en-US" dirty="0" err="1" smtClean="0">
+                <a:latin typeface="Comic Sans MS"/>
+              </a:rPr>
+              <a:t>lec</a:t>
+            </a:r>
+            <a:r>
               <a:rPr lang="en-US" dirty="0" smtClean="0">
                 <a:latin typeface="Comic Sans MS"/>
               </a:rPr>
-              <a:t>L14-3</a:t>
+              <a:t> 13F</a:t>
             </a:r>
             <a:r>
               <a:rPr lang="en-US" sz="1400" dirty="0" smtClean="0">
@@ -3634,102 +3717,103 @@
       </p:pic>
       <p:sp>
         <p:nvSpPr>
-          <p:cNvPr id="12302" name="Rectangle 14"/>
-          <p:cNvSpPr>
-            <a:spLocks noChangeArrowheads="1"/>
-          </p:cNvSpPr>
+          <p:cNvPr id="8" name="Rectangle 7"/>
+          <p:cNvSpPr/>
           <p:nvPr userDrawn="1"/>
         </p:nvSpPr>
-        <p:spPr bwMode="auto">
+        <p:spPr>
           <a:xfrm>
-            <a:off x="3606800" y="6589713"/>
-            <a:ext cx="1294683" cy="246221"/>
+            <a:off x="3355774" y="6581001"/>
+            <a:ext cx="2427129" cy="276999"/>
           </a:xfrm>
           <a:prstGeom prst="rect">
             <a:avLst/>
           </a:prstGeom>
-          <a:noFill/>
-          <a:ln w="9525">
-            <a:noFill/>
-            <a:miter lim="800000"/>
-            <a:headEnd/>
-            <a:tailEnd type="none" w="lg" len="lg"/>
-          </a:ln>
-          <a:effectLst/>
         </p:spPr>
         <p:txBody>
           <a:bodyPr wrap="none">
-            <a:prstTxWarp prst="textNoShape">
-              <a:avLst/>
-            </a:prstTxWarp>
             <a:spAutoFit/>
           </a:bodyPr>
           <a:lstStyle/>
           <a:p>
-            <a:r>
-              <a:rPr lang="en-US" sz="1000" dirty="0">
-                <a:latin typeface="Comic Sans MS"/>
-              </a:rPr>
-              <a:t>December 6, 2002</a:t>
+            <a:pPr marL="0" marR="0" lvl="0" indent="0" algn="l" defTabSz="914400" rtl="0" eaLnBrk="1" fontAlgn="base" latinLnBrk="0" hangingPunct="1">
+              <a:lnSpc>
+                <a:spcPct val="100000"/>
+              </a:lnSpc>
+              <a:spcBef>
+                <a:spcPct val="0"/>
+              </a:spcBef>
+              <a:spcAft>
+                <a:spcPct val="0"/>
+              </a:spcAft>
+              <a:buClrTx/>
+              <a:buSzTx/>
+              <a:buFontTx/>
+              <a:buNone/>
+              <a:tabLst/>
+              <a:defRPr/>
+            </a:pPr>
+            <a:r>
+              <a:rPr kumimoji="0" lang="en-US" sz="1200" b="0" i="0" u="none" strike="noStrike" kern="1200" cap="none" spc="0" normalizeH="0" baseline="0" noProof="0" dirty="0" smtClean="0">
+                <a:ln>
+                  <a:noFill/>
+                </a:ln>
+                <a:solidFill>
+                  <a:srgbClr val="000000"/>
+                </a:solidFill>
+                <a:effectLst/>
+                <a:uLnTx/>
+                <a:uFillTx/>
+                <a:latin typeface="Comic Sans MS" pitchFamily="66" charset="0"/>
+                <a:ea typeface="+mn-ea"/>
+                <a:cs typeface="+mn-cs"/>
+              </a:rPr>
+              <a:t>Albert R Meyer,        </a:t>
+            </a:r>
+            <a:r>
+              <a:rPr kumimoji="0" lang="en-US" sz="1000" b="0" i="0" u="none" strike="noStrike" kern="1200" cap="none" spc="0" normalizeH="0" baseline="0" noProof="0" dirty="0" smtClean="0">
+                <a:ln>
+                  <a:noFill/>
+                </a:ln>
+                <a:solidFill>
+                  <a:srgbClr val="000000"/>
+                </a:solidFill>
+                <a:effectLst/>
+                <a:uLnTx/>
+                <a:uFillTx/>
+                <a:latin typeface="Comic Sans MS"/>
+                <a:ea typeface="+mn-ea"/>
+                <a:cs typeface="+mn-cs"/>
+              </a:rPr>
+              <a:t>May 6, 2011</a:t>
             </a:r>
           </a:p>
         </p:txBody>
       </p:sp>
-      <p:sp>
-        <p:nvSpPr>
-          <p:cNvPr id="12303" name="Text Box 15"/>
-          <p:cNvSpPr txBox="1">
-            <a:spLocks noChangeArrowheads="1"/>
-          </p:cNvSpPr>
+      <p:pic>
+        <p:nvPicPr>
+          <p:cNvPr id="9" name="Picture 8" descr="license.img"/>
+          <p:cNvPicPr>
+            <a:picLocks/>
+          </p:cNvPicPr>
           <p:nvPr userDrawn="1"/>
-        </p:nvSpPr>
-        <p:spPr bwMode="auto">
+        </p:nvPicPr>
+        <p:blipFill>
+          <a:blip r:embed="rId16" cstate="print"/>
+          <a:stretch>
+            <a:fillRect/>
+          </a:stretch>
+        </p:blipFill>
+        <p:spPr>
           <a:xfrm>
-            <a:off x="219075" y="6577013"/>
-            <a:ext cx="3425988" cy="246221"/>
+            <a:off x="38415" y="6553200"/>
+            <a:ext cx="875985" cy="290315"/>
           </a:xfrm>
           <a:prstGeom prst="rect">
             <a:avLst/>
           </a:prstGeom>
-          <a:noFill/>
-          <a:ln w="9525">
-            <a:noFill/>
-            <a:miter lim="800000"/>
-            <a:headEnd/>
-            <a:tailEnd type="none" w="lg" len="lg"/>
-          </a:ln>
-          <a:effectLst/>
         </p:spPr>
-        <p:txBody>
-          <a:bodyPr wrap="none">
-            <a:prstTxWarp prst="textNoShape">
-              <a:avLst/>
-            </a:prstTxWarp>
-            <a:spAutoFit/>
-          </a:bodyPr>
-          <a:lstStyle/>
-          <a:p>
-            <a:r>
-              <a:rPr lang="en-US" sz="1000" dirty="0">
-                <a:latin typeface="Comic Sans MS"/>
-              </a:rPr>
-              <a:t>Copyright </a:t>
-            </a:r>
-            <a:r>
-              <a:rPr lang="en-US" sz="1000" i="1" dirty="0">
-                <a:latin typeface="Comic Sans MS"/>
-              </a:rPr>
-              <a:t>©</a:t>
-            </a:r>
-            <a:r>
-              <a:rPr lang="en-US" sz="1000" dirty="0">
-                <a:latin typeface="Comic Sans MS"/>
-              </a:rPr>
-              <a:t> Albert Meyer, 2002.  All rights reserved.</a:t>
-            </a:r>
-          </a:p>
-        </p:txBody>
-      </p:sp>
+      </p:pic>
     </p:spTree>
   </p:cSld>
   <p:clrMap bg1="lt1" tx1="dk1" bg2="lt2" tx2="dk2" accent1="accent1" accent2="accent2" accent3="accent3" accent4="accent4" accent5="accent5" accent6="accent6" hlink="hlink" folHlink="folHlink"/>
@@ -4159,13 +4243,19 @@
           <a:lstStyle/>
           <a:p>
             <a:r>
-              <a:rPr lang="en-US" dirty="0">
-                <a:latin typeface="Comic Sans MS"/>
-              </a:rPr>
-              <a:t>L14-3</a:t>
-            </a:r>
-            <a:r>
-              <a:rPr lang="en-US" sz="1400" dirty="0">
+              <a:rPr lang="en-US" dirty="0" err="1" smtClean="0">
+                <a:latin typeface="Comic Sans MS"/>
+              </a:rPr>
+              <a:t>lec</a:t>
+            </a:r>
+            <a:r>
+              <a:rPr lang="en-US" dirty="0" smtClean="0">
+                <a:latin typeface="Comic Sans MS"/>
+              </a:rPr>
+              <a:t> 13F</a:t>
+            </a:r>
+            <a:r>
+              <a:rPr lang="en-US" sz="1400" dirty="0" smtClean="0">
                 <a:latin typeface="Comic Sans MS"/>
               </a:rPr>
               <a:t>.</a:t>
@@ -4284,8 +4374,8 @@
         </p:nvSpPr>
         <p:spPr bwMode="auto">
           <a:xfrm>
-            <a:off x="609600" y="1955800"/>
-            <a:ext cx="7886700" cy="2895600"/>
+            <a:off x="482600" y="1739900"/>
+            <a:ext cx="8178800" cy="3378200"/>
           </a:xfrm>
           <a:prstGeom prst="rect">
             <a:avLst/>
@@ -4309,7 +4399,7 @@
           <a:p>
             <a:pPr algn="ctr"/>
             <a:r>
-              <a:rPr lang="en-US" sz="6000" dirty="0">
+              <a:rPr lang="en-US" sz="7200" dirty="0">
                 <a:solidFill>
                   <a:schemeClr val="tx2"/>
                 </a:solidFill>
@@ -4318,7 +4408,7 @@
               <a:t>Avoiding Large Deviations</a:t>
             </a:r>
             <a:br>
-              <a:rPr lang="en-US" sz="6000" dirty="0">
+              <a:rPr lang="en-US" sz="7200" dirty="0">
                 <a:solidFill>
                   <a:schemeClr val="tx2"/>
                 </a:solidFill>
@@ -4326,7 +4416,7 @@
               </a:rPr>
             </a:br>
             <a:r>
-              <a:rPr lang="en-US" sz="6000" dirty="0">
+              <a:rPr lang="en-US" sz="7200" dirty="0">
                 <a:solidFill>
                   <a:schemeClr val="tx2"/>
                 </a:solidFill>
@@ -4335,7 +4425,7 @@
               <a:t>(</a:t>
             </a:r>
             <a:r>
-              <a:rPr lang="en-US" sz="6000" dirty="0" err="1">
+              <a:rPr lang="en-US" sz="7200" dirty="0" err="1">
                 <a:solidFill>
                   <a:schemeClr val="tx2"/>
                 </a:solidFill>
@@ -4344,7 +4434,7 @@
               <a:t>Chernoff</a:t>
             </a:r>
             <a:r>
-              <a:rPr lang="en-US" sz="6000" dirty="0">
+              <a:rPr lang="en-US" sz="7200" dirty="0">
                 <a:solidFill>
                   <a:schemeClr val="tx2"/>
                 </a:solidFill>
@@ -4352,7 +4442,7 @@
               </a:rPr>
               <a:t> Bound)</a:t>
             </a:r>
-            <a:endParaRPr lang="en-US" sz="1200" dirty="0">
+            <a:endParaRPr lang="en-US" sz="1600" dirty="0">
               <a:solidFill>
                 <a:schemeClr val="tx2"/>
               </a:solidFill>
@@ -4378,7 +4468,7 @@
 </file>
 
 <file path=ppt/slides/slide10.xml><?xml version="1.0" encoding="utf-8"?>
-<p:sld xmlns:a="http://schemas.openxmlformats.org/drawingml/2006/main" xmlns:r="http://schemas.openxmlformats.org/officeDocument/2006/relationships" xmlns:mc="http://schemas.openxmlformats.org/markup-compatibility/2006" xmlns:mv="urn:schemas-microsoft-com:mac:vml" xmlns:p="http://schemas.openxmlformats.org/presentationml/2006/main" mc:Ignorable="mv" mc:PreserveAttributes="mv:*" show="0">
+<p:sld xmlns:a="http://schemas.openxmlformats.org/drawingml/2006/main" xmlns:r="http://schemas.openxmlformats.org/officeDocument/2006/relationships" xmlns:mc="http://schemas.openxmlformats.org/markup-compatibility/2006" xmlns:mv="urn:schemas-microsoft-com:mac:vml" xmlns:p="http://schemas.openxmlformats.org/presentationml/2006/main" mc:Ignorable="mv" mc:PreserveAttributes="mv:*">
   <p:cSld>
     <p:spTree>
       <p:nvGrpSpPr>
@@ -4396,7 +4486,7 @@
       </p:grpSpPr>
       <p:sp>
         <p:nvSpPr>
-          <p:cNvPr id="6" name="Slide Number Placeholder 4"/>
+          <p:cNvPr id="4" name="Slide Number Placeholder 3"/>
           <p:cNvSpPr>
             <a:spLocks noGrp="1"/>
           </p:cNvSpPr>
@@ -4410,18 +4500,24 @@
           <a:lstStyle/>
           <a:p>
             <a:r>
-              <a:rPr lang="en-US" dirty="0">
-                <a:latin typeface="Comic Sans MS"/>
-              </a:rPr>
-              <a:t>L14-3</a:t>
-            </a:r>
-            <a:r>
-              <a:rPr lang="en-US" sz="1400" dirty="0">
+              <a:rPr lang="en-US" dirty="0" err="1" smtClean="0">
+                <a:latin typeface="Comic Sans MS"/>
+              </a:rPr>
+              <a:t>lec</a:t>
+            </a:r>
+            <a:r>
+              <a:rPr lang="en-US" dirty="0" smtClean="0">
+                <a:latin typeface="Comic Sans MS"/>
+              </a:rPr>
+              <a:t> 13F</a:t>
+            </a:r>
+            <a:r>
+              <a:rPr lang="en-US" sz="1400" dirty="0" smtClean="0">
                 <a:latin typeface="Comic Sans MS"/>
               </a:rPr>
               <a:t>.</a:t>
             </a:r>
-            <a:fld id="{4CAF0575-10D0-BB4D-80BA-4A1BA253FC6A}" type="slidenum">
+            <a:fld id="{3C88A4B5-F80C-0F41-975D-86C3663D538F}" type="slidenum">
               <a:rPr lang="en-US" sz="1400">
                 <a:latin typeface="Comic Sans MS"/>
               </a:rPr>
@@ -4436,7 +4532,67 @@
       </p:sp>
       <p:sp>
         <p:nvSpPr>
-          <p:cNvPr id="374790" name="Rectangle 6"/>
+          <p:cNvPr id="376835" name="Rectangle 3"/>
+          <p:cNvSpPr>
+            <a:spLocks noGrp="1" noChangeArrowheads="1"/>
+          </p:cNvSpPr>
+          <p:nvPr>
+            <p:ph type="body" idx="1"/>
+          </p:nvPr>
+        </p:nvSpPr>
+        <p:spPr>
+          <a:xfrm>
+            <a:off x="673100" y="1841500"/>
+            <a:ext cx="7772400" cy="3340100"/>
+          </a:xfrm>
+          <a:noFill/>
+        </p:spPr>
+        <p:txBody>
+          <a:bodyPr/>
+          <a:lstStyle/>
+          <a:p>
+            <a:pPr>
+              <a:buFontTx/>
+              <a:buNone/>
+            </a:pPr>
+            <a:r>
+              <a:rPr lang="en-US" sz="5400"/>
+              <a:t>Example:</a:t>
+            </a:r>
+            <a:r>
+              <a:rPr lang="en-US" sz="5400">
+                <a:solidFill>
+                  <a:srgbClr val="008000"/>
+                </a:solidFill>
+              </a:rPr>
+              <a:t> Pick 4</a:t>
+            </a:r>
+          </a:p>
+          <a:p>
+            <a:pPr>
+              <a:buFontTx/>
+              <a:buNone/>
+            </a:pPr>
+            <a:r>
+              <a:rPr lang="en-US" sz="5400"/>
+              <a:t> Pick a lottery number</a:t>
+            </a:r>
+          </a:p>
+          <a:p>
+            <a:pPr algn="ctr">
+              <a:buFontTx/>
+              <a:buNone/>
+            </a:pPr>
+            <a:r>
+              <a:rPr lang="en-US" sz="5400"/>
+              <a:t>0000, 0001, …., 9999</a:t>
+            </a:r>
+          </a:p>
+        </p:txBody>
+      </p:sp>
+      <p:sp>
+        <p:nvSpPr>
+          <p:cNvPr id="376836" name="Rectangle 4"/>
           <p:cNvSpPr>
             <a:spLocks noGrp="1" noChangeArrowheads="1"/>
           </p:cNvSpPr>
@@ -4445,6 +4601,10 @@
           </p:nvPr>
         </p:nvSpPr>
         <p:spPr>
+          <a:xfrm>
+            <a:off x="2686050" y="317500"/>
+            <a:ext cx="3790950" cy="1054100"/>
+          </a:xfrm>
           <a:noFill/>
           <a:ln/>
         </p:spPr>
@@ -4453,20 +4613,52 @@
           <a:lstStyle/>
           <a:p>
             <a:r>
-              <a:rPr lang="en-US"/>
-              <a:t>Chernoff  Bound</a:t>
+              <a:rPr lang="en-US" sz="4400" dirty="0"/>
+              <a:t>The Lottery</a:t>
             </a:r>
           </a:p>
         </p:txBody>
       </p:sp>
+    </p:spTree>
+  </p:cSld>
+  <p:clrMapOvr>
+    <a:masterClrMapping/>
+  </p:clrMapOvr>
+  <p:timing>
+    <p:tnLst>
+      <p:par>
+        <p:cTn id="1" dur="indefinite" restart="never" nodeType="tmRoot"/>
+      </p:par>
+    </p:tnLst>
+  </p:timing>
+</p:sld>
+</file>
+
+<file path=ppt/slides/slide11.xml><?xml version="1.0" encoding="utf-8"?>
+<p:sld xmlns:a="http://schemas.openxmlformats.org/drawingml/2006/main" xmlns:r="http://schemas.openxmlformats.org/officeDocument/2006/relationships" xmlns:mc="http://schemas.openxmlformats.org/markup-compatibility/2006" xmlns:mv="urn:schemas-microsoft-com:mac:vml" xmlns:p="http://schemas.openxmlformats.org/presentationml/2006/main" mc:Ignorable="mv" mc:PreserveAttributes="mv:*">
+  <p:cSld>
+    <p:spTree>
+      <p:nvGrpSpPr>
+        <p:cNvPr id="1" name=""/>
+        <p:cNvGrpSpPr/>
+        <p:nvPr/>
+      </p:nvGrpSpPr>
+      <p:grpSpPr>
+        <a:xfrm>
+          <a:off x="0" y="0"/>
+          <a:ext cx="0" cy="0"/>
+          <a:chOff x="0" y="0"/>
+          <a:chExt cx="0" cy="0"/>
+        </a:xfrm>
+      </p:grpSpPr>
       <p:sp>
         <p:nvSpPr>
-          <p:cNvPr id="374787" name="Rectangle 3"/>
+          <p:cNvPr id="5" name="Slide Number Placeholder 3"/>
           <p:cNvSpPr>
-            <a:spLocks noGrp="1" noChangeArrowheads="1"/>
+            <a:spLocks noGrp="1"/>
           </p:cNvSpPr>
           <p:nvPr>
-            <p:ph type="body" sz="half" idx="1"/>
+            <p:ph type="sldNum" sz="quarter" idx="10"/>
           </p:nvPr>
         </p:nvSpPr>
         <p:spPr/>
@@ -4474,26 +4666,140 @@
           <a:bodyPr/>
           <a:lstStyle/>
           <a:p>
+            <a:r>
+              <a:rPr lang="en-US" dirty="0" err="1" smtClean="0">
+                <a:latin typeface="Comic Sans MS"/>
+              </a:rPr>
+              <a:t>lec</a:t>
+            </a:r>
+            <a:r>
+              <a:rPr lang="en-US" dirty="0" smtClean="0">
+                <a:latin typeface="Comic Sans MS"/>
+              </a:rPr>
+              <a:t> 13F</a:t>
+            </a:r>
+            <a:r>
+              <a:rPr lang="en-US" sz="1400" dirty="0" smtClean="0">
+                <a:latin typeface="Comic Sans MS"/>
+              </a:rPr>
+              <a:t>.</a:t>
+            </a:r>
+            <a:fld id="{7A7E2C51-C9DD-9C40-BE52-3B866A38FCB7}" type="slidenum">
+              <a:rPr lang="en-US" sz="1400">
+                <a:latin typeface="Comic Sans MS"/>
+              </a:rPr>
+              <a:pPr/>
+              <a:t>11</a:t>
+            </a:fld>
+            <a:endParaRPr lang="en-US" sz="1400" dirty="0">
+              <a:latin typeface="Comic Sans MS"/>
+            </a:endParaRPr>
+          </a:p>
+        </p:txBody>
+      </p:sp>
+      <p:sp>
+        <p:nvSpPr>
+          <p:cNvPr id="384003" name="Rectangle 3"/>
+          <p:cNvSpPr>
+            <a:spLocks noGrp="1" noChangeArrowheads="1"/>
+          </p:cNvSpPr>
+          <p:nvPr>
+            <p:ph type="body" idx="1"/>
+          </p:nvPr>
+        </p:nvSpPr>
+        <p:spPr>
+          <a:xfrm>
+            <a:off x="495300" y="1447800"/>
+            <a:ext cx="8089900" cy="4165600"/>
+          </a:xfrm>
+        </p:spPr>
+        <p:txBody>
+          <a:bodyPr/>
+          <a:lstStyle/>
+          <a:p>
             <a:pPr>
               <a:buFontTx/>
               <a:buNone/>
             </a:pPr>
-            <a:endParaRPr lang="en-US" sz="4000" dirty="0">
-              <a:solidFill>
-                <a:srgbClr val="008000"/>
-              </a:solidFill>
-            </a:endParaRPr>
+            <a:r>
+              <a:rPr lang="en-US" sz="4800" dirty="0" smtClean="0"/>
+              <a:t>sell </a:t>
+            </a:r>
+            <a:r>
+              <a:rPr lang="en-US" sz="4800" dirty="0" smtClean="0">
+                <a:solidFill>
+                  <a:srgbClr val="3C34DA"/>
+                </a:solidFill>
+              </a:rPr>
+              <a:t>1,000,000 </a:t>
+            </a:r>
+            <a:r>
+              <a:rPr lang="en-US" sz="4800" dirty="0">
+                <a:solidFill>
+                  <a:srgbClr val="3C34DA"/>
+                </a:solidFill>
+              </a:rPr>
+              <a:t>$1</a:t>
+            </a:r>
+            <a:r>
+              <a:rPr lang="en-US" sz="4800" dirty="0"/>
+              <a:t> </a:t>
+            </a:r>
+            <a:r>
+              <a:rPr lang="en-US" sz="4800" dirty="0" smtClean="0"/>
+              <a:t>tickets</a:t>
+            </a:r>
           </a:p>
           <a:p>
             <a:pPr>
               <a:buFontTx/>
               <a:buNone/>
             </a:pPr>
-            <a:endParaRPr lang="en-US" sz="4000" dirty="0">
-              <a:solidFill>
-                <a:srgbClr val="008000"/>
-              </a:solidFill>
-            </a:endParaRPr>
+            <a:r>
+              <a:rPr lang="en-US" sz="4800" dirty="0" smtClean="0"/>
+              <a:t>pay winner $5000</a:t>
+            </a:r>
+            <a:endParaRPr lang="en-US" sz="4800" dirty="0" smtClean="0"/>
+          </a:p>
+          <a:p>
+            <a:pPr>
+              <a:buFontTx/>
+              <a:buNone/>
+            </a:pPr>
+            <a:r>
+              <a:rPr lang="en-US" sz="4800" dirty="0" smtClean="0">
+                <a:solidFill>
+                  <a:schemeClr val="accent2"/>
+                </a:solidFill>
+                <a:ea typeface="Comic Sans MS"/>
+                <a:cs typeface="Comic Sans MS"/>
+              </a:rPr>
+              <a:t>µ </a:t>
+            </a:r>
+            <a:r>
+              <a:rPr lang="en-US" sz="4800" b="1" dirty="0" smtClean="0">
+                <a:latin typeface="Euclid Symbol" charset="2"/>
+              </a:rPr>
+              <a:t>:</a:t>
+            </a:r>
+            <a:r>
+              <a:rPr lang="en-US" sz="4800" b="1" dirty="0">
+                <a:latin typeface="Euclid Symbol" charset="2"/>
+              </a:rPr>
+              <a:t>:=</a:t>
+            </a:r>
+            <a:r>
+              <a:rPr lang="en-US" sz="4800" dirty="0"/>
+              <a:t> Expected </a:t>
+            </a:r>
+            <a:r>
+              <a:rPr lang="en-US" sz="4800" dirty="0" smtClean="0"/>
+              <a:t>#winners </a:t>
+            </a:r>
+            <a:r>
+              <a:rPr lang="en-US" sz="4800" dirty="0"/>
+              <a:t>=</a:t>
+            </a:r>
           </a:p>
           <a:p>
             <a:pPr algn="ctr">
@@ -4502,395 +4808,64 @@
             </a:pPr>
             <a:r>
               <a:rPr lang="en-US" sz="4800" dirty="0"/>
-              <a:t>      </a:t>
-            </a:r>
-            <a:r>
-              <a:rPr lang="en-US" sz="4800" dirty="0">
-                <a:solidFill>
-                  <a:srgbClr val="3C34DA"/>
-                </a:solidFill>
-              </a:rPr>
+              <a:t>                        </a:t>
+            </a:r>
+            <a:r>
+              <a:rPr lang="en-US" sz="4800" dirty="0" smtClean="0"/>
               <a:t> </a:t>
             </a:r>
             <a:endParaRPr lang="en-US" sz="4800" dirty="0">
-              <a:ea typeface="Comic Sans MS"/>
-              <a:cs typeface="Comic Sans MS"/>
+              <a:solidFill>
+                <a:srgbClr val="3C34DA"/>
+              </a:solidFill>
             </a:endParaRPr>
           </a:p>
         </p:txBody>
       </p:sp>
       <p:sp>
         <p:nvSpPr>
-          <p:cNvPr id="374791" name="Rectangle 7"/>
+          <p:cNvPr id="6" name="Rectangle 4"/>
           <p:cNvSpPr>
-            <a:spLocks noChangeArrowheads="1"/>
+            <a:spLocks noGrp="1" noChangeArrowheads="1"/>
           </p:cNvSpPr>
-          <p:nvPr/>
+          <p:nvPr>
+            <p:ph type="title"/>
+          </p:nvPr>
         </p:nvSpPr>
-        <p:spPr bwMode="auto">
+        <p:spPr>
           <a:xfrm>
-            <a:off x="431800" y="1377950"/>
-            <a:ext cx="8483600" cy="4940300"/>
+            <a:off x="2686050" y="317500"/>
+            <a:ext cx="3790950" cy="1054100"/>
           </a:xfrm>
-          <a:prstGeom prst="rect">
-            <a:avLst/>
-          </a:prstGeom>
           <a:noFill/>
-          <a:ln w="9525">
-            <a:noFill/>
-            <a:miter lim="800000"/>
-            <a:headEnd/>
-            <a:tailEnd/>
-          </a:ln>
-          <a:effectLst/>
+          <a:ln/>
         </p:spPr>
         <p:txBody>
-          <a:bodyPr>
-            <a:prstTxWarp prst="textNoShape">
-              <a:avLst/>
-            </a:prstTxWarp>
-          </a:bodyPr>
+          <a:bodyPr/>
           <a:lstStyle/>
           <a:p>
-            <a:pPr marL="342900" indent="-342900" algn="ctr">
-              <a:spcBef>
-                <a:spcPct val="20000"/>
-              </a:spcBef>
-            </a:pPr>
-            <a:r>
-              <a:rPr lang="en-US" sz="4800" dirty="0">
-                <a:latin typeface="Comic Sans MS"/>
-                <a:ea typeface="Comic Sans MS"/>
-                <a:cs typeface="Comic Sans MS"/>
-                <a:sym typeface="Symbol" charset="2"/>
-              </a:rPr>
-              <a:t>Let </a:t>
-            </a:r>
-            <a:r>
-              <a:rPr lang="en-US" sz="4800" dirty="0" err="1">
-                <a:latin typeface="Comic Sans MS"/>
-                <a:ea typeface="Comic Sans MS"/>
-                <a:cs typeface="Comic Sans MS"/>
-                <a:sym typeface="Symbol" charset="2"/>
-              </a:rPr>
-              <a:t>(</a:t>
-            </a:r>
-            <a:r>
-              <a:rPr lang="en-US" sz="4800" i="1" dirty="0" err="1">
-                <a:latin typeface="Comic Sans MS"/>
-                <a:ea typeface="Comic Sans MS"/>
-                <a:cs typeface="Comic Sans MS"/>
-                <a:sym typeface="Symbol" charset="2"/>
-              </a:rPr>
-              <a:t>c</a:t>
-            </a:r>
-            <a:r>
-              <a:rPr lang="en-US" sz="4800" dirty="0">
-                <a:latin typeface="Comic Sans MS"/>
-                <a:ea typeface="Comic Sans MS"/>
-                <a:cs typeface="Comic Sans MS"/>
-                <a:sym typeface="Symbol" charset="2"/>
-              </a:rPr>
-              <a:t>) </a:t>
-            </a:r>
-            <a:r>
-              <a:rPr lang="en-US" sz="4800" b="1" dirty="0">
-                <a:latin typeface="Euclid Symbol" charset="2"/>
-                <a:ea typeface="Comic Sans MS"/>
-                <a:cs typeface="Comic Sans MS"/>
-                <a:sym typeface="Symbol" charset="2"/>
-              </a:rPr>
-              <a:t>::=</a:t>
-            </a:r>
-            <a:r>
-              <a:rPr lang="en-US" sz="4800" dirty="0">
-                <a:latin typeface="Comic Sans MS"/>
-                <a:ea typeface="Comic Sans MS"/>
-                <a:cs typeface="Comic Sans MS"/>
-                <a:sym typeface="Symbol" charset="2"/>
-              </a:rPr>
-              <a:t> </a:t>
-            </a:r>
-            <a:r>
-              <a:rPr lang="en-US" sz="4800" i="1" dirty="0" err="1">
-                <a:latin typeface="Comic Sans MS"/>
-                <a:ea typeface="Comic Sans MS"/>
-                <a:cs typeface="Comic Sans MS"/>
-              </a:rPr>
-              <a:t>c</a:t>
-            </a:r>
-            <a:r>
-              <a:rPr lang="en-US" sz="4800" dirty="0">
-                <a:latin typeface="Comic Sans MS"/>
-                <a:ea typeface="Comic Sans MS"/>
-                <a:cs typeface="Comic Sans MS"/>
-              </a:rPr>
-              <a:t> log </a:t>
-            </a:r>
-            <a:r>
-              <a:rPr lang="en-US" sz="4800" i="1" dirty="0" err="1">
-                <a:latin typeface="Comic Sans MS"/>
-                <a:ea typeface="Comic Sans MS"/>
-                <a:cs typeface="Comic Sans MS"/>
-              </a:rPr>
-              <a:t>c</a:t>
-            </a:r>
-            <a:r>
-              <a:rPr lang="en-US" sz="4800" dirty="0">
-                <a:latin typeface="Comic Sans MS"/>
-                <a:ea typeface="Comic Sans MS"/>
-                <a:cs typeface="Comic Sans MS"/>
-              </a:rPr>
-              <a:t> –</a:t>
-            </a:r>
-            <a:r>
-              <a:rPr lang="en-US" sz="4800" i="1" dirty="0">
-                <a:latin typeface="Comic Sans MS"/>
-                <a:ea typeface="Comic Sans MS"/>
-                <a:cs typeface="Comic Sans MS"/>
-              </a:rPr>
-              <a:t> </a:t>
-            </a:r>
-            <a:r>
-              <a:rPr lang="en-US" sz="4800" i="1" dirty="0" err="1">
-                <a:latin typeface="Comic Sans MS"/>
-                <a:ea typeface="Comic Sans MS"/>
-                <a:cs typeface="Comic Sans MS"/>
-              </a:rPr>
-              <a:t>c</a:t>
-            </a:r>
-            <a:r>
-              <a:rPr lang="en-US" sz="4800" dirty="0">
-                <a:latin typeface="Comic Sans MS"/>
-                <a:ea typeface="Comic Sans MS"/>
-                <a:cs typeface="Comic Sans MS"/>
-              </a:rPr>
-              <a:t> + 1</a:t>
-            </a:r>
-          </a:p>
-          <a:p>
-            <a:pPr marL="342900" indent="-342900" algn="ctr">
-              <a:spcBef>
-                <a:spcPct val="20000"/>
-              </a:spcBef>
-            </a:pPr>
-            <a:r>
-              <a:rPr lang="en-US" sz="5400" dirty="0" err="1">
-                <a:latin typeface="Comic Sans MS"/>
-              </a:rPr>
-              <a:t>Pr{</a:t>
-            </a:r>
-            <a:r>
-              <a:rPr lang="en-US" sz="5400" i="1" dirty="0" err="1">
-                <a:solidFill>
-                  <a:srgbClr val="3C34DA"/>
-                </a:solidFill>
-                <a:latin typeface="Comic Sans MS"/>
-              </a:rPr>
-              <a:t>R</a:t>
-            </a:r>
-            <a:r>
-              <a:rPr lang="en-US" sz="5400" dirty="0">
-                <a:solidFill>
-                  <a:srgbClr val="008000"/>
-                </a:solidFill>
-                <a:latin typeface="Comic Sans MS"/>
-              </a:rPr>
-              <a:t> </a:t>
-            </a:r>
-            <a:r>
-              <a:rPr lang="en-US" sz="5400" dirty="0">
-                <a:solidFill>
-                  <a:srgbClr val="008000"/>
-                </a:solidFill>
-                <a:latin typeface="Euclid Symbol" charset="2"/>
-              </a:rPr>
-              <a:t>¸</a:t>
-            </a:r>
-            <a:r>
-              <a:rPr lang="en-US" sz="5400" i="1" dirty="0">
-                <a:solidFill>
-                  <a:srgbClr val="008000"/>
-                </a:solidFill>
-                <a:latin typeface="Comic Sans MS"/>
-              </a:rPr>
-              <a:t> </a:t>
-            </a:r>
-            <a:r>
-              <a:rPr lang="en-US" sz="5400" i="1" dirty="0" err="1">
-                <a:solidFill>
-                  <a:schemeClr val="accent2"/>
-                </a:solidFill>
-                <a:latin typeface="Comic Sans MS"/>
-              </a:rPr>
-              <a:t>c</a:t>
-            </a:r>
-            <a:r>
-              <a:rPr lang="en-US" sz="5400" dirty="0">
-                <a:solidFill>
-                  <a:schemeClr val="accent2"/>
-                </a:solidFill>
-                <a:latin typeface="Comic Sans MS"/>
-                <a:ea typeface="Comic Sans MS"/>
-                <a:cs typeface="Comic Sans MS"/>
-              </a:rPr>
-              <a:t>µ</a:t>
-            </a:r>
-            <a:r>
-              <a:rPr lang="en-US" sz="5400" dirty="0">
-                <a:latin typeface="Comic Sans MS"/>
-                <a:ea typeface="Comic Sans MS"/>
-                <a:cs typeface="Comic Sans MS"/>
-              </a:rPr>
-              <a:t>} ≤  </a:t>
-            </a:r>
-            <a:r>
-              <a:rPr lang="en-US" sz="7200" dirty="0" err="1">
-                <a:latin typeface="Comic Sans MS"/>
-              </a:rPr>
-              <a:t>e</a:t>
-            </a:r>
-            <a:r>
-              <a:rPr lang="en-US" sz="7200" baseline="30000" dirty="0">
-                <a:latin typeface="Comic Sans MS"/>
-                <a:ea typeface="Comic Sans MS"/>
-                <a:cs typeface="Comic Sans MS"/>
-              </a:rPr>
-              <a:t>−</a:t>
-            </a:r>
-            <a:r>
-              <a:rPr lang="el-GR" sz="7200" baseline="30000" dirty="0">
-                <a:latin typeface="Comic Sans MS"/>
-                <a:ea typeface="Comic Sans MS"/>
-                <a:cs typeface="Comic Sans MS"/>
-              </a:rPr>
-              <a:t>β</a:t>
-            </a:r>
-            <a:r>
-              <a:rPr lang="en-US" sz="7200" baseline="30000" dirty="0">
-                <a:latin typeface="Comic Sans MS"/>
-                <a:ea typeface="Comic Sans MS"/>
-                <a:cs typeface="Comic Sans MS"/>
-              </a:rPr>
-              <a:t>(</a:t>
-            </a:r>
-            <a:r>
-              <a:rPr lang="en-US" sz="7200" i="1" baseline="30000" dirty="0" err="1">
-                <a:latin typeface="Comic Sans MS"/>
-                <a:ea typeface="Comic Sans MS"/>
-                <a:cs typeface="Comic Sans MS"/>
-              </a:rPr>
-              <a:t>c</a:t>
-            </a:r>
-            <a:r>
-              <a:rPr lang="en-US" sz="7200" baseline="30000" dirty="0">
-                <a:latin typeface="Comic Sans MS"/>
-                <a:ea typeface="Comic Sans MS"/>
-                <a:cs typeface="Comic Sans MS"/>
-              </a:rPr>
-              <a:t>)</a:t>
-            </a:r>
-            <a:r>
-              <a:rPr lang="en-US" sz="7200" baseline="30000" dirty="0">
-                <a:solidFill>
-                  <a:srgbClr val="3C34DA"/>
-                </a:solidFill>
-                <a:latin typeface="Comic Sans MS"/>
-                <a:ea typeface="Comic Sans MS"/>
-                <a:cs typeface="Comic Sans MS"/>
-              </a:rPr>
-              <a:t>µ</a:t>
-            </a:r>
-          </a:p>
-          <a:p>
-            <a:pPr marL="342900" indent="-342900" algn="ctr">
-              <a:spcBef>
-                <a:spcPct val="20000"/>
-              </a:spcBef>
-            </a:pPr>
-            <a:endParaRPr lang="en-US" sz="5400" dirty="0">
-              <a:latin typeface="Comic Sans MS"/>
-              <a:ea typeface="Comic Sans MS"/>
-              <a:cs typeface="Comic Sans MS"/>
-            </a:endParaRPr>
-          </a:p>
-          <a:p>
-            <a:pPr marL="342900" indent="-342900" algn="ctr">
-              <a:spcBef>
-                <a:spcPct val="20000"/>
-              </a:spcBef>
-            </a:pPr>
-            <a:r>
-              <a:rPr lang="en-US" sz="4800" dirty="0">
-                <a:latin typeface="Comic Sans MS"/>
-                <a:ea typeface="Comic Sans MS"/>
-                <a:cs typeface="Comic Sans MS"/>
-              </a:rPr>
-              <a:t>only when </a:t>
-            </a:r>
-            <a:r>
-              <a:rPr lang="en-US" sz="4800" dirty="0">
-                <a:solidFill>
-                  <a:srgbClr val="3C34DA"/>
-                </a:solidFill>
-                <a:latin typeface="Comic Sans MS"/>
-                <a:ea typeface="Comic Sans MS"/>
-                <a:cs typeface="Comic Sans MS"/>
-              </a:rPr>
-              <a:t>µ</a:t>
-            </a:r>
-            <a:r>
-              <a:rPr lang="en-US" sz="4800" dirty="0">
-                <a:latin typeface="Comic Sans MS"/>
-                <a:ea typeface="Comic Sans MS"/>
-                <a:cs typeface="Comic Sans MS"/>
-              </a:rPr>
-              <a:t> is </a:t>
-            </a:r>
-            <a:r>
-              <a:rPr lang="en-US" sz="4800" dirty="0">
-                <a:solidFill>
-                  <a:srgbClr val="EC4408"/>
-                </a:solidFill>
-                <a:latin typeface="Comic Sans MS"/>
-                <a:ea typeface="Comic Sans MS"/>
-                <a:cs typeface="Comic Sans MS"/>
-              </a:rPr>
-              <a:t>large</a:t>
-            </a:r>
-            <a:r>
-              <a:rPr lang="en-US" sz="4800" dirty="0">
-                <a:latin typeface="Comic Sans MS"/>
-                <a:ea typeface="Comic Sans MS"/>
-                <a:cs typeface="Comic Sans MS"/>
-              </a:rPr>
-              <a:t>.</a:t>
-            </a:r>
-            <a:endParaRPr lang="en-US" sz="4400" dirty="0">
-              <a:latin typeface="Comic Sans MS"/>
-              <a:ea typeface="Comic Sans MS"/>
-              <a:cs typeface="Comic Sans MS"/>
-            </a:endParaRPr>
+            <a:r>
+              <a:rPr lang="en-US" sz="4400" dirty="0"/>
+              <a:t>The Lottery</a:t>
+            </a:r>
           </a:p>
         </p:txBody>
       </p:sp>
       <p:graphicFrame>
         <p:nvGraphicFramePr>
-          <p:cNvPr id="374792" name="Object 8"/>
+          <p:cNvPr id="7" name="Object 6"/>
           <p:cNvGraphicFramePr>
             <a:graphicFrameLocks noChangeAspect="1"/>
           </p:cNvGraphicFramePr>
-          <p:nvPr>
-            <p:ph sz="half" idx="2"/>
-          </p:nvPr>
+          <p:nvPr/>
         </p:nvGraphicFramePr>
         <p:xfrm>
-          <a:off x="5265738" y="2835275"/>
-          <a:ext cx="2128837" cy="1392238"/>
+          <a:off x="2225674" y="3854450"/>
+          <a:ext cx="4692651" cy="1886736"/>
         </p:xfrm>
         <a:graphic>
           <a:graphicData uri="http://schemas.openxmlformats.org/presentationml/2006/ole">
-            <p:oleObj spid="_x0000_s374792" name="Equation" r:id="rId3" imgW="660240" imgH="431640" progId="Equation.DSMT4">
+            <p:oleObj spid="_x0000_s409602" name="Equation" r:id="rId3" imgW="1231900" imgH="495300" progId="Equation.DSMT4">
               <p:embed/>
             </p:oleObj>
           </a:graphicData>
@@ -4901,7 +4876,6 @@
   <p:clrMapOvr>
     <a:masterClrMapping/>
   </p:clrMapOvr>
-  <p:transition/>
   <p:timing>
     <p:tnLst>
       <p:par>
@@ -4936,9 +4910,9 @@
                                           </p:stCondLst>
                                         </p:cTn>
                                         <p:tgtEl>
-                                          <p:spTgt spid="374791">
+                                          <p:spTgt spid="384003">
                                             <p:txEl>
-                                              <p:pRg st="0" end="0"/>
+                                              <p:pRg st="2" end="2"/>
                                             </p:txEl>
                                           </p:spTgt>
                                         </p:tgtEl>
@@ -4985,1159 +4959,9 @@
                                           </p:stCondLst>
                                         </p:cTn>
                                         <p:tgtEl>
-                                          <p:spTgt spid="374791">
-                                            <p:txEl>
-                                              <p:pRg st="1" end="1"/>
-                                            </p:txEl>
-                                          </p:spTgt>
-                                        </p:tgtEl>
-                                        <p:attrNameLst>
-                                          <p:attrName>style.visibility</p:attrName>
-                                        </p:attrNameLst>
-                                      </p:cBhvr>
-                                      <p:to>
-                                        <p:strVal val="visible"/>
-                                      </p:to>
-                                    </p:set>
-                                  </p:childTnLst>
-                                </p:cTn>
-                              </p:par>
-                            </p:childTnLst>
-                          </p:cTn>
-                        </p:par>
-                      </p:childTnLst>
-                    </p:cTn>
-                  </p:par>
-                  <p:par>
-                    <p:cTn id="11" fill="hold">
-                      <p:stCondLst>
-                        <p:cond delay="indefinite"/>
-                      </p:stCondLst>
-                      <p:childTnLst>
-                        <p:par>
-                          <p:cTn id="12" fill="hold">
-                            <p:stCondLst>
-                              <p:cond delay="0"/>
-                            </p:stCondLst>
-                            <p:childTnLst>
-                              <p:par>
-                                <p:cTn id="13" presetID="1" presetClass="entr" presetSubtype="0" fill="hold" nodeType="clickEffect">
-                                  <p:stCondLst>
-                                    <p:cond delay="0"/>
-                                  </p:stCondLst>
-                                  <p:childTnLst>
-                                    <p:set>
-                                      <p:cBhvr>
-                                        <p:cTn id="14" dur="1" fill="hold">
-                                          <p:stCondLst>
-                                            <p:cond delay="0"/>
-                                          </p:stCondLst>
-                                        </p:cTn>
-                                        <p:tgtEl>
-                                          <p:spTgt spid="374792"/>
-                                        </p:tgtEl>
-                                        <p:attrNameLst>
-                                          <p:attrName>style.visibility</p:attrName>
-                                        </p:attrNameLst>
-                                      </p:cBhvr>
-                                      <p:to>
-                                        <p:strVal val="visible"/>
-                                      </p:to>
-                                    </p:set>
-                                  </p:childTnLst>
-                                </p:cTn>
-                              </p:par>
-                            </p:childTnLst>
-                          </p:cTn>
-                        </p:par>
-                      </p:childTnLst>
-                    </p:cTn>
-                  </p:par>
-                  <p:par>
-                    <p:cTn id="15" fill="hold">
-                      <p:stCondLst>
-                        <p:cond delay="indefinite"/>
-                      </p:stCondLst>
-                      <p:childTnLst>
-                        <p:par>
-                          <p:cTn id="16" fill="hold">
-                            <p:stCondLst>
-                              <p:cond delay="0"/>
-                            </p:stCondLst>
-                            <p:childTnLst>
-                              <p:par>
-                                <p:cTn id="17" presetID="1" presetClass="entr" presetSubtype="0" fill="hold" nodeType="clickEffect">
-                                  <p:stCondLst>
-                                    <p:cond delay="0"/>
-                                  </p:stCondLst>
-                                  <p:childTnLst>
-                                    <p:set>
-                                      <p:cBhvr>
-                                        <p:cTn id="18" dur="1" fill="hold">
-                                          <p:stCondLst>
-                                            <p:cond delay="0"/>
-                                          </p:stCondLst>
-                                        </p:cTn>
-                                        <p:tgtEl>
-                                          <p:spTgt spid="374791">
+                                          <p:spTgt spid="384003">
                                             <p:txEl>
                                               <p:pRg st="3" end="3"/>
-                                            </p:txEl>
-                                          </p:spTgt>
-                                        </p:tgtEl>
-                                        <p:attrNameLst>
-                                          <p:attrName>style.visibility</p:attrName>
-                                        </p:attrNameLst>
-                                      </p:cBhvr>
-                                      <p:to>
-                                        <p:strVal val="visible"/>
-                                      </p:to>
-                                    </p:set>
-                                  </p:childTnLst>
-                                </p:cTn>
-                              </p:par>
-                            </p:childTnLst>
-                          </p:cTn>
-                        </p:par>
-                      </p:childTnLst>
-                    </p:cTn>
-                  </p:par>
-                </p:childTnLst>
-              </p:cTn>
-              <p:prevCondLst>
-                <p:cond evt="onPrev" delay="0">
-                  <p:tgtEl>
-                    <p:sldTgt/>
-                  </p:tgtEl>
-                </p:cond>
-              </p:prevCondLst>
-              <p:nextCondLst>
-                <p:cond evt="onNext" delay="0">
-                  <p:tgtEl>
-                    <p:sldTgt/>
-                  </p:tgtEl>
-                </p:cond>
-              </p:nextCondLst>
-            </p:seq>
-          </p:childTnLst>
-        </p:cTn>
-      </p:par>
-    </p:tnLst>
-  </p:timing>
-</p:sld>
-</file>
-
-<file path=ppt/slides/slide11.xml><?xml version="1.0" encoding="utf-8"?>
-<p:sld xmlns:a="http://schemas.openxmlformats.org/drawingml/2006/main" xmlns:r="http://schemas.openxmlformats.org/officeDocument/2006/relationships" xmlns:mc="http://schemas.openxmlformats.org/markup-compatibility/2006" xmlns:mv="urn:schemas-microsoft-com:mac:vml" xmlns:p="http://schemas.openxmlformats.org/presentationml/2006/main" mc:Ignorable="mv" mc:PreserveAttributes="mv:*">
-  <p:cSld>
-    <p:spTree>
-      <p:nvGrpSpPr>
-        <p:cNvPr id="1" name=""/>
-        <p:cNvGrpSpPr/>
-        <p:nvPr/>
-      </p:nvGrpSpPr>
-      <p:grpSpPr>
-        <a:xfrm>
-          <a:off x="0" y="0"/>
-          <a:ext cx="0" cy="0"/>
-          <a:chOff x="0" y="0"/>
-          <a:chExt cx="0" cy="0"/>
-        </a:xfrm>
-      </p:grpSpPr>
-      <p:sp>
-        <p:nvSpPr>
-          <p:cNvPr id="6" name="Slide Number Placeholder 3"/>
-          <p:cNvSpPr>
-            <a:spLocks noGrp="1"/>
-          </p:cNvSpPr>
-          <p:nvPr>
-            <p:ph type="sldNum" sz="quarter" idx="10"/>
-          </p:nvPr>
-        </p:nvSpPr>
-        <p:spPr/>
-        <p:txBody>
-          <a:bodyPr/>
-          <a:lstStyle/>
-          <a:p>
-            <a:r>
-              <a:rPr lang="en-US" dirty="0">
-                <a:latin typeface="Comic Sans MS"/>
-              </a:rPr>
-              <a:t>L14-3</a:t>
-            </a:r>
-            <a:r>
-              <a:rPr lang="en-US" sz="1400" dirty="0">
-                <a:latin typeface="Comic Sans MS"/>
-              </a:rPr>
-              <a:t>.</a:t>
-            </a:r>
-            <a:fld id="{685ED2A4-7B63-AE4C-9BD0-ADD5FA3DE018}" type="slidenum">
-              <a:rPr lang="en-US" sz="1400">
-                <a:latin typeface="Comic Sans MS"/>
-              </a:rPr>
-              <a:pPr/>
-              <a:t>11</a:t>
-            </a:fld>
-            <a:endParaRPr lang="en-US" sz="1400" dirty="0">
-              <a:latin typeface="Comic Sans MS"/>
-            </a:endParaRPr>
-          </a:p>
-        </p:txBody>
-      </p:sp>
-      <p:sp>
-        <p:nvSpPr>
-          <p:cNvPr id="375814" name="Text Box 6"/>
-          <p:cNvSpPr txBox="1">
-            <a:spLocks noChangeArrowheads="1"/>
-          </p:cNvSpPr>
-          <p:nvPr/>
-        </p:nvSpPr>
-        <p:spPr bwMode="auto">
-          <a:xfrm>
-            <a:off x="563563" y="1471910"/>
-            <a:ext cx="8364537" cy="3477875"/>
-          </a:xfrm>
-          <a:prstGeom prst="rect">
-            <a:avLst/>
-          </a:prstGeom>
-          <a:noFill/>
-          <a:ln w="9525">
-            <a:noFill/>
-            <a:miter lim="800000"/>
-            <a:headEnd/>
-            <a:tailEnd type="none" w="lg" len="lg"/>
-          </a:ln>
-          <a:effectLst/>
-        </p:spPr>
-        <p:txBody>
-          <a:bodyPr>
-            <a:prstTxWarp prst="textNoShape">
-              <a:avLst/>
-            </a:prstTxWarp>
-            <a:spAutoFit/>
-          </a:bodyPr>
-          <a:lstStyle/>
-          <a:p>
-            <a:r>
-              <a:rPr lang="en-US" sz="4400" dirty="0">
-                <a:latin typeface="Comic Sans MS"/>
-              </a:rPr>
-              <a:t>Dependence on</a:t>
-            </a:r>
-            <a:r>
-              <a:rPr lang="en-US" sz="4400" i="1" dirty="0">
-                <a:latin typeface="Comic Sans MS"/>
-              </a:rPr>
-              <a:t> </a:t>
-            </a:r>
-            <a:r>
-              <a:rPr lang="en-US" sz="4400" dirty="0" err="1">
-                <a:solidFill>
-                  <a:schemeClr val="accent2"/>
-                </a:solidFill>
-                <a:latin typeface="Comic Sans MS"/>
-              </a:rPr>
-              <a:t>c</a:t>
-            </a:r>
-            <a:r>
-              <a:rPr lang="en-US" sz="4400" dirty="0">
-                <a:latin typeface="Comic Sans MS"/>
-              </a:rPr>
-              <a:t>?</a:t>
-            </a:r>
-          </a:p>
-          <a:p>
-            <a:r>
-              <a:rPr lang="en-US" sz="4400" dirty="0" err="1">
-                <a:solidFill>
-                  <a:schemeClr val="accent1">
-                    <a:lumMod val="50000"/>
-                  </a:schemeClr>
-                </a:solidFill>
-                <a:latin typeface="Comic Sans MS"/>
-              </a:rPr>
-              <a:t>c</a:t>
-            </a:r>
-            <a:r>
-              <a:rPr lang="en-US" sz="4400" dirty="0">
-                <a:solidFill>
-                  <a:schemeClr val="accent1">
-                    <a:lumMod val="50000"/>
-                  </a:schemeClr>
-                </a:solidFill>
-                <a:latin typeface="Comic Sans MS"/>
-              </a:rPr>
-              <a:t>=1:      </a:t>
-            </a:r>
-            <a:r>
-              <a:rPr lang="en-US" sz="4400" dirty="0" smtClean="0">
-                <a:solidFill>
-                  <a:schemeClr val="accent1">
-                    <a:lumMod val="50000"/>
-                  </a:schemeClr>
-                </a:solidFill>
-                <a:latin typeface="Comic Sans MS"/>
-              </a:rPr>
-              <a:t>  </a:t>
-            </a:r>
-            <a:r>
-              <a:rPr lang="el-GR" sz="4400" b="1" dirty="0">
-                <a:solidFill>
-                  <a:schemeClr val="accent1">
-                    <a:lumMod val="50000"/>
-                  </a:schemeClr>
-                </a:solidFill>
-                <a:latin typeface="Euclid Symbol" charset="2"/>
-                <a:cs typeface="Euclid Symbol" charset="2"/>
-              </a:rPr>
-              <a:t>β</a:t>
-            </a:r>
-            <a:r>
-              <a:rPr lang="en-US" sz="4400" dirty="0">
-                <a:solidFill>
-                  <a:schemeClr val="accent1">
-                    <a:lumMod val="50000"/>
-                  </a:schemeClr>
-                </a:solidFill>
-                <a:latin typeface="Comic Sans MS"/>
-              </a:rPr>
-              <a:t>(</a:t>
-            </a:r>
-            <a:r>
-              <a:rPr lang="en-US" sz="4400" dirty="0" err="1">
-                <a:solidFill>
-                  <a:schemeClr val="accent1">
-                    <a:lumMod val="50000"/>
-                  </a:schemeClr>
-                </a:solidFill>
-                <a:latin typeface="Comic Sans MS"/>
-              </a:rPr>
-              <a:t>c</a:t>
-            </a:r>
-            <a:r>
-              <a:rPr lang="en-US" sz="4400" dirty="0">
-                <a:solidFill>
-                  <a:schemeClr val="accent1">
-                    <a:lumMod val="50000"/>
-                  </a:schemeClr>
-                </a:solidFill>
-                <a:latin typeface="Comic Sans MS"/>
-              </a:rPr>
-              <a:t>) = 0</a:t>
-            </a:r>
-            <a:r>
-              <a:rPr lang="en-US" sz="4000" dirty="0">
-                <a:latin typeface="Comic Sans MS"/>
-              </a:rPr>
-              <a:t>         </a:t>
-            </a:r>
-            <a:r>
-              <a:rPr lang="en-US" sz="4000" dirty="0" smtClean="0">
-                <a:latin typeface="Comic Sans MS"/>
-              </a:rPr>
-              <a:t> (</a:t>
-            </a:r>
-            <a:r>
-              <a:rPr lang="en-US" sz="4000" dirty="0">
-                <a:latin typeface="Comic Sans MS"/>
-              </a:rPr>
-              <a:t>useless)</a:t>
-            </a:r>
-            <a:endParaRPr lang="el-GR" sz="4000" dirty="0">
-              <a:latin typeface="Comic Sans MS"/>
-            </a:endParaRPr>
-          </a:p>
-          <a:p>
-            <a:r>
-              <a:rPr lang="en-US" sz="4400" dirty="0" err="1">
-                <a:latin typeface="Comic Sans MS"/>
-              </a:rPr>
-              <a:t>c</a:t>
-            </a:r>
-            <a:r>
-              <a:rPr lang="en-US" sz="4400" dirty="0">
-                <a:latin typeface="Comic Sans MS"/>
-              </a:rPr>
-              <a:t> large: </a:t>
-            </a:r>
-            <a:r>
-              <a:rPr lang="en-US" sz="4400" dirty="0" smtClean="0">
-                <a:latin typeface="Comic Sans MS"/>
-              </a:rPr>
-              <a:t> </a:t>
-            </a:r>
-            <a:r>
-              <a:rPr lang="el-GR" sz="4400" b="1" dirty="0" smtClean="0">
-                <a:solidFill>
-                  <a:schemeClr val="accent1">
-                    <a:lumMod val="50000"/>
-                  </a:schemeClr>
-                </a:solidFill>
-                <a:latin typeface="Euclid Symbol" charset="2"/>
-                <a:cs typeface="Euclid Symbol" charset="2"/>
-              </a:rPr>
-              <a:t>β</a:t>
-            </a:r>
-            <a:r>
-              <a:rPr lang="en-US" sz="4400" dirty="0" smtClean="0">
-                <a:solidFill>
-                  <a:srgbClr val="0000E5"/>
-                </a:solidFill>
-                <a:latin typeface="Comic Sans MS"/>
-              </a:rPr>
-              <a:t>(</a:t>
-            </a:r>
-            <a:r>
-              <a:rPr lang="en-US" sz="4400" dirty="0" err="1">
-                <a:solidFill>
-                  <a:srgbClr val="0000E5"/>
-                </a:solidFill>
-                <a:latin typeface="Comic Sans MS"/>
-              </a:rPr>
-              <a:t>c</a:t>
-            </a:r>
-            <a:r>
-              <a:rPr lang="en-US" sz="4400" dirty="0">
-                <a:solidFill>
-                  <a:srgbClr val="0000E5"/>
-                </a:solidFill>
-                <a:latin typeface="Comic Sans MS"/>
-              </a:rPr>
-              <a:t>) </a:t>
-            </a:r>
-            <a:r>
-              <a:rPr lang="en-US" sz="4400" dirty="0">
-                <a:solidFill>
-                  <a:srgbClr val="0000E5"/>
-                </a:solidFill>
-                <a:latin typeface="Comic Sans MS"/>
-                <a:ea typeface="Comic Sans MS"/>
-                <a:cs typeface="Comic Sans MS"/>
-              </a:rPr>
-              <a:t>≈ </a:t>
-            </a:r>
-            <a:r>
-              <a:rPr lang="en-US" sz="4400" dirty="0" err="1">
-                <a:solidFill>
-                  <a:srgbClr val="0000E5"/>
-                </a:solidFill>
-                <a:latin typeface="Comic Sans MS"/>
-                <a:ea typeface="Comic Sans MS"/>
-                <a:cs typeface="Comic Sans MS"/>
-              </a:rPr>
-              <a:t>c</a:t>
-            </a:r>
-            <a:r>
-              <a:rPr lang="en-US" sz="4400" dirty="0">
-                <a:solidFill>
-                  <a:srgbClr val="0000E5"/>
-                </a:solidFill>
-                <a:latin typeface="Comic Sans MS"/>
-                <a:ea typeface="Comic Sans MS"/>
-                <a:cs typeface="Comic Sans MS"/>
-              </a:rPr>
-              <a:t> log </a:t>
-            </a:r>
-            <a:r>
-              <a:rPr lang="en-US" sz="4400" dirty="0" err="1">
-                <a:solidFill>
-                  <a:srgbClr val="0000E5"/>
-                </a:solidFill>
-                <a:latin typeface="Comic Sans MS"/>
-                <a:ea typeface="Comic Sans MS"/>
-                <a:cs typeface="Comic Sans MS"/>
-              </a:rPr>
-              <a:t>c</a:t>
-            </a:r>
-            <a:r>
-              <a:rPr lang="en-US" sz="4400" dirty="0" smtClean="0">
-                <a:solidFill>
-                  <a:srgbClr val="0000E5"/>
-                </a:solidFill>
-                <a:latin typeface="Comic Sans MS"/>
-                <a:ea typeface="Comic Sans MS"/>
-                <a:cs typeface="Comic Sans MS"/>
-              </a:rPr>
-              <a:t> </a:t>
-            </a:r>
-            <a:r>
-              <a:rPr lang="en-US" sz="4400" dirty="0" smtClean="0">
-                <a:latin typeface="Comic Sans MS"/>
-                <a:ea typeface="Comic Sans MS"/>
-                <a:cs typeface="Comic Sans MS"/>
-              </a:rPr>
-              <a:t> </a:t>
-            </a:r>
-            <a:r>
-              <a:rPr lang="en-US" sz="4400" dirty="0">
-                <a:solidFill>
-                  <a:srgbClr val="008000"/>
-                </a:solidFill>
-                <a:latin typeface="Comic Sans MS"/>
-                <a:ea typeface="Comic Sans MS"/>
-                <a:cs typeface="Comic Sans MS"/>
-              </a:rPr>
-              <a:t>LARGE</a:t>
-            </a:r>
-          </a:p>
-          <a:p>
-            <a:r>
-              <a:rPr lang="en-US" sz="4400" dirty="0" err="1">
-                <a:solidFill>
-                  <a:srgbClr val="0000E5"/>
-                </a:solidFill>
-                <a:latin typeface="Comic Sans MS"/>
-                <a:ea typeface="Comic Sans MS"/>
-                <a:cs typeface="Comic Sans MS"/>
-              </a:rPr>
-              <a:t>c</a:t>
-            </a:r>
-            <a:r>
-              <a:rPr lang="en-US" sz="4400" dirty="0">
-                <a:solidFill>
-                  <a:srgbClr val="0000E5"/>
-                </a:solidFill>
-                <a:latin typeface="Comic Sans MS"/>
-                <a:ea typeface="Comic Sans MS"/>
-                <a:cs typeface="Comic Sans MS"/>
-              </a:rPr>
-              <a:t>=</a:t>
-            </a:r>
-            <a:r>
-              <a:rPr lang="en-US" sz="4400" dirty="0" err="1">
-                <a:solidFill>
-                  <a:srgbClr val="0000E5"/>
-                </a:solidFill>
-                <a:latin typeface="Comic Sans MS"/>
-                <a:ea typeface="Comic Sans MS"/>
-                <a:cs typeface="Comic Sans MS"/>
-              </a:rPr>
-              <a:t>e</a:t>
-            </a:r>
-            <a:r>
-              <a:rPr lang="en-US" sz="4400" dirty="0">
-                <a:solidFill>
-                  <a:srgbClr val="0000E5"/>
-                </a:solidFill>
-                <a:latin typeface="Comic Sans MS"/>
-                <a:ea typeface="Comic Sans MS"/>
-                <a:cs typeface="Comic Sans MS"/>
-              </a:rPr>
-              <a:t>:      </a:t>
-            </a:r>
-            <a:r>
-              <a:rPr lang="en-US" sz="4400" dirty="0" smtClean="0">
-                <a:solidFill>
-                  <a:srgbClr val="0000E5"/>
-                </a:solidFill>
-                <a:latin typeface="Comic Sans MS"/>
-                <a:ea typeface="Comic Sans MS"/>
-                <a:cs typeface="Comic Sans MS"/>
-              </a:rPr>
-              <a:t> </a:t>
-            </a:r>
-            <a:r>
-              <a:rPr lang="el-GR" sz="4400" b="1" dirty="0" smtClean="0">
-                <a:solidFill>
-                  <a:srgbClr val="0000E5"/>
-                </a:solidFill>
-                <a:latin typeface="Euclid Symbol" charset="2"/>
-                <a:cs typeface="Euclid Symbol" charset="2"/>
-              </a:rPr>
-              <a:t>β</a:t>
-            </a:r>
-            <a:r>
-              <a:rPr lang="en-US" sz="4400" dirty="0" smtClean="0">
-                <a:solidFill>
-                  <a:srgbClr val="0000E5"/>
-                </a:solidFill>
-                <a:latin typeface="Comic Sans MS"/>
-              </a:rPr>
-              <a:t>(</a:t>
-            </a:r>
-            <a:r>
-              <a:rPr lang="en-US" sz="4400" dirty="0" err="1">
-                <a:solidFill>
-                  <a:srgbClr val="0000E5"/>
-                </a:solidFill>
-                <a:latin typeface="Comic Sans MS"/>
-              </a:rPr>
-              <a:t>c</a:t>
-            </a:r>
-            <a:r>
-              <a:rPr lang="en-US" sz="4400" dirty="0">
-                <a:solidFill>
-                  <a:srgbClr val="0000E5"/>
-                </a:solidFill>
-                <a:latin typeface="Comic Sans MS"/>
-              </a:rPr>
-              <a:t>) = </a:t>
-            </a:r>
-            <a:r>
-              <a:rPr lang="en-US" sz="4400" dirty="0" smtClean="0">
-                <a:solidFill>
-                  <a:srgbClr val="0000E5"/>
-                </a:solidFill>
-                <a:latin typeface="Comic Sans MS"/>
-              </a:rPr>
-              <a:t>1</a:t>
-            </a:r>
-            <a:endParaRPr lang="en-US" sz="4000" dirty="0" smtClean="0">
-              <a:latin typeface="Comic Sans MS"/>
-            </a:endParaRPr>
-          </a:p>
-          <a:p>
-            <a:r>
-              <a:rPr lang="en-US" sz="4400" dirty="0" err="1">
-                <a:solidFill>
-                  <a:srgbClr val="0000E5"/>
-                </a:solidFill>
-                <a:latin typeface="Comic Sans MS"/>
-              </a:rPr>
-              <a:t>c</a:t>
-            </a:r>
-            <a:r>
-              <a:rPr lang="en-US" sz="4400" dirty="0">
-                <a:solidFill>
-                  <a:srgbClr val="0000E5"/>
-                </a:solidFill>
-                <a:latin typeface="Comic Sans MS"/>
-              </a:rPr>
-              <a:t>=(1+</a:t>
-            </a:r>
-            <a:r>
-              <a:rPr lang="el-GR" sz="4400" b="1" dirty="0">
-                <a:solidFill>
-                  <a:srgbClr val="0000E5"/>
-                </a:solidFill>
-                <a:latin typeface="Euclid Symbol" charset="2"/>
-                <a:ea typeface="Comic Sans MS"/>
-                <a:cs typeface="Euclid Symbol" charset="2"/>
-              </a:rPr>
-              <a:t>ε</a:t>
-            </a:r>
-            <a:r>
-              <a:rPr lang="en-US" sz="4400" dirty="0">
-                <a:solidFill>
-                  <a:srgbClr val="0000E5"/>
-                </a:solidFill>
-                <a:latin typeface="Comic Sans MS"/>
-                <a:ea typeface="Comic Sans MS"/>
-                <a:cs typeface="Comic Sans MS"/>
-              </a:rPr>
-              <a:t>): </a:t>
-            </a:r>
-            <a:r>
-              <a:rPr lang="en-US" sz="4400" dirty="0" smtClean="0">
-                <a:solidFill>
-                  <a:srgbClr val="0000E5"/>
-                </a:solidFill>
-                <a:latin typeface="Comic Sans MS"/>
-                <a:ea typeface="Comic Sans MS"/>
-                <a:cs typeface="Comic Sans MS"/>
-              </a:rPr>
-              <a:t> </a:t>
-            </a:r>
-            <a:r>
-              <a:rPr lang="el-GR" sz="4400" b="1" dirty="0" smtClean="0">
-                <a:solidFill>
-                  <a:srgbClr val="0000E5"/>
-                </a:solidFill>
-                <a:latin typeface="Euclid Symbol" charset="2"/>
-                <a:cs typeface="Euclid Symbol" charset="2"/>
-              </a:rPr>
-              <a:t>β</a:t>
-            </a:r>
-            <a:r>
-              <a:rPr lang="en-US" sz="4400" dirty="0" smtClean="0">
-                <a:solidFill>
-                  <a:srgbClr val="0000E5"/>
-                </a:solidFill>
-                <a:latin typeface="Comic Sans MS"/>
-              </a:rPr>
-              <a:t>(</a:t>
-            </a:r>
-            <a:r>
-              <a:rPr lang="en-US" sz="4400" dirty="0" err="1">
-                <a:solidFill>
-                  <a:srgbClr val="0000E5"/>
-                </a:solidFill>
-                <a:latin typeface="Comic Sans MS"/>
-              </a:rPr>
-              <a:t>c</a:t>
-            </a:r>
-            <a:r>
-              <a:rPr lang="en-US" sz="4400" dirty="0">
-                <a:solidFill>
-                  <a:srgbClr val="0000E5"/>
-                </a:solidFill>
-                <a:latin typeface="Comic Sans MS"/>
-              </a:rPr>
-              <a:t>) =</a:t>
-            </a:r>
-            <a:r>
-              <a:rPr lang="en-US" sz="4400" dirty="0" smtClean="0">
-                <a:solidFill>
-                  <a:srgbClr val="0000E5"/>
-                </a:solidFill>
-                <a:latin typeface="Comic Sans MS"/>
-              </a:rPr>
-              <a:t> </a:t>
-            </a:r>
-            <a:r>
-              <a:rPr lang="en-US" sz="4400" dirty="0" smtClean="0">
-                <a:solidFill>
-                  <a:srgbClr val="0000E5"/>
-                </a:solidFill>
-                <a:latin typeface="Comic Sans MS"/>
-                <a:sym typeface="Symbol" charset="2"/>
-              </a:rPr>
-              <a:t>O</a:t>
-            </a:r>
-            <a:r>
-              <a:rPr lang="en-US" sz="4400" dirty="0" smtClean="0">
-                <a:solidFill>
-                  <a:srgbClr val="0000E5"/>
-                </a:solidFill>
-                <a:latin typeface="Comic Sans MS"/>
-              </a:rPr>
-              <a:t>(</a:t>
-            </a:r>
-            <a:r>
-              <a:rPr lang="el-GR" sz="4400" b="1" dirty="0" smtClean="0">
-                <a:solidFill>
-                  <a:srgbClr val="0000E5"/>
-                </a:solidFill>
-                <a:latin typeface="Euclid Symbol" charset="2"/>
-                <a:ea typeface="Comic Sans MS"/>
-                <a:cs typeface="Euclid Symbol" charset="2"/>
-              </a:rPr>
-              <a:t>ε</a:t>
-            </a:r>
-            <a:r>
-              <a:rPr lang="en-US" sz="4400" baseline="30000" dirty="0" smtClean="0">
-                <a:solidFill>
-                  <a:srgbClr val="0000E5"/>
-                </a:solidFill>
-                <a:latin typeface="Comic Sans MS"/>
-              </a:rPr>
-              <a:t>2</a:t>
-            </a:r>
-            <a:r>
-              <a:rPr lang="en-US" sz="4400" dirty="0">
-                <a:solidFill>
-                  <a:srgbClr val="0000E5"/>
-                </a:solidFill>
-                <a:latin typeface="Comic Sans MS"/>
-              </a:rPr>
-              <a:t>)</a:t>
-            </a:r>
-          </a:p>
-        </p:txBody>
-      </p:sp>
-      <p:sp>
-        <p:nvSpPr>
-          <p:cNvPr id="375815" name="Rectangle 7"/>
-          <p:cNvSpPr>
-            <a:spLocks noChangeArrowheads="1"/>
-          </p:cNvSpPr>
-          <p:nvPr/>
-        </p:nvSpPr>
-        <p:spPr bwMode="auto">
-          <a:xfrm>
-            <a:off x="2976563" y="977900"/>
-            <a:ext cx="4714875" cy="641350"/>
-          </a:xfrm>
-          <a:prstGeom prst="rect">
-            <a:avLst/>
-          </a:prstGeom>
-          <a:noFill/>
-          <a:ln w="9525">
-            <a:noFill/>
-            <a:miter lim="800000"/>
-            <a:headEnd/>
-            <a:tailEnd type="none" w="lg" len="lg"/>
-          </a:ln>
-          <a:effectLst/>
-        </p:spPr>
-        <p:txBody>
-          <a:bodyPr>
-            <a:prstTxWarp prst="textNoShape">
-              <a:avLst/>
-            </a:prstTxWarp>
-            <a:spAutoFit/>
-          </a:bodyPr>
-          <a:lstStyle/>
-          <a:p>
-            <a:pPr>
-              <a:spcBef>
-                <a:spcPct val="20000"/>
-              </a:spcBef>
-            </a:pPr>
-            <a:endParaRPr lang="en-US" sz="5400" baseline="30000" dirty="0">
-              <a:latin typeface="Comic Sans MS"/>
-            </a:endParaRPr>
-          </a:p>
-        </p:txBody>
-      </p:sp>
-      <p:sp>
-        <p:nvSpPr>
-          <p:cNvPr id="8" name="Title 7"/>
-          <p:cNvSpPr>
-            <a:spLocks noGrp="1"/>
-          </p:cNvSpPr>
-          <p:nvPr>
-            <p:ph type="title"/>
-          </p:nvPr>
-        </p:nvSpPr>
-        <p:spPr/>
-        <p:txBody>
-          <a:bodyPr/>
-          <a:lstStyle/>
-          <a:p>
-            <a:r>
-              <a:rPr lang="en-US" dirty="0" err="1" smtClean="0"/>
-              <a:t>Pr[</a:t>
-            </a:r>
-            <a:r>
-              <a:rPr lang="en-US" dirty="0" err="1" smtClean="0">
-                <a:solidFill>
-                  <a:srgbClr val="3C34DA"/>
-                </a:solidFill>
-              </a:rPr>
-              <a:t>R</a:t>
-            </a:r>
-            <a:r>
-              <a:rPr lang="en-US" dirty="0" smtClean="0">
-                <a:solidFill>
-                  <a:srgbClr val="008000"/>
-                </a:solidFill>
-              </a:rPr>
-              <a:t> </a:t>
-            </a:r>
-            <a:r>
-              <a:rPr lang="en-US" b="1" dirty="0" smtClean="0">
-                <a:solidFill>
-                  <a:srgbClr val="008000"/>
-                </a:solidFill>
-                <a:latin typeface="Euclid Symbol" charset="2"/>
-                <a:cs typeface="Euclid Symbol" charset="2"/>
-              </a:rPr>
-              <a:t>≥</a:t>
-            </a:r>
-            <a:r>
-              <a:rPr lang="en-US" dirty="0" smtClean="0">
-                <a:solidFill>
-                  <a:srgbClr val="008000"/>
-                </a:solidFill>
-              </a:rPr>
-              <a:t> </a:t>
-            </a:r>
-            <a:r>
-              <a:rPr lang="en-US" dirty="0" err="1" smtClean="0">
-                <a:solidFill>
-                  <a:schemeClr val="accent2"/>
-                </a:solidFill>
-              </a:rPr>
-              <a:t>c</a:t>
-            </a:r>
-            <a:r>
-              <a:rPr lang="en-US" dirty="0" smtClean="0">
-                <a:solidFill>
-                  <a:schemeClr val="accent2"/>
-                </a:solidFill>
-                <a:ea typeface="Comic Sans MS"/>
-                <a:cs typeface="Comic Sans MS"/>
-              </a:rPr>
-              <a:t>µ</a:t>
-            </a:r>
-            <a:r>
-              <a:rPr lang="en-US" dirty="0" smtClean="0">
-                <a:ea typeface="Comic Sans MS"/>
-                <a:cs typeface="Comic Sans MS"/>
-              </a:rPr>
-              <a:t>]   </a:t>
-            </a:r>
-            <a:r>
-              <a:rPr lang="en-US" b="1" dirty="0" smtClean="0">
-                <a:latin typeface="Euclid Symbol" charset="2"/>
-                <a:ea typeface="Comic Sans MS"/>
-                <a:cs typeface="Euclid Symbol" charset="2"/>
-              </a:rPr>
-              <a:t>≤</a:t>
-            </a:r>
-            <a:r>
-              <a:rPr lang="en-US" dirty="0" smtClean="0">
-                <a:solidFill>
-                  <a:srgbClr val="008000"/>
-                </a:solidFill>
-                <a:ea typeface="Comic Sans MS"/>
-                <a:cs typeface="Comic Sans MS"/>
-              </a:rPr>
-              <a:t> </a:t>
-            </a:r>
-            <a:endParaRPr lang="en-US" dirty="0"/>
-          </a:p>
-        </p:txBody>
-      </p:sp>
-      <p:graphicFrame>
-        <p:nvGraphicFramePr>
-          <p:cNvPr id="375817" name="Object 9"/>
-          <p:cNvGraphicFramePr>
-            <a:graphicFrameLocks noChangeAspect="1"/>
-          </p:cNvGraphicFramePr>
-          <p:nvPr/>
-        </p:nvGraphicFramePr>
-        <p:xfrm>
-          <a:off x="4946650" y="280988"/>
-          <a:ext cx="1809750" cy="928334"/>
-        </p:xfrm>
-        <a:graphic>
-          <a:graphicData uri="http://schemas.openxmlformats.org/presentationml/2006/ole">
-            <p:oleObj spid="_x0000_s375817" name="Equation" r:id="rId3" imgW="495300" imgH="254000" progId="Equation.DSMT4">
-              <p:embed/>
-            </p:oleObj>
-          </a:graphicData>
-        </a:graphic>
-      </p:graphicFrame>
-    </p:spTree>
-  </p:cSld>
-  <p:clrMapOvr>
-    <a:masterClrMapping/>
-  </p:clrMapOvr>
-  <p:timing>
-    <p:tnLst>
-      <p:par>
-        <p:cTn id="1" dur="indefinite" restart="never" nodeType="tmRoot">
-          <p:childTnLst>
-            <p:seq concurrent="1" nextAc="seek">
-              <p:cTn id="2" dur="indefinite" nodeType="mainSeq">
-                <p:childTnLst>
-                  <p:par>
-                    <p:cTn id="3" fill="hold">
-                      <p:stCondLst>
-                        <p:cond delay="indefinite"/>
-                      </p:stCondLst>
-                      <p:childTnLst>
-                        <p:par>
-                          <p:cTn id="4" fill="hold">
-                            <p:stCondLst>
-                              <p:cond delay="0"/>
-                            </p:stCondLst>
-                            <p:childTnLst>
-                              <p:par>
-                                <p:cTn id="5" presetID="1" presetClass="entr" presetSubtype="0" fill="hold" nodeType="clickEffect">
-                                  <p:stCondLst>
-                                    <p:cond delay="0"/>
-                                  </p:stCondLst>
-                                  <p:childTnLst>
-                                    <p:set>
-                                      <p:cBhvr>
-                                        <p:cTn id="6" dur="1" fill="hold">
-                                          <p:stCondLst>
-                                            <p:cond delay="0"/>
-                                          </p:stCondLst>
-                                        </p:cTn>
-                                        <p:tgtEl>
-                                          <p:spTgt spid="375814">
-                                            <p:txEl>
-                                              <p:pRg st="0" end="0"/>
-                                            </p:txEl>
-                                          </p:spTgt>
-                                        </p:tgtEl>
-                                        <p:attrNameLst>
-                                          <p:attrName>style.visibility</p:attrName>
-                                        </p:attrNameLst>
-                                      </p:cBhvr>
-                                      <p:to>
-                                        <p:strVal val="visible"/>
-                                      </p:to>
-                                    </p:set>
-                                  </p:childTnLst>
-                                </p:cTn>
-                              </p:par>
-                            </p:childTnLst>
-                          </p:cTn>
-                        </p:par>
-                      </p:childTnLst>
-                    </p:cTn>
-                  </p:par>
-                  <p:par>
-                    <p:cTn id="7" fill="hold">
-                      <p:stCondLst>
-                        <p:cond delay="indefinite"/>
-                      </p:stCondLst>
-                      <p:childTnLst>
-                        <p:par>
-                          <p:cTn id="8" fill="hold">
-                            <p:stCondLst>
-                              <p:cond delay="0"/>
-                            </p:stCondLst>
-                            <p:childTnLst>
-                              <p:par>
-                                <p:cTn id="9" presetID="1" presetClass="entr" presetSubtype="0" fill="hold" nodeType="clickEffect">
-                                  <p:stCondLst>
-                                    <p:cond delay="0"/>
-                                  </p:stCondLst>
-                                  <p:childTnLst>
-                                    <p:set>
-                                      <p:cBhvr>
-                                        <p:cTn id="10" dur="1" fill="hold">
-                                          <p:stCondLst>
-                                            <p:cond delay="0"/>
-                                          </p:stCondLst>
-                                        </p:cTn>
-                                        <p:tgtEl>
-                                          <p:spTgt spid="375814">
-                                            <p:txEl>
-                                              <p:pRg st="1" end="1"/>
-                                            </p:txEl>
-                                          </p:spTgt>
-                                        </p:tgtEl>
-                                        <p:attrNameLst>
-                                          <p:attrName>style.visibility</p:attrName>
-                                        </p:attrNameLst>
-                                      </p:cBhvr>
-                                      <p:to>
-                                        <p:strVal val="visible"/>
-                                      </p:to>
-                                    </p:set>
-                                  </p:childTnLst>
-                                </p:cTn>
-                              </p:par>
-                            </p:childTnLst>
-                          </p:cTn>
-                        </p:par>
-                      </p:childTnLst>
-                    </p:cTn>
-                  </p:par>
-                  <p:par>
-                    <p:cTn id="11" fill="hold">
-                      <p:stCondLst>
-                        <p:cond delay="indefinite"/>
-                      </p:stCondLst>
-                      <p:childTnLst>
-                        <p:par>
-                          <p:cTn id="12" fill="hold">
-                            <p:stCondLst>
-                              <p:cond delay="0"/>
-                            </p:stCondLst>
-                            <p:childTnLst>
-                              <p:par>
-                                <p:cTn id="13" presetID="1" presetClass="entr" presetSubtype="0" fill="hold" nodeType="clickEffect">
-                                  <p:stCondLst>
-                                    <p:cond delay="0"/>
-                                  </p:stCondLst>
-                                  <p:childTnLst>
-                                    <p:set>
-                                      <p:cBhvr>
-                                        <p:cTn id="14" dur="1" fill="hold">
-                                          <p:stCondLst>
-                                            <p:cond delay="0"/>
-                                          </p:stCondLst>
-                                        </p:cTn>
-                                        <p:tgtEl>
-                                          <p:spTgt spid="375814">
-                                            <p:txEl>
-                                              <p:pRg st="2" end="2"/>
-                                            </p:txEl>
-                                          </p:spTgt>
-                                        </p:tgtEl>
-                                        <p:attrNameLst>
-                                          <p:attrName>style.visibility</p:attrName>
-                                        </p:attrNameLst>
-                                      </p:cBhvr>
-                                      <p:to>
-                                        <p:strVal val="visible"/>
-                                      </p:to>
-                                    </p:set>
-                                  </p:childTnLst>
-                                </p:cTn>
-                              </p:par>
-                            </p:childTnLst>
-                          </p:cTn>
-                        </p:par>
-                      </p:childTnLst>
-                    </p:cTn>
-                  </p:par>
-                  <p:par>
-                    <p:cTn id="15" fill="hold">
-                      <p:stCondLst>
-                        <p:cond delay="indefinite"/>
-                      </p:stCondLst>
-                      <p:childTnLst>
-                        <p:par>
-                          <p:cTn id="16" fill="hold">
-                            <p:stCondLst>
-                              <p:cond delay="0"/>
-                            </p:stCondLst>
-                            <p:childTnLst>
-                              <p:par>
-                                <p:cTn id="17" presetID="1" presetClass="entr" presetSubtype="0" fill="hold" nodeType="clickEffect">
-                                  <p:stCondLst>
-                                    <p:cond delay="0"/>
-                                  </p:stCondLst>
-                                  <p:childTnLst>
-                                    <p:set>
-                                      <p:cBhvr>
-                                        <p:cTn id="18" dur="1" fill="hold">
-                                          <p:stCondLst>
-                                            <p:cond delay="0"/>
-                                          </p:stCondLst>
-                                        </p:cTn>
-                                        <p:tgtEl>
-                                          <p:spTgt spid="375814">
-                                            <p:txEl>
-                                              <p:pRg st="3" end="3"/>
-                                            </p:txEl>
-                                          </p:spTgt>
-                                        </p:tgtEl>
-                                        <p:attrNameLst>
-                                          <p:attrName>style.visibility</p:attrName>
-                                        </p:attrNameLst>
-                                      </p:cBhvr>
-                                      <p:to>
-                                        <p:strVal val="visible"/>
-                                      </p:to>
-                                    </p:set>
-                                  </p:childTnLst>
-                                </p:cTn>
-                              </p:par>
-                            </p:childTnLst>
-                          </p:cTn>
-                        </p:par>
-                      </p:childTnLst>
-                    </p:cTn>
-                  </p:par>
-                  <p:par>
-                    <p:cTn id="19" fill="hold">
-                      <p:stCondLst>
-                        <p:cond delay="indefinite"/>
-                      </p:stCondLst>
-                      <p:childTnLst>
-                        <p:par>
-                          <p:cTn id="20" fill="hold">
-                            <p:stCondLst>
-                              <p:cond delay="0"/>
-                            </p:stCondLst>
-                            <p:childTnLst>
-                              <p:par>
-                                <p:cTn id="21" presetID="1" presetClass="entr" presetSubtype="0" fill="hold" nodeType="clickEffect">
-                                  <p:stCondLst>
-                                    <p:cond delay="0"/>
-                                  </p:stCondLst>
-                                  <p:childTnLst>
-                                    <p:set>
-                                      <p:cBhvr>
-                                        <p:cTn id="22" dur="1" fill="hold">
-                                          <p:stCondLst>
-                                            <p:cond delay="0"/>
-                                          </p:stCondLst>
-                                        </p:cTn>
-                                        <p:tgtEl>
-                                          <p:spTgt spid="375814">
-                                            <p:txEl>
-                                              <p:pRg st="4" end="4"/>
                                             </p:txEl>
                                           </p:spTgt>
                                         </p:tgtEl>
@@ -6202,7 +5026,7 @@
       </p:grpSpPr>
       <p:sp>
         <p:nvSpPr>
-          <p:cNvPr id="4" name="Slide Number Placeholder 3"/>
+          <p:cNvPr id="5" name="Slide Number Placeholder 3"/>
           <p:cNvSpPr>
             <a:spLocks noGrp="1"/>
           </p:cNvSpPr>
@@ -6216,18 +5040,24 @@
           <a:lstStyle/>
           <a:p>
             <a:r>
-              <a:rPr lang="en-US" dirty="0">
-                <a:latin typeface="Comic Sans MS"/>
-              </a:rPr>
-              <a:t>L14-3</a:t>
-            </a:r>
-            <a:r>
-              <a:rPr lang="en-US" sz="1400" dirty="0">
+              <a:rPr lang="en-US" dirty="0" err="1" smtClean="0">
+                <a:latin typeface="Comic Sans MS"/>
+              </a:rPr>
+              <a:t>lec</a:t>
+            </a:r>
+            <a:r>
+              <a:rPr lang="en-US" dirty="0" smtClean="0">
+                <a:latin typeface="Comic Sans MS"/>
+              </a:rPr>
+              <a:t> 13F</a:t>
+            </a:r>
+            <a:r>
+              <a:rPr lang="en-US" sz="1400" dirty="0" smtClean="0">
                 <a:latin typeface="Comic Sans MS"/>
               </a:rPr>
               <a:t>.</a:t>
             </a:r>
-            <a:fld id="{3C88A4B5-F80C-0F41-975D-86C3663D538F}" type="slidenum">
+            <a:fld id="{7A7E2C51-C9DD-9C40-BE52-3B866A38FCB7}" type="slidenum">
               <a:rPr lang="en-US" sz="1400">
                 <a:latin typeface="Comic Sans MS"/>
               </a:rPr>
@@ -6242,7 +5072,7 @@
       </p:sp>
       <p:sp>
         <p:nvSpPr>
-          <p:cNvPr id="376835" name="Rectangle 3"/>
+          <p:cNvPr id="384003" name="Rectangle 3"/>
           <p:cNvSpPr>
             <a:spLocks noGrp="1" noChangeArrowheads="1"/>
           </p:cNvSpPr>
@@ -6252,10 +5082,9 @@
         </p:nvSpPr>
         <p:spPr>
           <a:xfrm>
-            <a:off x="673100" y="1841500"/>
-            <a:ext cx="7772400" cy="3340100"/>
+            <a:off x="482600" y="1447800"/>
+            <a:ext cx="8140700" cy="4927600"/>
           </a:xfrm>
-          <a:noFill/>
         </p:spPr>
         <p:txBody>
           <a:bodyPr/>
@@ -6266,16 +5095,32 @@
               <a:buNone/>
             </a:pPr>
             <a:r>
-              <a:rPr lang="en-US" sz="5400"/>
-              <a:t>Example:</a:t>
-            </a:r>
-            <a:r>
-              <a:rPr lang="en-US" sz="5400">
-                <a:solidFill>
-                  <a:srgbClr val="008000"/>
-                </a:solidFill>
-              </a:rPr>
-              <a:t> Pick 4</a:t>
+              <a:rPr lang="en-US" sz="4800" dirty="0" smtClean="0"/>
+              <a:t>sell </a:t>
+            </a:r>
+            <a:r>
+              <a:rPr lang="en-US" sz="4800" dirty="0" smtClean="0">
+                <a:solidFill>
+                  <a:srgbClr val="3C34DA"/>
+                </a:solidFill>
+              </a:rPr>
+              <a:t>1,000,000 </a:t>
+            </a:r>
+            <a:r>
+              <a:rPr lang="en-US" sz="4800" dirty="0">
+                <a:solidFill>
+                  <a:srgbClr val="3C34DA"/>
+                </a:solidFill>
+              </a:rPr>
+              <a:t>$1</a:t>
+            </a:r>
+            <a:r>
+              <a:rPr lang="en-US" sz="4800" dirty="0"/>
+              <a:t> </a:t>
+            </a:r>
+            <a:r>
+              <a:rPr lang="en-US" sz="4800" dirty="0" smtClean="0"/>
+              <a:t>tickets</a:t>
             </a:r>
           </a:p>
           <a:p>
@@ -6284,25 +5129,86 @@
               <a:buNone/>
             </a:pPr>
             <a:r>
-              <a:rPr lang="en-US" sz="5400"/>
-              <a:t> Pick a lottery number</a:t>
-            </a:r>
-          </a:p>
-          <a:p>
-            <a:pPr algn="ctr">
+              <a:rPr lang="en-US" sz="4800" dirty="0" smtClean="0"/>
+              <a:t>pay winner $5000</a:t>
+            </a:r>
+          </a:p>
+          <a:p>
+            <a:pPr>
               <a:buFontTx/>
               <a:buNone/>
             </a:pPr>
             <a:r>
-              <a:rPr lang="en-US" sz="5400"/>
-              <a:t>0000, 0001, …., 9999</a:t>
+              <a:rPr lang="en-US" sz="4800" dirty="0" smtClean="0"/>
+              <a:t>Expected </a:t>
+            </a:r>
+            <a:r>
+              <a:rPr lang="en-US" sz="4800" dirty="0" smtClean="0"/>
+              <a:t>profit =</a:t>
+            </a:r>
+          </a:p>
+          <a:p>
+            <a:pPr>
+              <a:buFontTx/>
+              <a:buNone/>
+            </a:pPr>
+            <a:r>
+              <a:rPr lang="en-US" sz="4800" dirty="0" smtClean="0"/>
+              <a:t>$1,000,000 – 100⋅$</a:t>
+            </a:r>
+            <a:r>
+              <a:rPr lang="en-US" sz="4800" dirty="0" smtClean="0"/>
+              <a:t>5,000</a:t>
+            </a:r>
+            <a:endParaRPr lang="en-US" sz="4800" dirty="0" smtClean="0"/>
+          </a:p>
+          <a:p>
+            <a:pPr>
+              <a:buFontTx/>
+              <a:buNone/>
+            </a:pPr>
+            <a:r>
+              <a:rPr lang="en-US" sz="4800" dirty="0" smtClean="0"/>
+              <a:t>= </a:t>
+            </a:r>
+            <a:r>
+              <a:rPr lang="en-US" sz="4800" dirty="0" smtClean="0">
+                <a:solidFill>
+                  <a:srgbClr val="0000FF"/>
+                </a:solidFill>
+              </a:rPr>
+              <a:t>$</a:t>
+            </a:r>
+            <a:r>
+              <a:rPr lang="en-US" sz="4800" dirty="0" smtClean="0">
+                <a:solidFill>
+                  <a:srgbClr val="0000FF"/>
+                </a:solidFill>
+              </a:rPr>
+              <a:t>500,000</a:t>
+            </a:r>
+            <a:r>
+              <a:rPr lang="en-US" sz="4800" dirty="0" smtClean="0"/>
+              <a:t> (</a:t>
+            </a:r>
+            <a:r>
+              <a:rPr lang="en-US" sz="4800" dirty="0" smtClean="0">
+                <a:solidFill>
+                  <a:srgbClr val="008000"/>
+                </a:solidFill>
+              </a:rPr>
+              <a:t>good business</a:t>
+            </a:r>
+            <a:r>
+              <a:rPr lang="en-US" sz="4800" dirty="0" smtClean="0"/>
+              <a:t>)</a:t>
             </a:r>
           </a:p>
         </p:txBody>
       </p:sp>
       <p:sp>
         <p:nvSpPr>
-          <p:cNvPr id="376836" name="Rectangle 4"/>
+          <p:cNvPr id="6" name="Rectangle 4"/>
           <p:cNvSpPr>
             <a:spLocks noGrp="1" noChangeArrowheads="1"/>
           </p:cNvSpPr>
@@ -6363,420 +5269,6 @@
       </p:grpSpPr>
       <p:sp>
         <p:nvSpPr>
-          <p:cNvPr id="5" name="Slide Number Placeholder 3"/>
-          <p:cNvSpPr>
-            <a:spLocks noGrp="1"/>
-          </p:cNvSpPr>
-          <p:nvPr>
-            <p:ph type="sldNum" sz="quarter" idx="10"/>
-          </p:nvPr>
-        </p:nvSpPr>
-        <p:spPr/>
-        <p:txBody>
-          <a:bodyPr/>
-          <a:lstStyle/>
-          <a:p>
-            <a:r>
-              <a:rPr lang="en-US" dirty="0">
-                <a:latin typeface="Comic Sans MS"/>
-              </a:rPr>
-              <a:t>L14-3</a:t>
-            </a:r>
-            <a:r>
-              <a:rPr lang="en-US" sz="1400" dirty="0">
-                <a:latin typeface="Comic Sans MS"/>
-              </a:rPr>
-              <a:t>.</a:t>
-            </a:r>
-            <a:fld id="{7A7E2C51-C9DD-9C40-BE52-3B866A38FCB7}" type="slidenum">
-              <a:rPr lang="en-US" sz="1400">
-                <a:latin typeface="Comic Sans MS"/>
-              </a:rPr>
-              <a:pPr/>
-              <a:t>13</a:t>
-            </a:fld>
-            <a:endParaRPr lang="en-US" sz="1400" dirty="0">
-              <a:latin typeface="Comic Sans MS"/>
-            </a:endParaRPr>
-          </a:p>
-        </p:txBody>
-      </p:sp>
-      <p:sp>
-        <p:nvSpPr>
-          <p:cNvPr id="384003" name="Rectangle 3"/>
-          <p:cNvSpPr>
-            <a:spLocks noGrp="1" noChangeArrowheads="1"/>
-          </p:cNvSpPr>
-          <p:nvPr>
-            <p:ph type="body" idx="1"/>
-          </p:nvPr>
-        </p:nvSpPr>
-        <p:spPr>
-          <a:xfrm>
-            <a:off x="685800" y="1600200"/>
-            <a:ext cx="7772400" cy="4114800"/>
-          </a:xfrm>
-        </p:spPr>
-        <p:txBody>
-          <a:bodyPr/>
-          <a:lstStyle/>
-          <a:p>
-            <a:pPr>
-              <a:buFontTx/>
-              <a:buNone/>
-            </a:pPr>
-            <a:r>
-              <a:rPr lang="en-US" sz="4800" dirty="0">
-                <a:solidFill>
-                  <a:srgbClr val="3C34DA"/>
-                </a:solidFill>
-              </a:rPr>
-              <a:t>1,000,000</a:t>
-            </a:r>
-            <a:r>
-              <a:rPr lang="en-US" sz="4800" dirty="0"/>
-              <a:t> people buy</a:t>
-            </a:r>
-            <a:r>
-              <a:rPr lang="en-US" sz="4800" dirty="0">
-                <a:solidFill>
-                  <a:srgbClr val="3C34DA"/>
-                </a:solidFill>
-              </a:rPr>
-              <a:t> $1</a:t>
-            </a:r>
-            <a:r>
-              <a:rPr lang="en-US" sz="4800" dirty="0"/>
-              <a:t> ticket</a:t>
-            </a:r>
-            <a:endParaRPr lang="en-US" sz="4800" dirty="0" smtClean="0"/>
-          </a:p>
-          <a:p>
-            <a:pPr>
-              <a:buFontTx/>
-              <a:buNone/>
-            </a:pPr>
-            <a:r>
-              <a:rPr lang="en-US" sz="4800" dirty="0" smtClean="0">
-                <a:solidFill>
-                  <a:schemeClr val="accent2"/>
-                </a:solidFill>
-                <a:ea typeface="Comic Sans MS"/>
-                <a:cs typeface="Comic Sans MS"/>
-              </a:rPr>
-              <a:t>µ </a:t>
-            </a:r>
-            <a:r>
-              <a:rPr lang="en-US" sz="4800" b="1" dirty="0" smtClean="0">
-                <a:latin typeface="Euclid Symbol" charset="2"/>
-              </a:rPr>
-              <a:t>:</a:t>
-            </a:r>
-            <a:r>
-              <a:rPr lang="en-US" sz="4800" b="1" dirty="0">
-                <a:latin typeface="Euclid Symbol" charset="2"/>
-              </a:rPr>
-              <a:t>:=</a:t>
-            </a:r>
-            <a:r>
-              <a:rPr lang="en-US" sz="4800" dirty="0"/>
-              <a:t> Expected </a:t>
-            </a:r>
-            <a:r>
-              <a:rPr lang="en-US" sz="4800" dirty="0" smtClean="0"/>
-              <a:t>#winners </a:t>
-            </a:r>
-            <a:r>
-              <a:rPr lang="en-US" sz="4800" dirty="0"/>
-              <a:t>=</a:t>
-            </a:r>
-          </a:p>
-          <a:p>
-            <a:pPr algn="ctr">
-              <a:buFontTx/>
-              <a:buNone/>
-            </a:pPr>
-            <a:r>
-              <a:rPr lang="en-US" sz="4800" dirty="0"/>
-              <a:t>                         = </a:t>
-            </a:r>
-            <a:r>
-              <a:rPr lang="en-US" sz="4800" dirty="0">
-                <a:solidFill>
-                  <a:srgbClr val="3C34DA"/>
-                </a:solidFill>
-              </a:rPr>
-              <a:t>100</a:t>
-            </a:r>
-          </a:p>
-        </p:txBody>
-      </p:sp>
-      <p:pic>
-        <p:nvPicPr>
-          <p:cNvPr id="384005" name="Picture 5" descr="txp_fig"/>
-          <p:cNvPicPr>
-            <a:picLocks noChangeAspect="1" noChangeArrowheads="1"/>
-          </p:cNvPicPr>
-          <p:nvPr>
-            <p:custDataLst>
-              <p:tags r:id="rId1"/>
-            </p:custDataLst>
-          </p:nvPr>
-        </p:nvPicPr>
-        <p:blipFill>
-          <a:blip r:embed="rId3"/>
-          <a:srcRect/>
-          <a:stretch>
-            <a:fillRect/>
-          </a:stretch>
-        </p:blipFill>
-        <p:spPr bwMode="auto">
-          <a:xfrm>
-            <a:off x="2565400" y="4068763"/>
-            <a:ext cx="2997200" cy="1192212"/>
-          </a:xfrm>
-          <a:prstGeom prst="rect">
-            <a:avLst/>
-          </a:prstGeom>
-          <a:noFill/>
-          <a:ln w="9525">
-            <a:noFill/>
-            <a:miter lim="800000"/>
-            <a:headEnd/>
-            <a:tailEnd type="none" w="lg" len="lg"/>
-          </a:ln>
-          <a:effectLst/>
-        </p:spPr>
-      </p:pic>
-      <p:sp>
-        <p:nvSpPr>
-          <p:cNvPr id="6" name="Rectangle 4"/>
-          <p:cNvSpPr>
-            <a:spLocks noGrp="1" noChangeArrowheads="1"/>
-          </p:cNvSpPr>
-          <p:nvPr>
-            <p:ph type="title"/>
-          </p:nvPr>
-        </p:nvSpPr>
-        <p:spPr>
-          <a:xfrm>
-            <a:off x="2686050" y="317500"/>
-            <a:ext cx="3790950" cy="1054100"/>
-          </a:xfrm>
-          <a:noFill/>
-          <a:ln/>
-        </p:spPr>
-        <p:txBody>
-          <a:bodyPr/>
-          <a:lstStyle/>
-          <a:p>
-            <a:r>
-              <a:rPr lang="en-US" sz="4400" dirty="0"/>
-              <a:t>The Lottery</a:t>
-            </a:r>
-          </a:p>
-        </p:txBody>
-      </p:sp>
-    </p:spTree>
-  </p:cSld>
-  <p:clrMapOvr>
-    <a:masterClrMapping/>
-  </p:clrMapOvr>
-  <p:timing>
-    <p:tnLst>
-      <p:par>
-        <p:cTn id="1" dur="indefinite" restart="never" nodeType="tmRoot">
-          <p:childTnLst>
-            <p:seq concurrent="1" nextAc="seek">
-              <p:cTn id="2" dur="indefinite" nodeType="mainSeq">
-                <p:childTnLst>
-                  <p:par>
-                    <p:cTn id="3" fill="hold">
-                      <p:stCondLst>
-                        <p:cond delay="indefinite"/>
-                      </p:stCondLst>
-                      <p:childTnLst>
-                        <p:par>
-                          <p:cTn id="4" fill="hold">
-                            <p:stCondLst>
-                              <p:cond delay="0"/>
-                            </p:stCondLst>
-                            <p:childTnLst>
-                              <p:par>
-                                <p:cTn id="5" presetID="1" presetClass="entr" presetSubtype="0" fill="hold" nodeType="clickEffect">
-                                  <p:stCondLst>
-                                    <p:cond delay="0"/>
-                                  </p:stCondLst>
-                                  <p:childTnLst>
-                                    <p:set>
-                                      <p:cBhvr>
-                                        <p:cTn id="6" dur="1" fill="hold">
-                                          <p:stCondLst>
-                                            <p:cond delay="0"/>
-                                          </p:stCondLst>
-                                        </p:cTn>
-                                        <p:tgtEl>
-                                          <p:spTgt spid="384003">
-                                            <p:txEl>
-                                              <p:pRg st="1" end="1"/>
-                                            </p:txEl>
-                                          </p:spTgt>
-                                        </p:tgtEl>
-                                        <p:attrNameLst>
-                                          <p:attrName>style.visibility</p:attrName>
-                                        </p:attrNameLst>
-                                      </p:cBhvr>
-                                      <p:to>
-                                        <p:strVal val="visible"/>
-                                      </p:to>
-                                    </p:set>
-                                  </p:childTnLst>
-                                </p:cTn>
-                              </p:par>
-                            </p:childTnLst>
-                          </p:cTn>
-                        </p:par>
-                      </p:childTnLst>
-                    </p:cTn>
-                  </p:par>
-                  <p:par>
-                    <p:cTn id="7" fill="hold">
-                      <p:stCondLst>
-                        <p:cond delay="indefinite"/>
-                      </p:stCondLst>
-                      <p:childTnLst>
-                        <p:par>
-                          <p:cTn id="8" fill="hold">
-                            <p:stCondLst>
-                              <p:cond delay="0"/>
-                            </p:stCondLst>
-                            <p:childTnLst>
-                              <p:par>
-                                <p:cTn id="9" presetID="1" presetClass="entr" presetSubtype="0" fill="hold" nodeType="clickEffect">
-                                  <p:stCondLst>
-                                    <p:cond delay="0"/>
-                                  </p:stCondLst>
-                                  <p:childTnLst>
-                                    <p:set>
-                                      <p:cBhvr>
-                                        <p:cTn id="10" dur="1" fill="hold">
-                                          <p:stCondLst>
-                                            <p:cond delay="0"/>
-                                          </p:stCondLst>
-                                        </p:cTn>
-                                        <p:tgtEl>
-                                          <p:spTgt spid="384005"/>
-                                        </p:tgtEl>
-                                        <p:attrNameLst>
-                                          <p:attrName>style.visibility</p:attrName>
-                                        </p:attrNameLst>
-                                      </p:cBhvr>
-                                      <p:to>
-                                        <p:strVal val="visible"/>
-                                      </p:to>
-                                    </p:set>
-                                  </p:childTnLst>
-                                </p:cTn>
-                              </p:par>
-                            </p:childTnLst>
-                          </p:cTn>
-                        </p:par>
-                      </p:childTnLst>
-                    </p:cTn>
-                  </p:par>
-                  <p:par>
-                    <p:cTn id="11" fill="hold">
-                      <p:stCondLst>
-                        <p:cond delay="indefinite"/>
-                      </p:stCondLst>
-                      <p:childTnLst>
-                        <p:par>
-                          <p:cTn id="12" fill="hold">
-                            <p:stCondLst>
-                              <p:cond delay="0"/>
-                            </p:stCondLst>
-                            <p:childTnLst>
-                              <p:par>
-                                <p:cTn id="13" presetID="1" presetClass="entr" presetSubtype="0" fill="hold" nodeType="clickEffect">
-                                  <p:stCondLst>
-                                    <p:cond delay="0"/>
-                                  </p:stCondLst>
-                                  <p:childTnLst>
-                                    <p:set>
-                                      <p:cBhvr>
-                                        <p:cTn id="14" dur="1" fill="hold">
-                                          <p:stCondLst>
-                                            <p:cond delay="0"/>
-                                          </p:stCondLst>
-                                        </p:cTn>
-                                        <p:tgtEl>
-                                          <p:spTgt spid="384003">
-                                            <p:txEl>
-                                              <p:pRg st="2" end="2"/>
-                                            </p:txEl>
-                                          </p:spTgt>
-                                        </p:tgtEl>
-                                        <p:attrNameLst>
-                                          <p:attrName>style.visibility</p:attrName>
-                                        </p:attrNameLst>
-                                      </p:cBhvr>
-                                      <p:to>
-                                        <p:strVal val="visible"/>
-                                      </p:to>
-                                    </p:set>
-                                  </p:childTnLst>
-                                </p:cTn>
-                              </p:par>
-                            </p:childTnLst>
-                          </p:cTn>
-                        </p:par>
-                      </p:childTnLst>
-                    </p:cTn>
-                  </p:par>
-                </p:childTnLst>
-              </p:cTn>
-              <p:prevCondLst>
-                <p:cond evt="onPrev" delay="0">
-                  <p:tgtEl>
-                    <p:sldTgt/>
-                  </p:tgtEl>
-                </p:cond>
-              </p:prevCondLst>
-              <p:nextCondLst>
-                <p:cond evt="onNext" delay="0">
-                  <p:tgtEl>
-                    <p:sldTgt/>
-                  </p:tgtEl>
-                </p:cond>
-              </p:nextCondLst>
-            </p:seq>
-          </p:childTnLst>
-        </p:cTn>
-      </p:par>
-    </p:tnLst>
-  </p:timing>
-</p:sld>
-</file>
-
-<file path=ppt/slides/slide14.xml><?xml version="1.0" encoding="utf-8"?>
-<p:sld xmlns:a="http://schemas.openxmlformats.org/drawingml/2006/main" xmlns:r="http://schemas.openxmlformats.org/officeDocument/2006/relationships" xmlns:mc="http://schemas.openxmlformats.org/markup-compatibility/2006" xmlns:mv="urn:schemas-microsoft-com:mac:vml" xmlns:p="http://schemas.openxmlformats.org/presentationml/2006/main" mc:Ignorable="mv" mc:PreserveAttributes="mv:*">
-  <p:cSld>
-    <p:spTree>
-      <p:nvGrpSpPr>
-        <p:cNvPr id="1" name=""/>
-        <p:cNvGrpSpPr/>
-        <p:nvPr/>
-      </p:nvGrpSpPr>
-      <p:grpSpPr>
-        <a:xfrm>
-          <a:off x="0" y="0"/>
-          <a:ext cx="0" cy="0"/>
-          <a:chOff x="0" y="0"/>
-          <a:chExt cx="0" cy="0"/>
-        </a:xfrm>
-      </p:grpSpPr>
-      <p:sp>
-        <p:nvSpPr>
           <p:cNvPr id="4" name="Slide Number Placeholder 3"/>
           <p:cNvSpPr>
             <a:spLocks noGrp="1"/>
@@ -6791,13 +5283,19 @@
           <a:lstStyle/>
           <a:p>
             <a:r>
-              <a:rPr lang="en-US" dirty="0">
-                <a:latin typeface="Comic Sans MS"/>
-              </a:rPr>
-              <a:t>L14-3</a:t>
-            </a:r>
-            <a:r>
-              <a:rPr lang="en-US" sz="1400" dirty="0">
+              <a:rPr lang="en-US" dirty="0" err="1" smtClean="0">
+                <a:latin typeface="Comic Sans MS"/>
+              </a:rPr>
+              <a:t>lec</a:t>
+            </a:r>
+            <a:r>
+              <a:rPr lang="en-US" dirty="0" smtClean="0">
+                <a:latin typeface="Comic Sans MS"/>
+              </a:rPr>
+              <a:t> 13F</a:t>
+            </a:r>
+            <a:r>
+              <a:rPr lang="en-US" sz="1400" dirty="0" smtClean="0">
                 <a:latin typeface="Comic Sans MS"/>
               </a:rPr>
               <a:t>.</a:t>
@@ -6807,7 +5305,7 @@
                 <a:latin typeface="Comic Sans MS"/>
               </a:rPr>
               <a:pPr/>
-              <a:t>14</a:t>
+              <a:t>13</a:t>
             </a:fld>
             <a:endParaRPr lang="en-US" sz="1400" dirty="0">
               <a:latin typeface="Comic Sans MS"/>
@@ -6827,8 +5325,8 @@
         </p:nvSpPr>
         <p:spPr>
           <a:xfrm>
-            <a:off x="190500" y="1308100"/>
-            <a:ext cx="8775700" cy="4749800"/>
+            <a:off x="330200" y="1270000"/>
+            <a:ext cx="8483600" cy="4813300"/>
           </a:xfrm>
         </p:spPr>
         <p:txBody>
@@ -6841,7 +5339,11 @@
             </a:pPr>
             <a:r>
               <a:rPr lang="en-US" sz="4800" dirty="0"/>
-              <a:t>How much reserve $$</a:t>
+              <a:t>How much reserve $</a:t>
+            </a:r>
+            <a:r>
+              <a:rPr lang="en-US" sz="4800" dirty="0" smtClean="0"/>
+              <a:t>$ does </a:t>
             </a:r>
           </a:p>
           <a:p>
@@ -6850,8 +5352,16 @@
               <a:buNone/>
             </a:pPr>
             <a:r>
+              <a:rPr lang="en-US" sz="4800" dirty="0" smtClean="0"/>
+              <a:t>lottery need?  Must </a:t>
+            </a:r>
+            <a:r>
               <a:rPr lang="en-US" sz="4800" dirty="0"/>
-              <a:t>does lottery need?</a:t>
+              <a:t>be</a:t>
+            </a:r>
+            <a:r>
+              <a:rPr lang="en-US" sz="4800" dirty="0" smtClean="0"/>
+              <a:t> </a:t>
             </a:r>
           </a:p>
           <a:p>
@@ -6860,8 +5370,16 @@
               <a:buNone/>
             </a:pPr>
             <a:r>
+              <a:rPr lang="en-US" sz="4800" dirty="0" smtClean="0"/>
+              <a:t>prepared </a:t>
+            </a:r>
+            <a:r>
               <a:rPr lang="en-US" sz="4800" dirty="0"/>
-              <a:t>Must be prepared for more</a:t>
+              <a:t>for </a:t>
+            </a:r>
+            <a:r>
+              <a:rPr lang="en-US" sz="4800" dirty="0" smtClean="0"/>
+              <a:t>more than </a:t>
             </a:r>
           </a:p>
           <a:p>
@@ -6870,8 +5388,16 @@
               <a:buNone/>
             </a:pPr>
             <a:r>
+              <a:rPr lang="en-US" sz="4800" dirty="0" smtClean="0"/>
+              <a:t>expected </a:t>
+            </a:r>
+            <a:r>
               <a:rPr lang="en-US" sz="4800" dirty="0"/>
-              <a:t>than expected # winners:</a:t>
+              <a:t># </a:t>
+            </a:r>
+            <a:r>
+              <a:rPr lang="en-US" sz="4800" dirty="0" smtClean="0"/>
+              <a:t>winners: say a</a:t>
             </a:r>
           </a:p>
           <a:p>
@@ -6880,8 +5406,12 @@
               <a:buNone/>
             </a:pPr>
             <a:r>
+              <a:rPr lang="en-US" sz="4800" dirty="0" smtClean="0"/>
+              <a:t>day with 60 “extra” winners</a:t>
+            </a:r>
+            <a:r>
               <a:rPr lang="en-US" sz="4800" dirty="0"/>
-              <a:t>say a day with 1000 winners?</a:t>
+              <a:t>?</a:t>
             </a:r>
           </a:p>
           <a:p>
@@ -6930,166 +5460,14 @@
   <p:timing>
     <p:tnLst>
       <p:par>
-        <p:cTn id="1" dur="indefinite" restart="never" nodeType="tmRoot">
-          <p:childTnLst>
-            <p:seq concurrent="1" nextAc="seek">
-              <p:cTn id="2" dur="indefinite" nodeType="mainSeq">
-                <p:childTnLst>
-                  <p:par>
-                    <p:cTn id="3" fill="hold">
-                      <p:stCondLst>
-                        <p:cond delay="indefinite"/>
-                      </p:stCondLst>
-                      <p:childTnLst>
-                        <p:par>
-                          <p:cTn id="4" fill="hold">
-                            <p:stCondLst>
-                              <p:cond delay="0"/>
-                            </p:stCondLst>
-                            <p:childTnLst>
-                              <p:par>
-                                <p:cTn id="5" presetID="1" presetClass="entr" presetSubtype="0" fill="hold" nodeType="clickEffect">
-                                  <p:stCondLst>
-                                    <p:cond delay="0"/>
-                                  </p:stCondLst>
-                                  <p:childTnLst>
-                                    <p:set>
-                                      <p:cBhvr>
-                                        <p:cTn id="6" dur="1" fill="hold">
-                                          <p:stCondLst>
-                                            <p:cond delay="0"/>
-                                          </p:stCondLst>
-                                        </p:cTn>
-                                        <p:tgtEl>
-                                          <p:spTgt spid="385026">
-                                            <p:txEl>
-                                              <p:pRg st="2" end="2"/>
-                                            </p:txEl>
-                                          </p:spTgt>
-                                        </p:tgtEl>
-                                        <p:attrNameLst>
-                                          <p:attrName>style.visibility</p:attrName>
-                                        </p:attrNameLst>
-                                      </p:cBhvr>
-                                      <p:to>
-                                        <p:strVal val="visible"/>
-                                      </p:to>
-                                    </p:set>
-                                  </p:childTnLst>
-                                </p:cTn>
-                              </p:par>
-                              <p:par>
-                                <p:cTn id="7" presetID="1" presetClass="entr" presetSubtype="0" fill="hold" nodeType="withEffect">
-                                  <p:stCondLst>
-                                    <p:cond delay="0"/>
-                                  </p:stCondLst>
-                                  <p:childTnLst>
-                                    <p:set>
-                                      <p:cBhvr>
-                                        <p:cTn id="8" dur="1" fill="hold">
-                                          <p:stCondLst>
-                                            <p:cond delay="0"/>
-                                          </p:stCondLst>
-                                        </p:cTn>
-                                        <p:tgtEl>
-                                          <p:spTgt spid="385026">
-                                            <p:txEl>
-                                              <p:pRg st="3" end="3"/>
-                                            </p:txEl>
-                                          </p:spTgt>
-                                        </p:tgtEl>
-                                        <p:attrNameLst>
-                                          <p:attrName>style.visibility</p:attrName>
-                                        </p:attrNameLst>
-                                      </p:cBhvr>
-                                      <p:to>
-                                        <p:strVal val="visible"/>
-                                      </p:to>
-                                    </p:set>
-                                  </p:childTnLst>
-                                </p:cTn>
-                              </p:par>
-                            </p:childTnLst>
-                          </p:cTn>
-                        </p:par>
-                      </p:childTnLst>
-                    </p:cTn>
-                  </p:par>
-                  <p:par>
-                    <p:cTn id="9" fill="hold">
-                      <p:stCondLst>
-                        <p:cond delay="indefinite"/>
-                      </p:stCondLst>
-                      <p:childTnLst>
-                        <p:par>
-                          <p:cTn id="10" fill="hold">
-                            <p:stCondLst>
-                              <p:cond delay="0"/>
-                            </p:stCondLst>
-                            <p:childTnLst>
-                              <p:par>
-                                <p:cTn id="11" presetID="1" presetClass="entr" presetSubtype="0" fill="hold" nodeType="clickEffect">
-                                  <p:stCondLst>
-                                    <p:cond delay="0"/>
-                                  </p:stCondLst>
-                                  <p:childTnLst>
-                                    <p:set>
-                                      <p:cBhvr>
-                                        <p:cTn id="12" dur="1" fill="hold">
-                                          <p:stCondLst>
-                                            <p:cond delay="0"/>
-                                          </p:stCondLst>
-                                        </p:cTn>
-                                        <p:tgtEl>
-                                          <p:spTgt spid="385026">
-                                            <p:txEl>
-                                              <p:pRg st="4" end="4"/>
-                                            </p:txEl>
-                                          </p:spTgt>
-                                        </p:tgtEl>
-                                        <p:attrNameLst>
-                                          <p:attrName>style.visibility</p:attrName>
-                                        </p:attrNameLst>
-                                      </p:cBhvr>
-                                      <p:to>
-                                        <p:strVal val="visible"/>
-                                      </p:to>
-                                    </p:set>
-                                  </p:childTnLst>
-                                </p:cTn>
-                              </p:par>
-                            </p:childTnLst>
-                          </p:cTn>
-                        </p:par>
-                      </p:childTnLst>
-                    </p:cTn>
-                  </p:par>
-                </p:childTnLst>
-              </p:cTn>
-              <p:prevCondLst>
-                <p:cond evt="onPrev" delay="0">
-                  <p:tgtEl>
-                    <p:sldTgt/>
-                  </p:tgtEl>
-                </p:cond>
-              </p:prevCondLst>
-              <p:nextCondLst>
-                <p:cond evt="onNext" delay="0">
-                  <p:tgtEl>
-                    <p:sldTgt/>
-                  </p:tgtEl>
-                </p:cond>
-              </p:nextCondLst>
-            </p:seq>
-          </p:childTnLst>
-        </p:cTn>
+        <p:cTn id="1" dur="indefinite" restart="never" nodeType="tmRoot"/>
       </p:par>
     </p:tnLst>
   </p:timing>
 </p:sld>
 </file>
 
-<file path=ppt/slides/slide15.xml><?xml version="1.0" encoding="utf-8"?>
+<file path=ppt/slides/slide14.xml><?xml version="1.0" encoding="utf-8"?>
 <p:sld xmlns:a="http://schemas.openxmlformats.org/drawingml/2006/main" xmlns:r="http://schemas.openxmlformats.org/officeDocument/2006/relationships" xmlns:mc="http://schemas.openxmlformats.org/markup-compatibility/2006" xmlns:mv="urn:schemas-microsoft-com:mac:vml" xmlns:p="http://schemas.openxmlformats.org/presentationml/2006/main" mc:Ignorable="mv" mc:PreserveAttributes="mv:*">
   <p:cSld>
     <p:spTree>
@@ -7122,13 +5500,19 @@
           <a:lstStyle/>
           <a:p>
             <a:r>
-              <a:rPr lang="en-US" dirty="0">
-                <a:latin typeface="Comic Sans MS"/>
-              </a:rPr>
-              <a:t>L14-3</a:t>
-            </a:r>
-            <a:r>
-              <a:rPr lang="en-US" sz="1400" dirty="0">
+              <a:rPr lang="en-US" dirty="0" err="1" smtClean="0">
+                <a:latin typeface="Comic Sans MS"/>
+              </a:rPr>
+              <a:t>lec</a:t>
+            </a:r>
+            <a:r>
+              <a:rPr lang="en-US" dirty="0" smtClean="0">
+                <a:latin typeface="Comic Sans MS"/>
+              </a:rPr>
+              <a:t> 13F</a:t>
+            </a:r>
+            <a:r>
+              <a:rPr lang="en-US" sz="1400" dirty="0" smtClean="0">
                 <a:latin typeface="Comic Sans MS"/>
               </a:rPr>
               <a:t>.</a:t>
@@ -7138,7 +5522,7 @@
                 <a:latin typeface="Comic Sans MS"/>
               </a:rPr>
               <a:pPr/>
-              <a:t>15</a:t>
+              <a:t>14</a:t>
             </a:fld>
             <a:endParaRPr lang="en-US" sz="1400" dirty="0">
               <a:latin typeface="Comic Sans MS"/>
@@ -7191,8 +5575,8 @@
         </p:nvSpPr>
         <p:spPr>
           <a:xfrm>
-            <a:off x="311150" y="1276350"/>
-            <a:ext cx="8521700" cy="4946650"/>
+            <a:off x="241300" y="1276350"/>
+            <a:ext cx="8591550" cy="5238750"/>
           </a:xfrm>
         </p:spPr>
         <p:txBody>
@@ -7221,19 +5605,31 @@
                   <a:srgbClr val="0000E5"/>
                 </a:solidFill>
               </a:rPr>
-              <a:t> = </a:t>
-            </a:r>
-            <a:r>
-              <a:rPr lang="en-US" sz="4400" dirty="0" err="1">
+              <a:t> =</a:t>
+            </a:r>
+            <a:r>
+              <a:rPr lang="en-US" sz="4400" dirty="0" smtClean="0">
                 <a:solidFill>
                   <a:srgbClr val="0000E5"/>
                 </a:solidFill>
               </a:rPr>
-              <a:t>e</a:t>
+              <a:t> </a:t>
+            </a:r>
+            <a:r>
+              <a:rPr lang="en-US" sz="4400" dirty="0" smtClean="0">
+                <a:solidFill>
+                  <a:srgbClr val="0000E5"/>
+                </a:solidFill>
+              </a:rPr>
+              <a:t>1.6</a:t>
+            </a:r>
+            <a:r>
+              <a:rPr lang="en-US" sz="4400" dirty="0" smtClean="0"/>
+              <a:t>, </a:t>
             </a:r>
             <a:r>
               <a:rPr lang="en-US" sz="4400" dirty="0"/>
-              <a:t>, so</a:t>
+              <a:t>so</a:t>
             </a:r>
             <a:r>
               <a:rPr lang="en-US" sz="4400" dirty="0" smtClean="0"/>
@@ -7271,12 +5667,37 @@
                   <a:srgbClr val="0000E5"/>
                 </a:solidFill>
               </a:rPr>
-              <a:t>) = 1</a:t>
-            </a:r>
-            <a:r>
-              <a:rPr lang="en-US" sz="4400" dirty="0"/>
+              <a:t>)</a:t>
+            </a:r>
+            <a:r>
+              <a:rPr lang="en-US" sz="4400" dirty="0" smtClean="0">
+                <a:solidFill>
+                  <a:srgbClr val="0000E5"/>
+                </a:solidFill>
+              </a:rPr>
+              <a:t> </a:t>
+            </a:r>
+            <a:r>
+              <a:rPr lang="en-US" sz="4400" b="1" dirty="0" smtClean="0">
+                <a:latin typeface="Euclid Symbol" charset="2"/>
+                <a:ea typeface="Comic Sans MS"/>
+                <a:cs typeface="Euclid Symbol" charset="2"/>
+              </a:rPr>
+              <a:t>&gt;</a:t>
+            </a:r>
+            <a:r>
+              <a:rPr lang="en-US" sz="4400" dirty="0" smtClean="0">
+                <a:solidFill>
+                  <a:srgbClr val="0000E5"/>
+                </a:solidFill>
+              </a:rPr>
+              <a:t> 0.15</a:t>
+            </a:r>
+            <a:r>
+              <a:rPr lang="en-US" sz="4400" dirty="0" smtClean="0"/>
               <a:t>:</a:t>
             </a:r>
+            <a:endParaRPr lang="en-US" sz="4400" dirty="0"/>
           </a:p>
           <a:p>
             <a:pPr algn="ctr">
@@ -7316,7 +5737,7 @@
               <a:t>≥</a:t>
             </a:r>
             <a:r>
-              <a:rPr lang="en-US" sz="4400" dirty="0">
+              <a:rPr lang="en-US" sz="4400" dirty="0" smtClean="0">
                 <a:solidFill>
                   <a:schemeClr val="accent2"/>
                 </a:solidFill>
@@ -7326,14 +5747,14 @@
               <a:t> </a:t>
             </a:r>
             <a:r>
-              <a:rPr lang="en-US" sz="4400" dirty="0" err="1" smtClean="0">
-                <a:solidFill>
-                  <a:srgbClr val="3C34DA"/>
+              <a:rPr lang="en-US" sz="4400" dirty="0" smtClean="0">
+                <a:solidFill>
+                  <a:srgbClr val="0000FF"/>
                 </a:solidFill>
                 <a:ea typeface="Comic Sans MS"/>
                 <a:cs typeface="Comic Sans MS"/>
               </a:rPr>
-              <a:t>e</a:t>
+              <a:t>1.6</a:t>
             </a:r>
             <a:r>
               <a:rPr lang="en-US" sz="4400" dirty="0" smtClean="0">
@@ -7344,20 +5765,13 @@
                 <a:cs typeface="Comic Sans MS"/>
               </a:rPr>
               <a:t>µ</a:t>
-            </a:r>
-            <a:r>
-              <a:rPr lang="en-US" sz="4400" dirty="0">
-                <a:ea typeface="Comic Sans MS"/>
-                <a:cs typeface="Comic Sans MS"/>
-              </a:rPr>
-              <a:t>]</a:t>
             </a:r>
             <a:r>
               <a:rPr lang="en-US" sz="4400" dirty="0" smtClean="0">
                 <a:ea typeface="Comic Sans MS"/>
                 <a:cs typeface="Comic Sans MS"/>
               </a:rPr>
-              <a:t> </a:t>
+              <a:t>] </a:t>
             </a:r>
             <a:r>
               <a:rPr lang="en-US" sz="4400" b="1" dirty="0">
@@ -7385,7 +5799,7 @@
               <a:t>e</a:t>
             </a:r>
             <a:r>
-              <a:rPr lang="en-US" sz="5400" baseline="30000" dirty="0">
+              <a:rPr lang="en-US" sz="5400" baseline="30000" dirty="0" smtClean="0">
                 <a:solidFill>
                   <a:srgbClr val="3C34DA"/>
                 </a:solidFill>
@@ -7395,6 +5809,24 @@
               <a:t>–</a:t>
             </a:r>
             <a:r>
+              <a:rPr lang="el-GR" sz="5400" b="1" baseline="30000" dirty="0" smtClean="0">
+                <a:solidFill>
+                  <a:srgbClr val="0000E5"/>
+                </a:solidFill>
+                <a:latin typeface="Euclid Symbol" charset="2"/>
+                <a:cs typeface="Euclid Symbol" charset="2"/>
+              </a:rPr>
+              <a:t>β</a:t>
+            </a:r>
+            <a:r>
+              <a:rPr lang="en-US" sz="5400" baseline="30000" dirty="0" smtClean="0">
+                <a:solidFill>
+                  <a:srgbClr val="0000E5"/>
+                </a:solidFill>
+              </a:rPr>
+              <a:t>(1.6)</a:t>
+            </a:r>
+            <a:r>
               <a:rPr lang="en-US" sz="5400" baseline="30000" dirty="0" smtClean="0">
                 <a:solidFill>
                   <a:srgbClr val="3C34DA"/>
@@ -7402,77 +5834,24 @@
                 <a:ea typeface="Comic Sans MS"/>
                 <a:cs typeface="Comic Sans MS"/>
               </a:rPr>
-              <a:t>1µ</a:t>
-            </a:r>
-            <a:r>
-              <a:rPr lang="en-US" sz="5400" baseline="30000" dirty="0" smtClean="0">
-                <a:solidFill>
-                  <a:schemeClr val="accent2"/>
-                </a:solidFill>
-                <a:ea typeface="Comic Sans MS"/>
-                <a:cs typeface="Comic Sans MS"/>
-              </a:rPr>
-              <a:t> </a:t>
-            </a:r>
-            <a:r>
-              <a:rPr lang="en-US" sz="4400" baseline="30000" dirty="0" smtClean="0">
-                <a:solidFill>
-                  <a:schemeClr val="accent2"/>
-                </a:solidFill>
-                <a:ea typeface="Comic Sans MS"/>
-                <a:cs typeface="Comic Sans MS"/>
-              </a:rPr>
-              <a:t> </a:t>
-            </a:r>
-            <a:r>
-              <a:rPr lang="en-US" sz="4400" dirty="0" smtClean="0">
-                <a:solidFill>
-                  <a:srgbClr val="3C34DA"/>
-                </a:solidFill>
-                <a:ea typeface="Comic Sans MS"/>
-                <a:cs typeface="Comic Sans MS"/>
-              </a:rPr>
-              <a:t>= </a:t>
-            </a:r>
-            <a:r>
-              <a:rPr lang="en-US" sz="4400" dirty="0" err="1">
-                <a:solidFill>
-                  <a:srgbClr val="3C34DA"/>
-                </a:solidFill>
-                <a:ea typeface="Comic Sans MS"/>
-                <a:cs typeface="Comic Sans MS"/>
-              </a:rPr>
-              <a:t>e</a:t>
-            </a:r>
-            <a:r>
-              <a:rPr lang="en-US" sz="5400" baseline="30000" dirty="0">
-                <a:solidFill>
-                  <a:srgbClr val="3C34DA"/>
-                </a:solidFill>
-                <a:ea typeface="Comic Sans MS"/>
-                <a:cs typeface="Comic Sans MS"/>
-              </a:rPr>
-              <a:t>–</a:t>
-            </a:r>
-            <a:r>
-              <a:rPr lang="en-US" sz="4400" baseline="30000" dirty="0">
-                <a:solidFill>
-                  <a:srgbClr val="3C34DA"/>
-                </a:solidFill>
-                <a:ea typeface="Comic Sans MS"/>
-                <a:cs typeface="Comic Sans MS"/>
-              </a:rPr>
-              <a:t>100</a:t>
-            </a:r>
+              <a:t>µ</a:t>
+            </a:r>
+            <a:endParaRPr lang="en-US" sz="5400" baseline="30000" dirty="0" smtClean="0">
+              <a:solidFill>
+                <a:schemeClr val="accent2"/>
+              </a:solidFill>
+              <a:ea typeface="Comic Sans MS"/>
+              <a:cs typeface="Comic Sans MS"/>
+            </a:endParaRPr>
           </a:p>
           <a:p>
             <a:pPr>
               <a:buFontTx/>
               <a:buNone/>
             </a:pPr>
-            <a:endParaRPr lang="en-US" sz="4400" baseline="30000" dirty="0">
+            <a:endParaRPr lang="en-US" sz="5400" dirty="0" smtClean="0">
               <a:solidFill>
-                <a:srgbClr val="3C34DA"/>
+                <a:schemeClr val="accent2"/>
               </a:solidFill>
               <a:ea typeface="Comic Sans MS"/>
               <a:cs typeface="Comic Sans MS"/>
@@ -7483,9 +5862,77 @@
               <a:buFontTx/>
               <a:buNone/>
             </a:pPr>
-            <a:endParaRPr lang="en-US" sz="4000" baseline="30000" dirty="0">
+            <a:r>
+              <a:rPr lang="en-US" sz="4400" baseline="30000" dirty="0" smtClean="0">
+                <a:solidFill>
+                  <a:schemeClr val="accent2"/>
+                </a:solidFill>
+                <a:ea typeface="Comic Sans MS"/>
+                <a:cs typeface="Comic Sans MS"/>
+              </a:rPr>
+              <a:t> </a:t>
+            </a:r>
+            <a:r>
+              <a:rPr lang="en-US" sz="4400" dirty="0" smtClean="0">
+                <a:solidFill>
+                  <a:srgbClr val="3C34DA"/>
+                </a:solidFill>
+                <a:ea typeface="Comic Sans MS"/>
+                <a:cs typeface="Comic Sans MS"/>
+              </a:rPr>
+              <a:t>= </a:t>
+            </a:r>
+            <a:r>
+              <a:rPr lang="en-US" sz="4400" dirty="0" err="1">
+                <a:solidFill>
+                  <a:srgbClr val="3C34DA"/>
+                </a:solidFill>
+                <a:ea typeface="Comic Sans MS"/>
+                <a:cs typeface="Comic Sans MS"/>
+              </a:rPr>
+              <a:t>e</a:t>
+            </a:r>
+            <a:r>
+              <a:rPr lang="en-US" sz="5400" baseline="30000" dirty="0" smtClean="0">
+                <a:solidFill>
+                  <a:srgbClr val="3C34DA"/>
+                </a:solidFill>
+                <a:ea typeface="Comic Sans MS"/>
+                <a:cs typeface="Comic Sans MS"/>
+              </a:rPr>
+              <a:t>–</a:t>
+            </a:r>
+            <a:r>
+              <a:rPr lang="en-US" sz="4400" baseline="30000" dirty="0" smtClean="0">
+                <a:solidFill>
+                  <a:srgbClr val="3C34DA"/>
+                </a:solidFill>
+                <a:ea typeface="Comic Sans MS"/>
+                <a:cs typeface="Comic Sans MS"/>
+              </a:rPr>
+              <a:t>15</a:t>
+            </a:r>
+            <a:r>
+              <a:rPr lang="en-US" sz="4400" b="1" dirty="0" smtClean="0">
+                <a:latin typeface="Euclid Symbol" charset="2"/>
+                <a:ea typeface="Comic Sans MS"/>
+                <a:cs typeface="Euclid Symbol" charset="2"/>
+              </a:rPr>
+              <a:t>&lt; </a:t>
+            </a:r>
+            <a:r>
+              <a:rPr lang="en-US" sz="4400" dirty="0" smtClean="0">
+                <a:solidFill>
+                  <a:srgbClr val="008000"/>
+                </a:solidFill>
+                <a:ea typeface="Comic Sans MS"/>
+                <a:cs typeface="Comic Sans MS"/>
+              </a:rPr>
+              <a:t>1/3,000,000</a:t>
+            </a:r>
+            <a:endParaRPr lang="en-US" sz="4400" dirty="0" smtClean="0">
               <a:solidFill>
-                <a:srgbClr val="3C34DA"/>
+                <a:srgbClr val="008000"/>
               </a:solidFill>
               <a:ea typeface="Comic Sans MS"/>
               <a:cs typeface="Comic Sans MS"/>
@@ -7497,25 +5944,32 @@
               <a:buNone/>
             </a:pPr>
             <a:r>
+              <a:rPr lang="en-US" sz="4400" dirty="0" smtClean="0">
+                <a:ea typeface="Comic Sans MS"/>
+                <a:cs typeface="Comic Sans MS"/>
+              </a:rPr>
+              <a:t>Chance </a:t>
+            </a:r>
+            <a:r>
+              <a:rPr lang="en-US" sz="4400" dirty="0" smtClean="0">
+                <a:ea typeface="Comic Sans MS"/>
+                <a:cs typeface="Comic Sans MS"/>
+              </a:rPr>
+              <a:t>of</a:t>
+            </a:r>
+            <a:r>
+              <a:rPr lang="en-US" sz="4400" dirty="0" smtClean="0">
+                <a:ea typeface="Comic Sans MS"/>
+                <a:cs typeface="Comic Sans MS"/>
+              </a:rPr>
+              <a:t> 60 </a:t>
+            </a:r>
+            <a:r>
               <a:rPr lang="en-US" sz="4400" dirty="0">
                 <a:ea typeface="Comic Sans MS"/>
                 <a:cs typeface="Comic Sans MS"/>
               </a:rPr>
-              <a:t>Chance </a:t>
-            </a:r>
-            <a:r>
-              <a:rPr lang="en-US" sz="4400" dirty="0" smtClean="0">
-                <a:ea typeface="Comic Sans MS"/>
-                <a:cs typeface="Comic Sans MS"/>
-              </a:rPr>
-              <a:t>of </a:t>
-            </a:r>
-            <a:r>
-              <a:rPr lang="en-US" sz="4400" dirty="0">
-                <a:ea typeface="Comic Sans MS"/>
-                <a:cs typeface="Comic Sans MS"/>
-              </a:rPr>
-              <a:t>173 extra </a:t>
+              <a:t>extra </a:t>
             </a:r>
             <a:r>
               <a:rPr lang="en-US" sz="4400" dirty="0" smtClean="0">
@@ -7538,32 +5992,11 @@
               <a:t>negligible</a:t>
             </a:r>
             <a:r>
-              <a:rPr lang="en-US" sz="4400" dirty="0">
-                <a:ea typeface="Comic Sans MS"/>
-                <a:cs typeface="Comic Sans MS"/>
-              </a:rPr>
-              <a:t>.</a:t>
-            </a:r>
-            <a:r>
               <a:rPr lang="en-US" sz="4400" dirty="0" smtClean="0">
                 <a:ea typeface="Comic Sans MS"/>
                 <a:cs typeface="Comic Sans MS"/>
               </a:rPr>
-              <a:t> Small </a:t>
-            </a:r>
-            <a:r>
-              <a:rPr lang="en-US" sz="4400" dirty="0">
-                <a:ea typeface="Comic Sans MS"/>
-                <a:cs typeface="Comic Sans MS"/>
-              </a:rPr>
-              <a:t>reserve $$ </a:t>
-            </a:r>
-            <a:r>
-              <a:rPr lang="en-US" sz="4400" dirty="0" smtClean="0">
-                <a:ea typeface="Comic Sans MS"/>
-                <a:cs typeface="Comic Sans MS"/>
-              </a:rPr>
-              <a:t>OK</a:t>
+              <a:t>.</a:t>
             </a:r>
             <a:endParaRPr lang="en-US" sz="4400" dirty="0">
               <a:ea typeface="Comic Sans MS"/>
@@ -7572,112 +6005,70 @@
           </a:p>
         </p:txBody>
       </p:sp>
-      <p:grpSp>
-        <p:nvGrpSpPr>
-          <p:cNvPr id="377867" name="Group 11"/>
-          <p:cNvGrpSpPr>
-            <a:grpSpLocks/>
-          </p:cNvGrpSpPr>
+      <p:sp>
+        <p:nvSpPr>
+          <p:cNvPr id="377863" name="Text Box 7"/>
+          <p:cNvSpPr txBox="1">
+            <a:spLocks noChangeArrowheads="1"/>
+          </p:cNvSpPr>
           <p:nvPr/>
-        </p:nvGrpSpPr>
-        <p:grpSpPr bwMode="auto">
+        </p:nvSpPr>
+        <p:spPr bwMode="auto">
           <a:xfrm>
-            <a:off x="5308601" y="2987675"/>
-            <a:ext cx="3082926" cy="1000125"/>
-            <a:chOff x="3566" y="1838"/>
-            <a:chExt cx="1942" cy="630"/>
+            <a:off x="5532437" y="3074987"/>
+            <a:ext cx="3082926" cy="708025"/>
           </a:xfrm>
-        </p:grpSpPr>
-        <p:sp>
-          <p:nvSpPr>
-            <p:cNvPr id="377861" name="Text Box 5"/>
-            <p:cNvSpPr txBox="1">
-              <a:spLocks noChangeArrowheads="1"/>
-            </p:cNvSpPr>
-            <p:nvPr/>
-          </p:nvSpPr>
-          <p:spPr bwMode="auto">
-            <a:xfrm rot="16200000">
-              <a:off x="4184" y="1665"/>
-              <a:ext cx="294" cy="640"/>
-            </a:xfrm>
-            <a:prstGeom prst="rect">
+          <a:prstGeom prst="rect">
+            <a:avLst/>
+          </a:prstGeom>
+          <a:noFill/>
+          <a:ln w="9525">
+            <a:noFill/>
+            <a:miter lim="800000"/>
+            <a:headEnd/>
+            <a:tailEnd type="none" w="lg" len="lg"/>
+          </a:ln>
+          <a:effectLst/>
+        </p:spPr>
+        <p:txBody>
+          <a:bodyPr wrap="none">
+            <a:prstTxWarp prst="textNoShape">
               <a:avLst/>
-            </a:prstGeom>
-            <a:noFill/>
-            <a:ln w="9525">
-              <a:noFill/>
-              <a:miter lim="800000"/>
-              <a:headEnd/>
-              <a:tailEnd type="none" w="lg" len="lg"/>
-            </a:ln>
-            <a:effectLst/>
-          </p:spPr>
-          <p:txBody>
-            <a:bodyPr wrap="none">
-              <a:prstTxWarp prst="textNoShape">
-                <a:avLst/>
-              </a:prstTxWarp>
-              <a:spAutoFit/>
-            </a:bodyPr>
-            <a:lstStyle/>
-            <a:p>
-              <a:r>
-                <a:rPr lang="en-US" sz="6000" dirty="0">
-                  <a:latin typeface="Comic Sans MS"/>
-                </a:rPr>
-                <a:t>{</a:t>
-              </a:r>
-            </a:p>
-          </p:txBody>
-        </p:sp>
-        <p:sp>
-          <p:nvSpPr>
-            <p:cNvPr id="377863" name="Text Box 7"/>
-            <p:cNvSpPr txBox="1">
-              <a:spLocks noChangeArrowheads="1"/>
-            </p:cNvSpPr>
-            <p:nvPr/>
-          </p:nvSpPr>
-          <p:spPr bwMode="auto">
-            <a:xfrm>
-              <a:off x="3566" y="2022"/>
-              <a:ext cx="1942" cy="446"/>
-            </a:xfrm>
-            <a:prstGeom prst="rect">
-              <a:avLst/>
-            </a:prstGeom>
-            <a:noFill/>
-            <a:ln w="9525">
-              <a:noFill/>
-              <a:miter lim="800000"/>
-              <a:headEnd/>
-              <a:tailEnd type="none" w="lg" len="lg"/>
-            </a:ln>
-            <a:effectLst/>
-          </p:spPr>
-          <p:txBody>
-            <a:bodyPr wrap="none">
-              <a:prstTxWarp prst="textNoShape">
-                <a:avLst/>
-              </a:prstTxWarp>
-              <a:spAutoFit/>
-            </a:bodyPr>
-            <a:lstStyle/>
-            <a:p>
-              <a:r>
-                <a:rPr lang="en-US" sz="4000" dirty="0">
-                  <a:solidFill>
-                    <a:srgbClr val="008000"/>
-                  </a:solidFill>
-                  <a:latin typeface="Comic Sans MS"/>
-                </a:rPr>
-                <a:t>Don’t worry!</a:t>
-              </a:r>
-            </a:p>
-          </p:txBody>
-        </p:sp>
-      </p:grpSp>
+            </a:prstTxWarp>
+            <a:spAutoFit/>
+          </a:bodyPr>
+          <a:lstStyle/>
+          <a:p>
+            <a:r>
+              <a:rPr lang="en-US" sz="4000" dirty="0">
+                <a:solidFill>
+                  <a:srgbClr val="008000"/>
+                </a:solidFill>
+                <a:latin typeface="Comic Sans MS"/>
+              </a:rPr>
+              <a:t>Don’t</a:t>
+            </a:r>
+            <a:r>
+              <a:rPr lang="en-US" sz="4000" dirty="0" smtClean="0">
+                <a:solidFill>
+                  <a:srgbClr val="008000"/>
+                </a:solidFill>
+                <a:latin typeface="Comic Sans MS"/>
+              </a:rPr>
+              <a:t> worry</a:t>
+            </a:r>
+            <a:r>
+              <a:rPr lang="en-US" sz="4000" dirty="0">
+                <a:solidFill>
+                  <a:srgbClr val="008000"/>
+                </a:solidFill>
+                <a:latin typeface="Comic Sans MS"/>
+              </a:rPr>
+              <a:t>!</a:t>
+            </a:r>
+          </a:p>
+        </p:txBody>
+      </p:sp>
       <p:graphicFrame>
         <p:nvGraphicFramePr>
           <p:cNvPr id="377865" name="Object 9"/>
@@ -7689,12 +6080,12 @@
           </p:nvPr>
         </p:nvGraphicFramePr>
         <p:xfrm>
-          <a:off x="3122613" y="2311401"/>
-          <a:ext cx="1055687" cy="1555750"/>
+          <a:off x="3340100" y="2382838"/>
+          <a:ext cx="1293813" cy="1414462"/>
         </p:xfrm>
         <a:graphic>
           <a:graphicData uri="http://schemas.openxmlformats.org/presentationml/2006/ole">
-            <p:oleObj spid="_x0000_s377865" name="Equation" r:id="rId3" imgW="304800" imgH="444500" progId="Equation.DSMT4">
+            <p:oleObj spid="_x0000_s377865" name="Equation" r:id="rId3" imgW="406400" imgH="444500" progId="Equation.DSMT4">
               <p:embed/>
             </p:oleObj>
           </a:graphicData>
@@ -7788,7 +6179,11 @@
                                           </p:stCondLst>
                                         </p:cTn>
                                         <p:tgtEl>
-                                          <p:spTgt spid="377865"/>
+                                          <p:spTgt spid="377859">
+                                            <p:txEl>
+                                              <p:pRg st="3" end="3"/>
+                                            </p:txEl>
+                                          </p:spTgt>
                                         </p:tgtEl>
                                         <p:attrNameLst>
                                           <p:attrName>style.visibility</p:attrName>
@@ -7833,7 +6228,7 @@
                                           </p:stCondLst>
                                         </p:cTn>
                                         <p:tgtEl>
-                                          <p:spTgt spid="377867"/>
+                                          <p:spTgt spid="377865"/>
                                         </p:tgtEl>
                                         <p:attrNameLst>
                                           <p:attrName>style.visibility</p:attrName>
@@ -7975,7 +6370,7 @@
 </p:sld>
 </file>
 
-<file path=ppt/slides/slide16.xml><?xml version="1.0" encoding="utf-8"?>
+<file path=ppt/slides/slide15.xml><?xml version="1.0" encoding="utf-8"?>
 <p:sld xmlns:a="http://schemas.openxmlformats.org/drawingml/2006/main" xmlns:r="http://schemas.openxmlformats.org/officeDocument/2006/relationships" xmlns:mc="http://schemas.openxmlformats.org/markup-compatibility/2006" xmlns:mv="urn:schemas-microsoft-com:mac:vml" xmlns:p="http://schemas.openxmlformats.org/presentationml/2006/main" mc:Ignorable="mv" mc:PreserveAttributes="mv:*" show="0">
   <p:cSld>
     <p:spTree>
@@ -7994,7 +6389,7 @@
       </p:grpSpPr>
       <p:sp>
         <p:nvSpPr>
-          <p:cNvPr id="6" name="Slide Number Placeholder 3"/>
+          <p:cNvPr id="7" name="Slide Number Placeholder 3"/>
           <p:cNvSpPr>
             <a:spLocks noGrp="1"/>
           </p:cNvSpPr>
@@ -8008,23 +6403,29 @@
           <a:lstStyle/>
           <a:p>
             <a:r>
-              <a:rPr lang="en-US" dirty="0">
-                <a:latin typeface="Comic Sans MS"/>
-              </a:rPr>
-              <a:t>L14-3</a:t>
-            </a:r>
-            <a:r>
-              <a:rPr lang="en-US" sz="1400" dirty="0">
+              <a:rPr lang="en-US" dirty="0" err="1" smtClean="0">
+                <a:latin typeface="Comic Sans MS"/>
+              </a:rPr>
+              <a:t>lec</a:t>
+            </a:r>
+            <a:r>
+              <a:rPr lang="en-US" dirty="0" smtClean="0">
+                <a:latin typeface="Comic Sans MS"/>
+              </a:rPr>
+              <a:t> 13F</a:t>
+            </a:r>
+            <a:r>
+              <a:rPr lang="en-US" sz="1400" dirty="0" smtClean="0">
                 <a:latin typeface="Comic Sans MS"/>
               </a:rPr>
               <a:t>.</a:t>
             </a:r>
-            <a:fld id="{C5147463-8FD8-E547-B5E3-6B4890B8C0A2}" type="slidenum">
+            <a:fld id="{0493E590-ECF9-5E46-AFDB-3E9CC568C42D}" type="slidenum">
               <a:rPr lang="en-US" sz="1400">
                 <a:latin typeface="Comic Sans MS"/>
               </a:rPr>
               <a:pPr/>
-              <a:t>16</a:t>
+              <a:t>15</a:t>
             </a:fld>
             <a:endParaRPr lang="en-US" sz="1400" dirty="0">
               <a:latin typeface="Comic Sans MS"/>
@@ -8034,7 +6435,29 @@
       </p:sp>
       <p:sp>
         <p:nvSpPr>
-          <p:cNvPr id="380931" name="Rectangle 3"/>
+          <p:cNvPr id="416770" name="Rectangle 2"/>
+          <p:cNvSpPr>
+            <a:spLocks noGrp="1" noChangeArrowheads="1"/>
+          </p:cNvSpPr>
+          <p:nvPr>
+            <p:ph type="title"/>
+          </p:nvPr>
+        </p:nvSpPr>
+        <p:spPr/>
+        <p:txBody>
+          <a:bodyPr/>
+          <a:lstStyle/>
+          <a:p>
+            <a:r>
+              <a:rPr lang="en-US" sz="4400"/>
+              <a:t>Design for Reliability</a:t>
+            </a:r>
+          </a:p>
+        </p:txBody>
+      </p:sp>
+      <p:sp>
+        <p:nvSpPr>
+          <p:cNvPr id="416771" name="Rectangle 3"/>
           <p:cNvSpPr>
             <a:spLocks noGrp="1" noChangeArrowheads="1"/>
           </p:cNvSpPr>
@@ -8044,8 +6467,8 @@
         </p:nvSpPr>
         <p:spPr>
           <a:xfrm>
-            <a:off x="317500" y="1587500"/>
-            <a:ext cx="8509000" cy="3111500"/>
+            <a:off x="1003300" y="1790700"/>
+            <a:ext cx="7899400" cy="4635500"/>
           </a:xfrm>
         </p:spPr>
         <p:txBody>
@@ -8057,263 +6480,118 @@
               <a:buNone/>
             </a:pPr>
             <a:r>
-              <a:rPr lang="en-US" sz="4800" dirty="0"/>
-              <a:t>log</a:t>
-            </a:r>
-            <a:r>
-              <a:rPr lang="en-US" sz="4800" baseline="-25000" dirty="0"/>
-              <a:t>2</a:t>
-            </a:r>
-            <a:r>
-              <a:rPr lang="en-US" sz="4800" dirty="0"/>
-              <a:t> </a:t>
-            </a:r>
-            <a:r>
-              <a:rPr lang="en-US" sz="4800" dirty="0" err="1"/>
-              <a:t>Pr{</a:t>
-            </a:r>
-            <a:r>
-              <a:rPr lang="en-US" sz="4800" i="1" dirty="0" err="1">
-                <a:solidFill>
-                  <a:srgbClr val="3C34DA"/>
-                </a:solidFill>
-              </a:rPr>
-              <a:t>B</a:t>
-            </a:r>
-            <a:r>
-              <a:rPr lang="en-US" sz="4800" i="1" baseline="-25000" dirty="0" err="1">
-                <a:solidFill>
-                  <a:srgbClr val="3C34DA"/>
-                </a:solidFill>
-              </a:rPr>
-              <a:t>n</a:t>
-            </a:r>
-            <a:r>
-              <a:rPr lang="en-US" sz="4800" baseline="-25000" dirty="0"/>
-              <a:t> </a:t>
-            </a:r>
-            <a:r>
-              <a:rPr lang="en-US" sz="4800" dirty="0">
+              <a:rPr lang="en-US" dirty="0"/>
+              <a:t>WEB Server</a:t>
+            </a:r>
+          </a:p>
+          <a:p>
+            <a:endParaRPr lang="en-US" dirty="0"/>
+          </a:p>
+          <a:p>
+            <a:endParaRPr lang="en-US" dirty="0"/>
+          </a:p>
+          <a:p>
+            <a:endParaRPr lang="en-US" dirty="0"/>
+          </a:p>
+          <a:p>
+            <a:r>
+              <a:rPr lang="en-US" sz="3600" dirty="0"/>
+              <a:t>On average gets </a:t>
+            </a:r>
+            <a:r>
+              <a:rPr lang="en-US" sz="3600" dirty="0">
+                <a:solidFill>
+                  <a:schemeClr val="accent2"/>
+                </a:solidFill>
                 <a:ea typeface="Comic Sans MS"/>
                 <a:cs typeface="Comic Sans MS"/>
               </a:rPr>
-              <a:t>≥</a:t>
-            </a:r>
-            <a:r>
-              <a:rPr lang="en-US" sz="4800" baseline="-25000" dirty="0">
-                <a:ea typeface="Comic Sans MS"/>
-                <a:cs typeface="Comic Sans MS"/>
-              </a:rPr>
-              <a:t> </a:t>
-            </a:r>
-            <a:r>
-              <a:rPr lang="en-US" sz="4800" dirty="0">
+              <a:t>µ</a:t>
+            </a:r>
+            <a:r>
+              <a:rPr lang="en-US" sz="3600" dirty="0">
+                <a:solidFill>
+                  <a:schemeClr val="accent2"/>
+                </a:solidFill>
+              </a:rPr>
+              <a:t> queries per day</a:t>
+            </a:r>
+          </a:p>
+          <a:p>
+            <a:r>
+              <a:rPr lang="en-US" sz="3600" dirty="0"/>
+              <a:t>How much </a:t>
+            </a:r>
+            <a:r>
+              <a:rPr lang="en-US" sz="3600" dirty="0">
                 <a:solidFill>
                   <a:srgbClr val="3C34DA"/>
                 </a:solidFill>
-                <a:ea typeface="Comic Sans MS"/>
-                <a:cs typeface="Comic Sans MS"/>
-              </a:rPr>
-              <a:t>(</a:t>
-            </a:r>
-            <a:r>
-              <a:rPr lang="en-US" sz="4800" dirty="0">
-                <a:solidFill>
-                  <a:srgbClr val="3C34DA"/>
-                </a:solidFill>
-              </a:rPr>
-              <a:t>1+ </a:t>
-            </a:r>
-            <a:r>
-              <a:rPr lang="el-GR" sz="4800" dirty="0">
-                <a:solidFill>
-                  <a:srgbClr val="3C34DA"/>
-                </a:solidFill>
-                <a:ea typeface="Comic Sans MS"/>
-                <a:cs typeface="Comic Sans MS"/>
-              </a:rPr>
-              <a:t>ε</a:t>
-            </a:r>
-            <a:r>
-              <a:rPr lang="en-US" sz="4800" dirty="0">
-                <a:solidFill>
-                  <a:srgbClr val="3C34DA"/>
-                </a:solidFill>
-                <a:ea typeface="Comic Sans MS"/>
-                <a:cs typeface="Comic Sans MS"/>
-              </a:rPr>
-              <a:t>)µ</a:t>
-            </a:r>
-            <a:r>
-              <a:rPr lang="en-US" sz="4800" dirty="0">
-                <a:ea typeface="Comic Sans MS"/>
-                <a:cs typeface="Comic Sans MS"/>
-              </a:rPr>
-              <a:t>}</a:t>
-            </a:r>
-          </a:p>
-          <a:p>
-            <a:pPr>
-              <a:buFontTx/>
-              <a:buNone/>
-            </a:pPr>
-            <a:r>
-              <a:rPr lang="en-US" dirty="0">
-                <a:ea typeface="Comic Sans MS"/>
-                <a:cs typeface="Comic Sans MS"/>
-              </a:rPr>
-              <a:t>                         </a:t>
-            </a:r>
-            <a:r>
-              <a:rPr lang="en-US" sz="4800" dirty="0">
-                <a:ea typeface="Comic Sans MS"/>
-                <a:cs typeface="Comic Sans MS"/>
-              </a:rPr>
-              <a:t>&lt; − (log</a:t>
-            </a:r>
-            <a:r>
-              <a:rPr lang="en-US" sz="4800" baseline="-25000" dirty="0">
-                <a:ea typeface="Comic Sans MS"/>
-                <a:cs typeface="Comic Sans MS"/>
-              </a:rPr>
-              <a:t>2</a:t>
-            </a:r>
-            <a:r>
-              <a:rPr lang="en-US" sz="4800" dirty="0">
-                <a:ea typeface="Comic Sans MS"/>
-                <a:cs typeface="Comic Sans MS"/>
-              </a:rPr>
-              <a:t>e · </a:t>
-            </a:r>
-            <a:r>
-              <a:rPr lang="el-GR" sz="4800" dirty="0">
-                <a:solidFill>
-                  <a:srgbClr val="3C34DA"/>
-                </a:solidFill>
-                <a:ea typeface="Comic Sans MS"/>
-                <a:cs typeface="Comic Sans MS"/>
-              </a:rPr>
-              <a:t>ε</a:t>
-            </a:r>
-            <a:r>
-              <a:rPr lang="en-US" sz="4800" baseline="30000" dirty="0">
-                <a:solidFill>
-                  <a:srgbClr val="3C34DA"/>
-                </a:solidFill>
-                <a:ea typeface="Comic Sans MS"/>
-                <a:cs typeface="Comic Sans MS"/>
-              </a:rPr>
-              <a:t>2</a:t>
-            </a:r>
-            <a:r>
-              <a:rPr lang="en-US" sz="4800" dirty="0">
-                <a:solidFill>
-                  <a:srgbClr val="3C34DA"/>
-                </a:solidFill>
-                <a:ea typeface="Comic Sans MS"/>
-                <a:cs typeface="Comic Sans MS"/>
-              </a:rPr>
-              <a:t>µ</a:t>
-            </a:r>
-            <a:r>
-              <a:rPr lang="en-US" sz="4800" dirty="0">
-                <a:ea typeface="Comic Sans MS"/>
-                <a:cs typeface="Comic Sans MS"/>
-              </a:rPr>
-              <a:t>) / 2</a:t>
-            </a:r>
-          </a:p>
-          <a:p>
-            <a:pPr>
-              <a:buFontTx/>
-              <a:buNone/>
-            </a:pPr>
-            <a:r>
-              <a:rPr lang="en-US" sz="4800" dirty="0">
-                <a:ea typeface="Comic Sans MS"/>
-                <a:cs typeface="Comic Sans MS"/>
-              </a:rPr>
-              <a:t>                </a:t>
-            </a:r>
-            <a:r>
-              <a:rPr lang="en-US" sz="4800" dirty="0" err="1">
-                <a:ea typeface="Comic Sans MS"/>
-                <a:cs typeface="Comic Sans MS"/>
-                <a:sym typeface="Symbol" charset="2"/>
-              </a:rPr>
-              <a:t></a:t>
-            </a:r>
-            <a:r>
-              <a:rPr lang="en-US" sz="4800" dirty="0">
-                <a:ea typeface="Comic Sans MS"/>
-                <a:cs typeface="Comic Sans MS"/>
-              </a:rPr>
-              <a:t>  </a:t>
-            </a:r>
-            <a:r>
-              <a:rPr lang="en-US" sz="4800" dirty="0">
-                <a:solidFill>
-                  <a:srgbClr val="3C34DA"/>
-                </a:solidFill>
-                <a:ea typeface="Comic Sans MS"/>
-                <a:cs typeface="Comic Sans MS"/>
-              </a:rPr>
-              <a:t>− 0.75 </a:t>
-            </a:r>
-            <a:r>
-              <a:rPr lang="el-GR" sz="4800" dirty="0">
-                <a:solidFill>
-                  <a:srgbClr val="3C34DA"/>
-                </a:solidFill>
-                <a:ea typeface="Comic Sans MS"/>
-                <a:cs typeface="Comic Sans MS"/>
-              </a:rPr>
-              <a:t>ε</a:t>
-            </a:r>
-            <a:r>
-              <a:rPr lang="en-US" sz="4800" baseline="30000" dirty="0">
-                <a:solidFill>
-                  <a:srgbClr val="3C34DA"/>
-                </a:solidFill>
-                <a:ea typeface="Comic Sans MS"/>
-                <a:cs typeface="Comic Sans MS"/>
-              </a:rPr>
-              <a:t>2</a:t>
-            </a:r>
-            <a:r>
-              <a:rPr lang="en-US" sz="4800" dirty="0">
-                <a:solidFill>
-                  <a:srgbClr val="3C34DA"/>
-                </a:solidFill>
-                <a:ea typeface="Comic Sans MS"/>
-                <a:cs typeface="Comic Sans MS"/>
-              </a:rPr>
-              <a:t>µ</a:t>
-            </a:r>
-            <a:endParaRPr lang="en-US" sz="4800" dirty="0">
-              <a:solidFill>
-                <a:srgbClr val="3C34DA"/>
-              </a:solidFill>
-              <a:ea typeface="Comic Sans MS"/>
-              <a:cs typeface="Comic Sans MS"/>
-              <a:sym typeface="Symbol" charset="2"/>
-            </a:endParaRPr>
-          </a:p>
-          <a:p>
-            <a:pPr>
-              <a:buFontTx/>
-              <a:buNone/>
-            </a:pPr>
-            <a:endParaRPr lang="en-US" sz="4800" baseline="30000" dirty="0">
-              <a:ea typeface="Comic Sans MS"/>
-              <a:cs typeface="Comic Sans MS"/>
-            </a:endParaRPr>
+              </a:rPr>
+              <a:t>access capacity</a:t>
+            </a:r>
+            <a:r>
+              <a:rPr lang="en-US" sz="3600" dirty="0"/>
+              <a:t> should I build in?</a:t>
+            </a:r>
           </a:p>
         </p:txBody>
       </p:sp>
+      <p:pic>
+        <p:nvPicPr>
+          <p:cNvPr id="416772" name="Picture 4" descr="j0285750"/>
+          <p:cNvPicPr>
+            <a:picLocks noChangeAspect="1" noChangeArrowheads="1"/>
+          </p:cNvPicPr>
+          <p:nvPr/>
+        </p:nvPicPr>
+        <p:blipFill>
+          <a:blip r:embed="rId2"/>
+          <a:srcRect/>
+          <a:stretch>
+            <a:fillRect/>
+          </a:stretch>
+        </p:blipFill>
+        <p:spPr bwMode="auto">
+          <a:xfrm>
+            <a:off x="2986088" y="2309813"/>
+            <a:ext cx="2589212" cy="1590675"/>
+          </a:xfrm>
+          <a:prstGeom prst="rect">
+            <a:avLst/>
+          </a:prstGeom>
+          <a:noFill/>
+        </p:spPr>
+      </p:pic>
+      <p:pic>
+        <p:nvPicPr>
+          <p:cNvPr id="416774" name="Picture 6" descr="j0214984[1]"/>
+          <p:cNvPicPr>
+            <a:picLocks noChangeAspect="1" noChangeArrowheads="1"/>
+          </p:cNvPicPr>
+          <p:nvPr/>
+        </p:nvPicPr>
+        <p:blipFill>
+          <a:blip r:embed="rId3"/>
+          <a:srcRect/>
+          <a:stretch>
+            <a:fillRect/>
+          </a:stretch>
+        </p:blipFill>
+        <p:spPr bwMode="auto">
+          <a:xfrm>
+            <a:off x="6315075" y="2316163"/>
+            <a:ext cx="1593850" cy="1582737"/>
+          </a:xfrm>
+          <a:prstGeom prst="rect">
+            <a:avLst/>
+          </a:prstGeom>
+          <a:noFill/>
+        </p:spPr>
+      </p:pic>
       <p:sp>
         <p:nvSpPr>
-          <p:cNvPr id="380932" name="Text Box 4"/>
+          <p:cNvPr id="416775" name="Text Box 7"/>
           <p:cNvSpPr txBox="1">
             <a:spLocks noChangeArrowheads="1"/>
           </p:cNvSpPr>
@@ -8321,8 +6599,8 @@
         </p:nvSpPr>
         <p:spPr bwMode="auto">
           <a:xfrm>
-            <a:off x="4352925" y="5327650"/>
-            <a:ext cx="3811710" cy="646331"/>
+            <a:off x="5495925" y="2436813"/>
+            <a:ext cx="748222" cy="1200329"/>
           </a:xfrm>
           <a:prstGeom prst="rect">
             <a:avLst/>
@@ -8346,115 +6624,10 @@
           <a:lstStyle/>
           <a:p>
             <a:r>
-              <a:rPr lang="en-US" dirty="0">
-                <a:solidFill>
-                  <a:srgbClr val="3C34DA"/>
-                </a:solidFill>
-                <a:latin typeface="Comic Sans MS"/>
-              </a:rPr>
-              <a:t>0.5</a:t>
-            </a:r>
-            <a:r>
-              <a:rPr lang="en-US" dirty="0">
-                <a:latin typeface="Comic Sans MS"/>
-              </a:rPr>
-              <a:t> for </a:t>
-            </a:r>
-            <a:r>
-              <a:rPr lang="en-US" dirty="0" err="1">
-                <a:latin typeface="Comic Sans MS"/>
-              </a:rPr>
-              <a:t>Chernoff</a:t>
-            </a:r>
-            <a:endParaRPr lang="en-US" dirty="0">
-              <a:latin typeface="Comic Sans MS"/>
-            </a:endParaRPr>
-          </a:p>
-        </p:txBody>
-      </p:sp>
-      <p:sp>
-        <p:nvSpPr>
-          <p:cNvPr id="380933" name="Line 5"/>
-          <p:cNvSpPr>
-            <a:spLocks noChangeShapeType="1"/>
-          </p:cNvSpPr>
-          <p:nvPr/>
-        </p:nvSpPr>
-        <p:spPr bwMode="auto">
-          <a:xfrm flipH="1" flipV="1">
-            <a:off x="4775200" y="4178300"/>
-            <a:ext cx="1003300" cy="1143000"/>
-          </a:xfrm>
-          <a:prstGeom prst="line">
-            <a:avLst/>
-          </a:prstGeom>
-          <a:noFill/>
-          <a:ln w="9525">
-            <a:solidFill>
-              <a:schemeClr val="tx1"/>
-            </a:solidFill>
-            <a:round/>
-            <a:headEnd/>
-            <a:tailEnd type="triangle" w="lg" len="lg"/>
-          </a:ln>
-          <a:effectLst/>
-        </p:spPr>
-        <p:txBody>
-          <a:bodyPr>
-            <a:prstTxWarp prst="textNoShape">
-              <a:avLst/>
-            </a:prstTxWarp>
-          </a:bodyPr>
-          <a:lstStyle/>
-          <a:p>
-            <a:endParaRPr lang="en-US" dirty="0">
-              <a:latin typeface="Comic Sans MS"/>
-            </a:endParaRPr>
-          </a:p>
-        </p:txBody>
-      </p:sp>
-      <p:sp>
-        <p:nvSpPr>
-          <p:cNvPr id="380934" name="Rectangle 6"/>
-          <p:cNvSpPr>
-            <a:spLocks noChangeArrowheads="1"/>
-          </p:cNvSpPr>
-          <p:nvPr/>
-        </p:nvSpPr>
-        <p:spPr bwMode="auto">
-          <a:xfrm>
-            <a:off x="2693988" y="469900"/>
-            <a:ext cx="3968003" cy="707886"/>
-          </a:xfrm>
-          <a:prstGeom prst="rect">
-            <a:avLst/>
-          </a:prstGeom>
-          <a:noFill/>
-          <a:ln w="9525">
-            <a:noFill/>
-            <a:miter lim="800000"/>
-            <a:headEnd/>
-            <a:tailEnd type="none" w="lg" len="lg"/>
-          </a:ln>
-          <a:effectLst/>
-        </p:spPr>
-        <p:txBody>
-          <a:bodyPr wrap="none">
-            <a:prstTxWarp prst="textNoShape">
-              <a:avLst/>
-            </a:prstTxWarp>
-            <a:spAutoFit/>
-          </a:bodyPr>
-          <a:lstStyle/>
-          <a:p>
-            <a:r>
-              <a:rPr lang="en-US" sz="4000" dirty="0">
-                <a:solidFill>
-                  <a:schemeClr val="tx2"/>
-                </a:solidFill>
-                <a:latin typeface="Comic Sans MS"/>
-              </a:rPr>
-              <a:t>Binomial Bounds</a:t>
+              <a:rPr lang="en-US" sz="7200" b="1" dirty="0">
+                <a:latin typeface="Comic Sans MS"/>
+              </a:rPr>
+              <a:t>+</a:t>
             </a:r>
           </a:p>
         </p:txBody>
@@ -8464,215 +6637,20 @@
   <p:clrMapOvr>
     <a:masterClrMapping/>
   </p:clrMapOvr>
-  <p:transition/>
+  <p:transition spd="slow">
+    <p:fade thruBlk="1"/>
+  </p:transition>
   <p:timing>
     <p:tnLst>
       <p:par>
-        <p:cTn id="1" dur="indefinite" restart="never" nodeType="tmRoot">
-          <p:childTnLst>
-            <p:seq concurrent="1" nextAc="seek">
-              <p:cTn id="2" dur="indefinite" nodeType="mainSeq">
-                <p:childTnLst>
-                  <p:par>
-                    <p:cTn id="3" fill="hold">
-                      <p:stCondLst>
-                        <p:cond delay="indefinite"/>
-                      </p:stCondLst>
-                      <p:childTnLst>
-                        <p:par>
-                          <p:cTn id="4" fill="hold">
-                            <p:stCondLst>
-                              <p:cond delay="0"/>
-                            </p:stCondLst>
-                            <p:childTnLst>
-                              <p:par>
-                                <p:cTn id="5" presetID="1" presetClass="entr" presetSubtype="0" fill="hold" nodeType="clickEffect">
-                                  <p:stCondLst>
-                                    <p:cond delay="0"/>
-                                  </p:stCondLst>
-                                  <p:childTnLst>
-                                    <p:set>
-                                      <p:cBhvr>
-                                        <p:cTn id="6" dur="1" fill="hold">
-                                          <p:stCondLst>
-                                            <p:cond delay="0"/>
-                                          </p:stCondLst>
-                                        </p:cTn>
-                                        <p:tgtEl>
-                                          <p:spTgt spid="380931">
-                                            <p:txEl>
-                                              <p:pRg st="1" end="1"/>
-                                            </p:txEl>
-                                          </p:spTgt>
-                                        </p:tgtEl>
-                                        <p:attrNameLst>
-                                          <p:attrName>style.visibility</p:attrName>
-                                        </p:attrNameLst>
-                                      </p:cBhvr>
-                                      <p:to>
-                                        <p:strVal val="visible"/>
-                                      </p:to>
-                                    </p:set>
-                                  </p:childTnLst>
-                                </p:cTn>
-                              </p:par>
-                            </p:childTnLst>
-                          </p:cTn>
-                        </p:par>
-                      </p:childTnLst>
-                    </p:cTn>
-                  </p:par>
-                  <p:par>
-                    <p:cTn id="7" fill="hold">
-                      <p:stCondLst>
-                        <p:cond delay="indefinite"/>
-                      </p:stCondLst>
-                      <p:childTnLst>
-                        <p:par>
-                          <p:cTn id="8" fill="hold">
-                            <p:stCondLst>
-                              <p:cond delay="0"/>
-                            </p:stCondLst>
-                            <p:childTnLst>
-                              <p:par>
-                                <p:cTn id="9" presetID="1" presetClass="entr" presetSubtype="0" fill="hold" nodeType="clickEffect">
-                                  <p:stCondLst>
-                                    <p:cond delay="0"/>
-                                  </p:stCondLst>
-                                  <p:childTnLst>
-                                    <p:set>
-                                      <p:cBhvr>
-                                        <p:cTn id="10" dur="1" fill="hold">
-                                          <p:stCondLst>
-                                            <p:cond delay="0"/>
-                                          </p:stCondLst>
-                                        </p:cTn>
-                                        <p:tgtEl>
-                                          <p:spTgt spid="380931">
-                                            <p:txEl>
-                                              <p:pRg st="2" end="2"/>
-                                            </p:txEl>
-                                          </p:spTgt>
-                                        </p:tgtEl>
-                                        <p:attrNameLst>
-                                          <p:attrName>style.visibility</p:attrName>
-                                        </p:attrNameLst>
-                                      </p:cBhvr>
-                                      <p:to>
-                                        <p:strVal val="visible"/>
-                                      </p:to>
-                                    </p:set>
-                                  </p:childTnLst>
-                                </p:cTn>
-                              </p:par>
-                            </p:childTnLst>
-                          </p:cTn>
-                        </p:par>
-                      </p:childTnLst>
-                    </p:cTn>
-                  </p:par>
-                  <p:par>
-                    <p:cTn id="11" fill="hold">
-                      <p:stCondLst>
-                        <p:cond delay="indefinite"/>
-                      </p:stCondLst>
-                      <p:childTnLst>
-                        <p:par>
-                          <p:cTn id="12" fill="hold">
-                            <p:stCondLst>
-                              <p:cond delay="0"/>
-                            </p:stCondLst>
-                            <p:childTnLst>
-                              <p:par>
-                                <p:cTn id="13" presetID="1" presetClass="entr" presetSubtype="0" fill="hold" grpId="0" nodeType="clickEffect">
-                                  <p:stCondLst>
-                                    <p:cond delay="0"/>
-                                  </p:stCondLst>
-                                  <p:childTnLst>
-                                    <p:set>
-                                      <p:cBhvr>
-                                        <p:cTn id="14" dur="1" fill="hold">
-                                          <p:stCondLst>
-                                            <p:cond delay="0"/>
-                                          </p:stCondLst>
-                                        </p:cTn>
-                                        <p:tgtEl>
-                                          <p:spTgt spid="380933"/>
-                                        </p:tgtEl>
-                                        <p:attrNameLst>
-                                          <p:attrName>style.visibility</p:attrName>
-                                        </p:attrNameLst>
-                                      </p:cBhvr>
-                                      <p:to>
-                                        <p:strVal val="visible"/>
-                                      </p:to>
-                                    </p:set>
-                                  </p:childTnLst>
-                                </p:cTn>
-                              </p:par>
-                              <p:par>
-                                <p:cTn id="15" presetID="1" presetClass="entr" presetSubtype="0" fill="hold" grpId="0" nodeType="withEffect">
-                                  <p:stCondLst>
-                                    <p:cond delay="0"/>
-                                  </p:stCondLst>
-                                  <p:childTnLst>
-                                    <p:set>
-                                      <p:cBhvr>
-                                        <p:cTn id="16" dur="1" fill="hold">
-                                          <p:stCondLst>
-                                            <p:cond delay="0"/>
-                                          </p:stCondLst>
-                                        </p:cTn>
-                                        <p:tgtEl>
-                                          <p:spTgt spid="380932"/>
-                                        </p:tgtEl>
-                                        <p:attrNameLst>
-                                          <p:attrName>style.visibility</p:attrName>
-                                        </p:attrNameLst>
-                                      </p:cBhvr>
-                                      <p:to>
-                                        <p:strVal val="visible"/>
-                                      </p:to>
-                                    </p:set>
-                                  </p:childTnLst>
-                                </p:cTn>
-                              </p:par>
-                            </p:childTnLst>
-                          </p:cTn>
-                        </p:par>
-                      </p:childTnLst>
-                    </p:cTn>
-                  </p:par>
-                </p:childTnLst>
-              </p:cTn>
-              <p:prevCondLst>
-                <p:cond evt="onPrev" delay="0">
-                  <p:tgtEl>
-                    <p:sldTgt/>
-                  </p:tgtEl>
-                </p:cond>
-              </p:prevCondLst>
-              <p:nextCondLst>
-                <p:cond evt="onNext" delay="0">
-                  <p:tgtEl>
-                    <p:sldTgt/>
-                  </p:tgtEl>
-                </p:cond>
-              </p:nextCondLst>
-            </p:seq>
-          </p:childTnLst>
-        </p:cTn>
+        <p:cTn id="1" dur="indefinite" restart="never" nodeType="tmRoot"/>
       </p:par>
     </p:tnLst>
-    <p:bldLst>
-      <p:bldP spid="380932" grpId="0"/>
-      <p:bldP spid="380933" grpId="0" animBg="1"/>
-    </p:bldLst>
   </p:timing>
 </p:sld>
 </file>
 
-<file path=ppt/slides/slide17.xml><?xml version="1.0" encoding="utf-8"?>
+<file path=ppt/slides/slide16.xml><?xml version="1.0" encoding="utf-8"?>
 <p:sld xmlns:a="http://schemas.openxmlformats.org/drawingml/2006/main" xmlns:r="http://schemas.openxmlformats.org/officeDocument/2006/relationships" xmlns:mc="http://schemas.openxmlformats.org/markup-compatibility/2006" xmlns:mv="urn:schemas-microsoft-com:mac:vml" xmlns:p="http://schemas.openxmlformats.org/presentationml/2006/main" mc:Ignorable="mv" mc:PreserveAttributes="mv:*">
   <p:cSld>
     <p:spTree>
@@ -8705,13 +6683,19 @@
           <a:lstStyle/>
           <a:p>
             <a:r>
-              <a:rPr lang="en-US" dirty="0">
-                <a:latin typeface="Comic Sans MS"/>
-              </a:rPr>
-              <a:t>L14-3</a:t>
-            </a:r>
-            <a:r>
-              <a:rPr lang="en-US" sz="1400" dirty="0">
+              <a:rPr lang="en-US" dirty="0" err="1" smtClean="0">
+                <a:latin typeface="Comic Sans MS"/>
+              </a:rPr>
+              <a:t>lec</a:t>
+            </a:r>
+            <a:r>
+              <a:rPr lang="en-US" dirty="0" smtClean="0">
+                <a:latin typeface="Comic Sans MS"/>
+              </a:rPr>
+              <a:t> 13F</a:t>
+            </a:r>
+            <a:r>
+              <a:rPr lang="en-US" sz="1400" dirty="0" smtClean="0">
                 <a:latin typeface="Comic Sans MS"/>
               </a:rPr>
               <a:t>.</a:t>
@@ -8721,7 +6705,7 @@
                 <a:latin typeface="Comic Sans MS"/>
               </a:rPr>
               <a:pPr/>
-              <a:t>17</a:t>
+              <a:t>16</a:t>
             </a:fld>
             <a:endParaRPr lang="en-US" sz="1400" dirty="0">
               <a:latin typeface="Comic Sans MS"/>
@@ -8911,6 +6895,9 @@
   <p:clrMapOvr>
     <a:masterClrMapping/>
   </p:clrMapOvr>
+  <p:transition spd="slow">
+    <p:fade thruBlk="1"/>
+  </p:transition>
   <p:timing>
     <p:tnLst>
       <p:par>
@@ -8921,7 +6908,7 @@
 </p:sld>
 </file>
 
-<file path=ppt/slides/slide18.xml><?xml version="1.0" encoding="utf-8"?>
+<file path=ppt/slides/slide17.xml><?xml version="1.0" encoding="utf-8"?>
 <p:sld xmlns:a="http://schemas.openxmlformats.org/drawingml/2006/main" xmlns:r="http://schemas.openxmlformats.org/officeDocument/2006/relationships" xmlns:mc="http://schemas.openxmlformats.org/markup-compatibility/2006" xmlns:mv="urn:schemas-microsoft-com:mac:vml" xmlns:p="http://schemas.openxmlformats.org/presentationml/2006/main" mc:Ignorable="mv" mc:PreserveAttributes="mv:*">
   <p:cSld>
     <p:spTree>
@@ -8954,13 +6941,19 @@
           <a:lstStyle/>
           <a:p>
             <a:r>
-              <a:rPr lang="en-US" dirty="0">
-                <a:latin typeface="Comic Sans MS"/>
-              </a:rPr>
-              <a:t>L14-3</a:t>
-            </a:r>
-            <a:r>
-              <a:rPr lang="en-US" sz="1400" dirty="0">
+              <a:rPr lang="en-US" dirty="0" err="1" smtClean="0">
+                <a:latin typeface="Comic Sans MS"/>
+              </a:rPr>
+              <a:t>lec</a:t>
+            </a:r>
+            <a:r>
+              <a:rPr lang="en-US" dirty="0" smtClean="0">
+                <a:latin typeface="Comic Sans MS"/>
+              </a:rPr>
+              <a:t> 13F</a:t>
+            </a:r>
+            <a:r>
+              <a:rPr lang="en-US" sz="1400" dirty="0" smtClean="0">
                 <a:latin typeface="Comic Sans MS"/>
               </a:rPr>
               <a:t>.</a:t>
@@ -8970,7 +6963,7 @@
                 <a:latin typeface="Comic Sans MS"/>
               </a:rPr>
               <a:pPr/>
-              <a:t>18</a:t>
+              <a:t>17</a:t>
             </a:fld>
             <a:endParaRPr lang="en-US" sz="1400" dirty="0">
               <a:latin typeface="Comic Sans MS"/>
@@ -9026,7 +7019,7 @@
         <p:spPr>
           <a:xfrm>
             <a:off x="231775" y="1581150"/>
-            <a:ext cx="8429625" cy="4298950"/>
+            <a:ext cx="8416925" cy="3841750"/>
           </a:xfrm>
         </p:spPr>
         <p:txBody>
@@ -9034,48 +7027,24 @@
           <a:lstStyle/>
           <a:p>
             <a:r>
-              <a:rPr lang="en-US" sz="4000" dirty="0"/>
-              <a:t>Total Load</a:t>
-            </a:r>
-            <a:r>
-              <a:rPr lang="en-US" sz="4000" dirty="0">
-                <a:solidFill>
-                  <a:schemeClr val="accent2"/>
-                </a:solidFill>
-              </a:rPr>
-              <a:t> </a:t>
-            </a:r>
-            <a:r>
-              <a:rPr lang="en-US" sz="4000" dirty="0">
-                <a:solidFill>
-                  <a:srgbClr val="3C34DA"/>
-                </a:solidFill>
-              </a:rPr>
-              <a:t>T</a:t>
-            </a:r>
-            <a:r>
-              <a:rPr lang="en-US" sz="4000" dirty="0"/>
-              <a:t> </a:t>
-            </a:r>
-            <a:r>
-              <a:rPr lang="en-US" sz="4000" dirty="0">
+              <a:rPr lang="en-US" sz="4000" dirty="0" smtClean="0">
                 <a:solidFill>
                   <a:schemeClr val="accent1">
                     <a:lumMod val="50000"/>
                   </a:schemeClr>
                 </a:solidFill>
               </a:rPr>
-              <a:t>= T</a:t>
-            </a:r>
-            <a:r>
-              <a:rPr lang="en-US" sz="4000" baseline="-25000" dirty="0">
+              <a:t>T</a:t>
+            </a:r>
+            <a:r>
+              <a:rPr lang="en-US" sz="4000" baseline="-25000" dirty="0" smtClean="0">
                 <a:solidFill>
                   <a:schemeClr val="accent1">
                     <a:lumMod val="50000"/>
                   </a:schemeClr>
                 </a:solidFill>
               </a:rPr>
-              <a:t>1</a:t>
+              <a:t>i </a:t>
             </a:r>
             <a:r>
               <a:rPr lang="en-US" sz="4000" dirty="0">
@@ -9085,27 +7054,127 @@
                   </a:schemeClr>
                 </a:solidFill>
               </a:rPr>
-              <a:t> + T</a:t>
+              <a:t>= 1</a:t>
+            </a:r>
+            <a:r>
+              <a:rPr lang="en-US" sz="4000" dirty="0"/>
+              <a:t> if </a:t>
+            </a:r>
+            <a:r>
+              <a:rPr lang="en-US" sz="4000" dirty="0" err="1">
+                <a:solidFill>
+                  <a:srgbClr val="0000E5"/>
+                </a:solidFill>
+              </a:rPr>
+              <a:t>i</a:t>
+            </a:r>
+            <a:r>
+              <a:rPr lang="en-US" sz="4000" dirty="0" err="1"/>
+              <a:t>th</a:t>
+            </a:r>
+            <a:r>
+              <a:rPr lang="en-US" sz="4000" dirty="0"/>
+              <a:t> query</a:t>
+            </a:r>
+            <a:r>
+              <a:rPr lang="en-US" sz="4000" dirty="0" smtClean="0"/>
+              <a:t> goes to</a:t>
+            </a:r>
+            <a:r>
+              <a:rPr lang="en-US" sz="4000" dirty="0" smtClean="0">
+                <a:solidFill>
+                  <a:schemeClr val="tx2"/>
+                </a:solidFill>
+              </a:rPr>
+              <a:t> </a:t>
+            </a:r>
+            <a:r>
+              <a:rPr lang="en-US" sz="4000" dirty="0">
+                <a:solidFill>
+                  <a:schemeClr val="tx2"/>
+                </a:solidFill>
+              </a:rPr>
+              <a:t>server</a:t>
+            </a:r>
+          </a:p>
+          <a:p>
+            <a:r>
+              <a:rPr lang="en-US" sz="4000" dirty="0">
+                <a:solidFill>
+                  <a:srgbClr val="008000"/>
+                </a:solidFill>
+              </a:rPr>
+              <a:t>T</a:t>
             </a:r>
             <a:r>
               <a:rPr lang="en-US" sz="4000" baseline="-25000" dirty="0">
+                <a:solidFill>
+                  <a:srgbClr val="008000"/>
+                </a:solidFill>
+              </a:rPr>
+              <a:t>i</a:t>
+            </a:r>
+            <a:r>
+              <a:rPr lang="en-US" sz="4000" dirty="0">
+                <a:solidFill>
+                  <a:srgbClr val="008000"/>
+                </a:solidFill>
+              </a:rPr>
+              <a:t> = 0</a:t>
+            </a:r>
+            <a:r>
+              <a:rPr lang="en-US" sz="4000" dirty="0"/>
+              <a:t> if </a:t>
+            </a:r>
+            <a:r>
+              <a:rPr lang="en-US" sz="4000" dirty="0" smtClean="0"/>
+              <a:t>not</a:t>
+            </a:r>
+          </a:p>
+          <a:p>
+            <a:r>
+              <a:rPr lang="en-US" sz="4000" dirty="0" smtClean="0"/>
+              <a:t>Total Load</a:t>
+            </a:r>
+            <a:r>
+              <a:rPr lang="en-US" sz="4000" dirty="0" smtClean="0">
+                <a:solidFill>
+                  <a:schemeClr val="accent2"/>
+                </a:solidFill>
+              </a:rPr>
+              <a:t> </a:t>
+            </a:r>
+            <a:r>
+              <a:rPr lang="en-US" sz="4000" dirty="0" smtClean="0">
+                <a:solidFill>
+                  <a:srgbClr val="3C34DA"/>
+                </a:solidFill>
+              </a:rPr>
+              <a:t>T</a:t>
+            </a:r>
+            <a:r>
+              <a:rPr lang="en-US" sz="4000" dirty="0" smtClean="0"/>
+              <a:t> </a:t>
+            </a:r>
+            <a:r>
+              <a:rPr lang="en-US" sz="4000" dirty="0" smtClean="0">
                 <a:solidFill>
                   <a:schemeClr val="accent1">
                     <a:lumMod val="50000"/>
                   </a:schemeClr>
                 </a:solidFill>
               </a:rPr>
-              <a:t>2</a:t>
-            </a:r>
-            <a:r>
-              <a:rPr lang="en-US" sz="4000" dirty="0">
+              <a:t>= T</a:t>
+            </a:r>
+            <a:r>
+              <a:rPr lang="en-US" sz="4000" baseline="-25000" dirty="0" smtClean="0">
                 <a:solidFill>
                   <a:schemeClr val="accent1">
                     <a:lumMod val="50000"/>
                   </a:schemeClr>
                 </a:solidFill>
               </a:rPr>
-              <a:t> </a:t>
+              <a:t>1</a:t>
             </a:r>
             <a:r>
               <a:rPr lang="en-US" sz="4000" dirty="0" smtClean="0">
@@ -9115,169 +7184,70 @@
                   </a:schemeClr>
                 </a:solidFill>
               </a:rPr>
-              <a:t>+ </a:t>
-            </a:r>
-            <a:r>
-              <a:rPr lang="en-US" sz="4000" dirty="0" smtClean="0">
+              <a:t> + T</a:t>
+            </a:r>
+            <a:r>
+              <a:rPr lang="en-US" sz="4000" baseline="-25000" dirty="0" smtClean="0">
                 <a:solidFill>
                   <a:schemeClr val="accent1">
                     <a:lumMod val="50000"/>
                   </a:schemeClr>
                 </a:solidFill>
-                <a:sym typeface="Symbol" charset="2"/>
-              </a:rPr>
-              <a:t>… </a:t>
-            </a:r>
-            <a:r>
-              <a:rPr lang="en-US" sz="4000" dirty="0">
+              </a:rPr>
+              <a:t>2</a:t>
+            </a:r>
+            <a:r>
+              <a:rPr lang="en-US" sz="4000" dirty="0" smtClean="0">
                 <a:solidFill>
                   <a:schemeClr val="accent1">
                     <a:lumMod val="50000"/>
                   </a:schemeClr>
                 </a:solidFill>
-                <a:sym typeface="Symbol" charset="2"/>
-              </a:rPr>
-              <a:t>+</a:t>
-            </a:r>
-            <a:r>
-              <a:rPr lang="en-US" sz="4000" dirty="0">
+              </a:rPr>
+              <a:t> + </a:t>
+            </a:r>
+            <a:r>
+              <a:rPr lang="en-US" sz="4000" dirty="0" smtClean="0">
                 <a:solidFill>
                   <a:schemeClr val="accent1">
                     <a:lumMod val="50000"/>
                   </a:schemeClr>
                 </a:solidFill>
-              </a:rPr>
-              <a:t> </a:t>
-            </a:r>
-            <a:r>
-              <a:rPr lang="en-US" sz="4000" dirty="0" err="1">
+                <a:sym typeface="Symbol" charset="2"/>
+              </a:rPr>
+              <a:t>… +</a:t>
+            </a:r>
+            <a:r>
+              <a:rPr lang="en-US" sz="4000" dirty="0" smtClean="0">
                 <a:solidFill>
                   <a:schemeClr val="accent1">
                     <a:lumMod val="50000"/>
                   </a:schemeClr>
                 </a:solidFill>
               </a:rPr>
-              <a:t>T</a:t>
-            </a:r>
-            <a:r>
-              <a:rPr lang="en-US" sz="4000" baseline="-25000" dirty="0" err="1">
+              <a:t> </a:t>
+            </a:r>
+            <a:r>
+              <a:rPr lang="en-US" sz="4000" dirty="0" err="1" smtClean="0">
                 <a:solidFill>
                   <a:schemeClr val="accent1">
                     <a:lumMod val="50000"/>
                   </a:schemeClr>
                 </a:solidFill>
               </a:rPr>
-              <a:t>n</a:t>
-            </a:r>
-            <a:endParaRPr lang="en-US" sz="4000" baseline="-25000" dirty="0">
-              <a:solidFill>
-                <a:schemeClr val="accent1">
-                  <a:lumMod val="50000"/>
-                </a:schemeClr>
-              </a:solidFill>
-            </a:endParaRPr>
-          </a:p>
-          <a:p>
-            <a:r>
-              <a:rPr lang="en-US" sz="4000" dirty="0">
+              <a:t>T</a:t>
+            </a:r>
+            <a:r>
+              <a:rPr lang="en-US" sz="4000" baseline="-25000" dirty="0" err="1" smtClean="0">
                 <a:solidFill>
                   <a:schemeClr val="accent1">
                     <a:lumMod val="50000"/>
                   </a:schemeClr>
                 </a:solidFill>
               </a:rPr>
-              <a:t>T</a:t>
-            </a:r>
-            <a:r>
-              <a:rPr lang="en-US" sz="4000" baseline="-25000" dirty="0">
-                <a:solidFill>
-                  <a:schemeClr val="accent1">
-                    <a:lumMod val="50000"/>
-                  </a:schemeClr>
-                </a:solidFill>
-              </a:rPr>
-              <a:t>i </a:t>
-            </a:r>
-            <a:r>
-              <a:rPr lang="en-US" sz="4000" dirty="0">
-                <a:solidFill>
-                  <a:schemeClr val="accent1">
-                    <a:lumMod val="50000"/>
-                  </a:schemeClr>
-                </a:solidFill>
-              </a:rPr>
-              <a:t>= 1</a:t>
-            </a:r>
-            <a:r>
-              <a:rPr lang="en-US" sz="4000" dirty="0"/>
-              <a:t> if </a:t>
-            </a:r>
-            <a:r>
-              <a:rPr lang="en-US" sz="4000" dirty="0" err="1">
-                <a:solidFill>
-                  <a:srgbClr val="0000E5"/>
-                </a:solidFill>
-              </a:rPr>
-              <a:t>i</a:t>
-            </a:r>
-            <a:r>
-              <a:rPr lang="en-US" sz="4000" dirty="0" err="1"/>
-              <a:t>th</a:t>
-            </a:r>
-            <a:r>
-              <a:rPr lang="en-US" sz="4000" dirty="0"/>
-              <a:t> query</a:t>
-            </a:r>
-            <a:r>
-              <a:rPr lang="en-US" sz="4000" dirty="0" smtClean="0"/>
-              <a:t> goes to</a:t>
-            </a:r>
-            <a:r>
-              <a:rPr lang="en-US" sz="4000" dirty="0" smtClean="0">
-                <a:solidFill>
-                  <a:schemeClr val="tx2"/>
-                </a:solidFill>
-              </a:rPr>
-              <a:t> </a:t>
-            </a:r>
-            <a:r>
-              <a:rPr lang="en-US" sz="4000" dirty="0">
-                <a:solidFill>
-                  <a:schemeClr val="tx2"/>
-                </a:solidFill>
-              </a:rPr>
-              <a:t>server</a:t>
-            </a:r>
-          </a:p>
-          <a:p>
-            <a:r>
-              <a:rPr lang="en-US" sz="4000" dirty="0">
-                <a:solidFill>
-                  <a:srgbClr val="008000"/>
-                </a:solidFill>
-              </a:rPr>
-              <a:t>T</a:t>
-            </a:r>
-            <a:r>
-              <a:rPr lang="en-US" sz="4000" baseline="-25000" dirty="0">
-                <a:solidFill>
-                  <a:srgbClr val="008000"/>
-                </a:solidFill>
-              </a:rPr>
-              <a:t>i</a:t>
-            </a:r>
-            <a:r>
-              <a:rPr lang="en-US" sz="4000" dirty="0">
-                <a:solidFill>
-                  <a:srgbClr val="008000"/>
-                </a:solidFill>
-              </a:rPr>
-              <a:t> = 0</a:t>
-            </a:r>
-            <a:r>
-              <a:rPr lang="en-US" sz="4000" dirty="0"/>
-              <a:t> if not</a:t>
-            </a:r>
+              <a:t>n</a:t>
+            </a:r>
+            <a:endParaRPr lang="en-US" sz="4000" dirty="0" smtClean="0"/>
           </a:p>
           <a:p>
             <a:r>
@@ -9626,7 +7596,7 @@
 </p:sld>
 </file>
 
-<file path=ppt/slides/slide19.xml><?xml version="1.0" encoding="utf-8"?>
+<file path=ppt/slides/slide18.xml><?xml version="1.0" encoding="utf-8"?>
 <p:sld xmlns:a="http://schemas.openxmlformats.org/drawingml/2006/main" xmlns:r="http://schemas.openxmlformats.org/officeDocument/2006/relationships" xmlns:mc="http://schemas.openxmlformats.org/markup-compatibility/2006" xmlns:mv="urn:schemas-microsoft-com:mac:vml" xmlns:p="http://schemas.openxmlformats.org/presentationml/2006/main" mc:Ignorable="mv" mc:PreserveAttributes="mv:*">
   <p:cSld>
     <p:spTree>
@@ -9659,13 +7629,19 @@
           <a:lstStyle/>
           <a:p>
             <a:r>
-              <a:rPr lang="en-US" dirty="0">
-                <a:latin typeface="Comic Sans MS"/>
-              </a:rPr>
-              <a:t>L14-3</a:t>
-            </a:r>
-            <a:r>
-              <a:rPr lang="en-US" sz="1400" dirty="0">
+              <a:rPr lang="en-US" dirty="0" err="1" smtClean="0">
+                <a:latin typeface="Comic Sans MS"/>
+              </a:rPr>
+              <a:t>lec</a:t>
+            </a:r>
+            <a:r>
+              <a:rPr lang="en-US" dirty="0" smtClean="0">
+                <a:latin typeface="Comic Sans MS"/>
+              </a:rPr>
+              <a:t> 13F</a:t>
+            </a:r>
+            <a:r>
+              <a:rPr lang="en-US" sz="1400" dirty="0" smtClean="0">
                 <a:latin typeface="Comic Sans MS"/>
               </a:rPr>
               <a:t>.</a:t>
@@ -9675,7 +7651,7 @@
                 <a:latin typeface="Comic Sans MS"/>
               </a:rPr>
               <a:pPr/>
-              <a:t>19</a:t>
+              <a:t>18</a:t>
             </a:fld>
             <a:endParaRPr lang="en-US" sz="1400" dirty="0">
               <a:latin typeface="Comic Sans MS"/>
@@ -9957,7 +7933,7 @@
                 <a:ea typeface="Comic Sans MS"/>
                 <a:cs typeface="Comic Sans MS"/>
               </a:rPr>
-              <a:t>	</a:t>
+              <a:t>	         </a:t>
             </a:r>
             <a:r>
               <a:rPr lang="en-US" sz="4000" b="1" dirty="0" smtClean="0">
@@ -10459,278 +8435,7 @@
 </p:sld>
 </file>
 
-<file path=ppt/slides/slide2.xml><?xml version="1.0" encoding="utf-8"?>
-<p:sld xmlns:a="http://schemas.openxmlformats.org/drawingml/2006/main" xmlns:r="http://schemas.openxmlformats.org/officeDocument/2006/relationships" xmlns:mc="http://schemas.openxmlformats.org/markup-compatibility/2006" xmlns:mv="urn:schemas-microsoft-com:mac:vml" xmlns:p="http://schemas.openxmlformats.org/presentationml/2006/main" mc:Ignorable="mv" mc:PreserveAttributes="mv:*">
-  <p:cSld>
-    <p:spTree>
-      <p:nvGrpSpPr>
-        <p:cNvPr id="1" name=""/>
-        <p:cNvGrpSpPr/>
-        <p:nvPr/>
-      </p:nvGrpSpPr>
-      <p:grpSpPr>
-        <a:xfrm>
-          <a:off x="0" y="0"/>
-          <a:ext cx="0" cy="0"/>
-          <a:chOff x="0" y="0"/>
-          <a:chExt cx="0" cy="0"/>
-        </a:xfrm>
-      </p:grpSpPr>
-      <p:sp>
-        <p:nvSpPr>
-          <p:cNvPr id="7" name="Slide Number Placeholder 3"/>
-          <p:cNvSpPr>
-            <a:spLocks noGrp="1"/>
-          </p:cNvSpPr>
-          <p:nvPr>
-            <p:ph type="sldNum" sz="quarter" idx="10"/>
-          </p:nvPr>
-        </p:nvSpPr>
-        <p:spPr/>
-        <p:txBody>
-          <a:bodyPr/>
-          <a:lstStyle/>
-          <a:p>
-            <a:r>
-              <a:rPr lang="en-US" dirty="0">
-                <a:latin typeface="Comic Sans MS"/>
-              </a:rPr>
-              <a:t>L14-3</a:t>
-            </a:r>
-            <a:r>
-              <a:rPr lang="en-US" sz="1400" dirty="0">
-                <a:latin typeface="Comic Sans MS"/>
-              </a:rPr>
-              <a:t>.</a:t>
-            </a:r>
-            <a:fld id="{0493E590-ECF9-5E46-AFDB-3E9CC568C42D}" type="slidenum">
-              <a:rPr lang="en-US" sz="1400">
-                <a:latin typeface="Comic Sans MS"/>
-              </a:rPr>
-              <a:pPr/>
-              <a:t>2</a:t>
-            </a:fld>
-            <a:endParaRPr lang="en-US" sz="1400" dirty="0">
-              <a:latin typeface="Comic Sans MS"/>
-            </a:endParaRPr>
-          </a:p>
-        </p:txBody>
-      </p:sp>
-      <p:sp>
-        <p:nvSpPr>
-          <p:cNvPr id="416770" name="Rectangle 2"/>
-          <p:cNvSpPr>
-            <a:spLocks noGrp="1" noChangeArrowheads="1"/>
-          </p:cNvSpPr>
-          <p:nvPr>
-            <p:ph type="title"/>
-          </p:nvPr>
-        </p:nvSpPr>
-        <p:spPr/>
-        <p:txBody>
-          <a:bodyPr/>
-          <a:lstStyle/>
-          <a:p>
-            <a:r>
-              <a:rPr lang="en-US" sz="4400"/>
-              <a:t>Design for Reliability</a:t>
-            </a:r>
-          </a:p>
-        </p:txBody>
-      </p:sp>
-      <p:sp>
-        <p:nvSpPr>
-          <p:cNvPr id="416771" name="Rectangle 3"/>
-          <p:cNvSpPr>
-            <a:spLocks noGrp="1" noChangeArrowheads="1"/>
-          </p:cNvSpPr>
-          <p:nvPr>
-            <p:ph type="body" idx="1"/>
-          </p:nvPr>
-        </p:nvSpPr>
-        <p:spPr>
-          <a:xfrm>
-            <a:off x="1003300" y="1790700"/>
-            <a:ext cx="7899400" cy="4635500"/>
-          </a:xfrm>
-        </p:spPr>
-        <p:txBody>
-          <a:bodyPr/>
-          <a:lstStyle/>
-          <a:p>
-            <a:pPr>
-              <a:buFontTx/>
-              <a:buNone/>
-            </a:pPr>
-            <a:r>
-              <a:rPr lang="en-US" dirty="0"/>
-              <a:t>WEB Server</a:t>
-            </a:r>
-          </a:p>
-          <a:p>
-            <a:endParaRPr lang="en-US" dirty="0"/>
-          </a:p>
-          <a:p>
-            <a:endParaRPr lang="en-US" dirty="0"/>
-          </a:p>
-          <a:p>
-            <a:endParaRPr lang="en-US" dirty="0"/>
-          </a:p>
-          <a:p>
-            <a:r>
-              <a:rPr lang="en-US" sz="3600" dirty="0"/>
-              <a:t>On average gets </a:t>
-            </a:r>
-            <a:r>
-              <a:rPr lang="en-US" sz="3600" dirty="0">
-                <a:solidFill>
-                  <a:schemeClr val="accent2"/>
-                </a:solidFill>
-                <a:ea typeface="Comic Sans MS"/>
-                <a:cs typeface="Comic Sans MS"/>
-              </a:rPr>
-              <a:t>µ</a:t>
-            </a:r>
-            <a:r>
-              <a:rPr lang="en-US" sz="3600" dirty="0">
-                <a:solidFill>
-                  <a:schemeClr val="accent2"/>
-                </a:solidFill>
-              </a:rPr>
-              <a:t> queries per day</a:t>
-            </a:r>
-          </a:p>
-          <a:p>
-            <a:r>
-              <a:rPr lang="en-US" sz="3600" dirty="0"/>
-              <a:t>How much </a:t>
-            </a:r>
-            <a:r>
-              <a:rPr lang="en-US" sz="3600" dirty="0">
-                <a:solidFill>
-                  <a:srgbClr val="3C34DA"/>
-                </a:solidFill>
-              </a:rPr>
-              <a:t>access capacity</a:t>
-            </a:r>
-            <a:r>
-              <a:rPr lang="en-US" sz="3600" dirty="0"/>
-              <a:t> should I build in?</a:t>
-            </a:r>
-          </a:p>
-        </p:txBody>
-      </p:sp>
-      <p:pic>
-        <p:nvPicPr>
-          <p:cNvPr id="416772" name="Picture 4" descr="j0285750"/>
-          <p:cNvPicPr>
-            <a:picLocks noChangeAspect="1" noChangeArrowheads="1"/>
-          </p:cNvPicPr>
-          <p:nvPr/>
-        </p:nvPicPr>
-        <p:blipFill>
-          <a:blip r:embed="rId2"/>
-          <a:srcRect/>
-          <a:stretch>
-            <a:fillRect/>
-          </a:stretch>
-        </p:blipFill>
-        <p:spPr bwMode="auto">
-          <a:xfrm>
-            <a:off x="2986088" y="2309813"/>
-            <a:ext cx="2589212" cy="1590675"/>
-          </a:xfrm>
-          <a:prstGeom prst="rect">
-            <a:avLst/>
-          </a:prstGeom>
-          <a:noFill/>
-        </p:spPr>
-      </p:pic>
-      <p:pic>
-        <p:nvPicPr>
-          <p:cNvPr id="416774" name="Picture 6" descr="j0214984[1]"/>
-          <p:cNvPicPr>
-            <a:picLocks noChangeAspect="1" noChangeArrowheads="1"/>
-          </p:cNvPicPr>
-          <p:nvPr/>
-        </p:nvPicPr>
-        <p:blipFill>
-          <a:blip r:embed="rId3"/>
-          <a:srcRect/>
-          <a:stretch>
-            <a:fillRect/>
-          </a:stretch>
-        </p:blipFill>
-        <p:spPr bwMode="auto">
-          <a:xfrm>
-            <a:off x="6315075" y="2316163"/>
-            <a:ext cx="1593850" cy="1582737"/>
-          </a:xfrm>
-          <a:prstGeom prst="rect">
-            <a:avLst/>
-          </a:prstGeom>
-          <a:noFill/>
-        </p:spPr>
-      </p:pic>
-      <p:sp>
-        <p:nvSpPr>
-          <p:cNvPr id="416775" name="Text Box 7"/>
-          <p:cNvSpPr txBox="1">
-            <a:spLocks noChangeArrowheads="1"/>
-          </p:cNvSpPr>
-          <p:nvPr/>
-        </p:nvSpPr>
-        <p:spPr bwMode="auto">
-          <a:xfrm>
-            <a:off x="5495925" y="2436813"/>
-            <a:ext cx="748222" cy="1200329"/>
-          </a:xfrm>
-          <a:prstGeom prst="rect">
-            <a:avLst/>
-          </a:prstGeom>
-          <a:noFill/>
-          <a:ln w="9525">
-            <a:noFill/>
-            <a:miter lim="800000"/>
-            <a:headEnd/>
-            <a:tailEnd type="none" w="lg" len="lg"/>
-          </a:ln>
-          <a:effectLst/>
-        </p:spPr>
-        <p:txBody>
-          <a:bodyPr wrap="none">
-            <a:prstTxWarp prst="textNoShape">
-              <a:avLst/>
-            </a:prstTxWarp>
-            <a:spAutoFit/>
-          </a:bodyPr>
-          <a:lstStyle/>
-          <a:p>
-            <a:r>
-              <a:rPr lang="en-US" sz="7200" b="1" dirty="0">
-                <a:latin typeface="Comic Sans MS"/>
-              </a:rPr>
-              <a:t>+</a:t>
-            </a:r>
-          </a:p>
-        </p:txBody>
-      </p:sp>
-    </p:spTree>
-  </p:cSld>
-  <p:clrMapOvr>
-    <a:masterClrMapping/>
-  </p:clrMapOvr>
-  <p:timing>
-    <p:tnLst>
-      <p:par>
-        <p:cTn id="1" dur="indefinite" restart="never" nodeType="tmRoot"/>
-      </p:par>
-    </p:tnLst>
-  </p:timing>
-</p:sld>
-</file>
-
-<file path=ppt/slides/slide20.xml><?xml version="1.0" encoding="utf-8"?>
+<file path=ppt/slides/slide19.xml><?xml version="1.0" encoding="utf-8"?>
 <p:sld xmlns:a="http://schemas.openxmlformats.org/drawingml/2006/main" xmlns:r="http://schemas.openxmlformats.org/officeDocument/2006/relationships" xmlns:mc="http://schemas.openxmlformats.org/markup-compatibility/2006" xmlns:mv="urn:schemas-microsoft-com:mac:vml" xmlns:p="http://schemas.openxmlformats.org/presentationml/2006/main" mc:Ignorable="mv" mc:PreserveAttributes="mv:*">
   <p:cSld>
     <p:spTree>
@@ -10763,13 +8468,19 @@
           <a:lstStyle/>
           <a:p>
             <a:r>
-              <a:rPr lang="en-US" dirty="0">
-                <a:latin typeface="Comic Sans MS"/>
-              </a:rPr>
-              <a:t>L14-3</a:t>
-            </a:r>
-            <a:r>
-              <a:rPr lang="en-US" sz="1400" dirty="0">
+              <a:rPr lang="en-US" dirty="0" err="1" smtClean="0">
+                <a:latin typeface="Comic Sans MS"/>
+              </a:rPr>
+              <a:t>lec</a:t>
+            </a:r>
+            <a:r>
+              <a:rPr lang="en-US" dirty="0" smtClean="0">
+                <a:latin typeface="Comic Sans MS"/>
+              </a:rPr>
+              <a:t> 13F</a:t>
+            </a:r>
+            <a:r>
+              <a:rPr lang="en-US" sz="1400" dirty="0" smtClean="0">
                 <a:latin typeface="Comic Sans MS"/>
               </a:rPr>
               <a:t>.</a:t>
@@ -10779,7 +8490,7 @@
                 <a:latin typeface="Comic Sans MS"/>
               </a:rPr>
               <a:pPr/>
-              <a:t>20</a:t>
+              <a:t>19</a:t>
             </a:fld>
             <a:endParaRPr lang="en-US" sz="1400" dirty="0">
               <a:latin typeface="Comic Sans MS"/>
@@ -10919,6 +8630,9 @@
           </a:p>
           <a:p>
             <a:pPr>
+              <a:spcAft>
+                <a:spcPts val="600"/>
+              </a:spcAft>
               <a:buFontTx/>
               <a:buNone/>
             </a:pPr>
@@ -10947,19 +8661,19 @@
             </a:r>
             <a:r>
               <a:rPr lang="en-US" sz="4000" dirty="0" smtClean="0">
-                <a:solidFill>
-                  <a:srgbClr val="008000"/>
-                </a:solidFill>
-              </a:rPr>
-              <a:t> </a:t>
-            </a:r>
-            <a:r>
-              <a:rPr lang="en-US" sz="4000" dirty="0" err="1" smtClean="0"/>
-              <a:t>Pr[this</a:t>
+                <a:ea typeface="Comic Sans MS"/>
+                <a:cs typeface="Comic Sans MS"/>
+                <a:sym typeface="Symbol" charset="2"/>
+              </a:rPr>
+              <a:t>⋅</a:t>
             </a:r>
             <a:r>
               <a:rPr lang="en-US" sz="4000" dirty="0" smtClean="0"/>
-              <a:t> server overloads</a:t>
+              <a:t>Pr</a:t>
+            </a:r>
+            <a:r>
+              <a:rPr lang="en-US" sz="4000" dirty="0" smtClean="0"/>
+              <a:t>[this server overloads</a:t>
             </a:r>
             <a:r>
               <a:rPr lang="en-US" sz="4000" dirty="0"/>
@@ -10972,6 +8686,9 @@
               <a:spcBef>
                 <a:spcPct val="0"/>
               </a:spcBef>
+              <a:spcAft>
+                <a:spcPts val="1200"/>
+              </a:spcAft>
               <a:buFontTx/>
               <a:buNone/>
             </a:pPr>
@@ -11033,17 +8750,7 @@
                 <a:ea typeface="Comic Sans MS"/>
                 <a:cs typeface="Comic Sans MS"/>
               </a:rPr>
-              <a:t> </a:t>
-            </a:r>
-            <a:r>
-              <a:rPr lang="en-US" sz="4000" dirty="0" smtClean="0">
-                <a:solidFill>
-                  <a:srgbClr val="FF00FF"/>
-                </a:solidFill>
-                <a:ea typeface="Comic Sans MS"/>
-                <a:cs typeface="Comic Sans MS"/>
-              </a:rPr>
-              <a:t>10</a:t>
+              <a:t> 10</a:t>
             </a:r>
             <a:r>
               <a:rPr lang="en-US" sz="4000" baseline="30000" dirty="0" smtClean="0">
@@ -11085,8 +8792,8 @@
         </p:nvSpPr>
         <p:spPr bwMode="auto">
           <a:xfrm>
-            <a:off x="4572000" y="4908550"/>
-            <a:ext cx="3964772" cy="646331"/>
+            <a:off x="4483100" y="4908550"/>
+            <a:ext cx="4384784" cy="707886"/>
           </a:xfrm>
           <a:prstGeom prst="rect">
             <a:avLst/>
@@ -11110,31 +8817,13 @@
           <a:lstStyle/>
           <a:p>
             <a:r>
-              <a:rPr lang="en-US" dirty="0">
+              <a:rPr lang="en-US" sz="4000" dirty="0">
                 <a:solidFill>
                   <a:srgbClr val="006600"/>
                 </a:solidFill>
                 <a:latin typeface="Comic Sans MS"/>
               </a:rPr>
-              <a:t>(</a:t>
-            </a:r>
-            <a:r>
-              <a:rPr lang="en-US" i="1" dirty="0">
-                <a:solidFill>
-                  <a:srgbClr val="006600"/>
-                </a:solidFill>
-                <a:latin typeface="Comic Sans MS"/>
-              </a:rPr>
-              <a:t>still</a:t>
-            </a:r>
-            <a:r>
-              <a:rPr lang="en-US" dirty="0">
-                <a:solidFill>
-                  <a:srgbClr val="006600"/>
-                </a:solidFill>
-                <a:latin typeface="Comic Sans MS"/>
-              </a:rPr>
-              <a:t> very small)!!!</a:t>
+              <a:t>(still very small)!!!</a:t>
             </a:r>
           </a:p>
         </p:txBody>
@@ -11506,517 +9195,7 @@
 </p:sld>
 </file>
 
-<file path=ppt/slides/slide21.xml><?xml version="1.0" encoding="utf-8"?>
-<p:sld xmlns:a="http://schemas.openxmlformats.org/drawingml/2006/main" xmlns:r="http://schemas.openxmlformats.org/officeDocument/2006/relationships" xmlns:mc="http://schemas.openxmlformats.org/markup-compatibility/2006" xmlns:mv="urn:schemas-microsoft-com:mac:vml" xmlns:p="http://schemas.openxmlformats.org/presentationml/2006/main" mc:Ignorable="mv" mc:PreserveAttributes="mv:*">
-  <p:cSld>
-    <p:spTree>
-      <p:nvGrpSpPr>
-        <p:cNvPr id="1" name=""/>
-        <p:cNvGrpSpPr/>
-        <p:nvPr/>
-      </p:nvGrpSpPr>
-      <p:grpSpPr>
-        <a:xfrm>
-          <a:off x="0" y="0"/>
-          <a:ext cx="0" cy="0"/>
-          <a:chOff x="0" y="0"/>
-          <a:chExt cx="0" cy="0"/>
-        </a:xfrm>
-      </p:grpSpPr>
-      <p:sp>
-        <p:nvSpPr>
-          <p:cNvPr id="4" name="Slide Number Placeholder 3"/>
-          <p:cNvSpPr>
-            <a:spLocks noGrp="1"/>
-          </p:cNvSpPr>
-          <p:nvPr>
-            <p:ph type="sldNum" sz="quarter" idx="10"/>
-          </p:nvPr>
-        </p:nvSpPr>
-        <p:spPr/>
-        <p:txBody>
-          <a:bodyPr/>
-          <a:lstStyle/>
-          <a:p>
-            <a:r>
-              <a:rPr lang="en-US" dirty="0">
-                <a:latin typeface="Comic Sans MS"/>
-              </a:rPr>
-              <a:t>L14-3</a:t>
-            </a:r>
-            <a:r>
-              <a:rPr lang="en-US" sz="1400" dirty="0">
-                <a:latin typeface="Comic Sans MS"/>
-              </a:rPr>
-              <a:t>.</a:t>
-            </a:r>
-            <a:fld id="{334916ED-38E5-AF49-8B22-8490EF231F00}" type="slidenum">
-              <a:rPr lang="en-US" sz="1400">
-                <a:latin typeface="Comic Sans MS"/>
-              </a:rPr>
-              <a:pPr/>
-              <a:t>21</a:t>
-            </a:fld>
-            <a:endParaRPr lang="en-US" sz="1400" dirty="0">
-              <a:latin typeface="Comic Sans MS"/>
-            </a:endParaRPr>
-          </a:p>
-        </p:txBody>
-      </p:sp>
-      <p:sp>
-        <p:nvSpPr>
-          <p:cNvPr id="386050" name="Rectangle 2"/>
-          <p:cNvSpPr>
-            <a:spLocks noGrp="1" noChangeArrowheads="1"/>
-          </p:cNvSpPr>
-          <p:nvPr>
-            <p:ph type="body" idx="1"/>
-          </p:nvPr>
-        </p:nvSpPr>
-        <p:spPr>
-          <a:xfrm>
-            <a:off x="317500" y="1797050"/>
-            <a:ext cx="8509000" cy="3263900"/>
-          </a:xfrm>
-        </p:spPr>
-        <p:txBody>
-          <a:bodyPr/>
-          <a:lstStyle/>
-          <a:p>
-            <a:pPr>
-              <a:buFontTx/>
-              <a:buNone/>
-            </a:pPr>
-            <a:r>
-              <a:rPr lang="en-US" sz="4400" dirty="0"/>
-              <a:t>If </a:t>
-            </a:r>
-            <a:r>
-              <a:rPr lang="en-US" sz="4400" dirty="0" err="1" smtClean="0">
-                <a:solidFill>
-                  <a:schemeClr val="accent1">
-                    <a:lumMod val="50000"/>
-                  </a:schemeClr>
-                </a:solidFill>
-              </a:rPr>
-              <a:t>Pr</a:t>
-            </a:r>
-            <a:r>
-              <a:rPr lang="en-US" sz="4400" dirty="0" err="1">
-                <a:solidFill>
-                  <a:schemeClr val="accent1">
-                    <a:lumMod val="50000"/>
-                  </a:schemeClr>
-                </a:solidFill>
-                <a:cs typeface="Comic Sans MS"/>
-              </a:rPr>
-              <a:t>[</a:t>
-            </a:r>
-            <a:r>
-              <a:rPr lang="en-US" sz="4400" dirty="0" err="1" smtClean="0">
-                <a:solidFill>
-                  <a:schemeClr val="accent1">
-                    <a:lumMod val="50000"/>
-                  </a:schemeClr>
-                </a:solidFill>
-              </a:rPr>
-              <a:t>T</a:t>
-            </a:r>
-            <a:r>
-              <a:rPr lang="en-US" sz="4400" baseline="-25000" dirty="0" err="1" smtClean="0">
-                <a:solidFill>
-                  <a:schemeClr val="accent1">
-                    <a:lumMod val="50000"/>
-                  </a:schemeClr>
-                </a:solidFill>
-              </a:rPr>
-              <a:t>i</a:t>
-            </a:r>
-            <a:r>
-              <a:rPr lang="en-US" sz="4400" dirty="0" smtClean="0">
-                <a:solidFill>
-                  <a:schemeClr val="accent1">
-                    <a:lumMod val="50000"/>
-                  </a:schemeClr>
-                </a:solidFill>
-              </a:rPr>
-              <a:t> </a:t>
-            </a:r>
-            <a:r>
-              <a:rPr lang="en-US" sz="4400" dirty="0">
-                <a:solidFill>
-                  <a:schemeClr val="accent1">
-                    <a:lumMod val="50000"/>
-                  </a:schemeClr>
-                </a:solidFill>
-              </a:rPr>
-              <a:t>= </a:t>
-            </a:r>
-            <a:r>
-              <a:rPr lang="en-US" sz="4400" dirty="0" smtClean="0">
-                <a:solidFill>
-                  <a:schemeClr val="accent1">
-                    <a:lumMod val="50000"/>
-                  </a:schemeClr>
-                </a:solidFill>
-              </a:rPr>
-              <a:t>1]</a:t>
-            </a:r>
-            <a:r>
-              <a:rPr lang="en-US" sz="4400" dirty="0" smtClean="0"/>
-              <a:t> </a:t>
-            </a:r>
-            <a:r>
-              <a:rPr lang="en-US" sz="4400" dirty="0"/>
-              <a:t>same for all</a:t>
-            </a:r>
-            <a:r>
-              <a:rPr lang="en-US" sz="4400" dirty="0">
-                <a:solidFill>
-                  <a:srgbClr val="0000E5"/>
-                </a:solidFill>
-              </a:rPr>
-              <a:t> </a:t>
-            </a:r>
-            <a:r>
-              <a:rPr lang="en-US" sz="4400" dirty="0" err="1">
-                <a:solidFill>
-                  <a:srgbClr val="0000E5"/>
-                </a:solidFill>
-              </a:rPr>
-              <a:t>i</a:t>
-            </a:r>
-            <a:r>
-              <a:rPr lang="en-US" sz="4400" dirty="0"/>
-              <a:t>, then</a:t>
-            </a:r>
-          </a:p>
-          <a:p>
-            <a:pPr algn="ctr">
-              <a:buFontTx/>
-              <a:buNone/>
-            </a:pPr>
-            <a:r>
-              <a:rPr lang="en-US" sz="4800" dirty="0">
-                <a:solidFill>
-                  <a:srgbClr val="0000E5"/>
-                </a:solidFill>
-              </a:rPr>
-              <a:t>R =</a:t>
-            </a:r>
-            <a:r>
-              <a:rPr lang="en-US" sz="4800" dirty="0" smtClean="0">
-                <a:solidFill>
-                  <a:srgbClr val="0000E5"/>
-                </a:solidFill>
-              </a:rPr>
-              <a:t> </a:t>
-            </a:r>
-            <a:r>
-              <a:rPr lang="en-US" sz="4800" dirty="0" err="1">
-                <a:solidFill>
-                  <a:srgbClr val="0000E5"/>
-                </a:solidFill>
-                <a:sym typeface="Symbol" charset="2"/>
-              </a:rPr>
-              <a:t>Σ</a:t>
-            </a:r>
-            <a:r>
-              <a:rPr lang="en-US" sz="4800" dirty="0" smtClean="0">
-                <a:solidFill>
-                  <a:srgbClr val="0000E5"/>
-                </a:solidFill>
-              </a:rPr>
-              <a:t> </a:t>
-            </a:r>
-            <a:r>
-              <a:rPr lang="en-US" sz="4800" dirty="0">
-                <a:solidFill>
-                  <a:srgbClr val="0000E5"/>
-                </a:solidFill>
-              </a:rPr>
-              <a:t>T</a:t>
-            </a:r>
-            <a:r>
-              <a:rPr lang="en-US" sz="4800" baseline="-25000" dirty="0">
-                <a:solidFill>
-                  <a:srgbClr val="0000E5"/>
-                </a:solidFill>
-              </a:rPr>
-              <a:t>i</a:t>
-            </a:r>
-            <a:r>
-              <a:rPr lang="en-US" sz="4800" baseline="-25000" dirty="0"/>
-              <a:t>   </a:t>
-            </a:r>
-            <a:r>
-              <a:rPr lang="en-US" sz="4800" dirty="0"/>
-              <a:t>is Binomial.</a:t>
-            </a:r>
-          </a:p>
-          <a:p>
-            <a:pPr>
-              <a:buFontTx/>
-              <a:buNone/>
-            </a:pPr>
-            <a:r>
-              <a:rPr lang="en-US" sz="4400" dirty="0"/>
-              <a:t>Even here, </a:t>
-            </a:r>
-            <a:r>
-              <a:rPr lang="en-US" sz="4400" dirty="0" err="1"/>
-              <a:t>Chernoff</a:t>
-            </a:r>
-            <a:r>
-              <a:rPr lang="en-US" sz="4400" dirty="0"/>
-              <a:t> bound is</a:t>
-            </a:r>
-            <a:r>
-              <a:rPr lang="en-US" sz="4400" dirty="0" smtClean="0"/>
-              <a:t> decent.</a:t>
-            </a:r>
-            <a:endParaRPr lang="en-US" sz="4400" dirty="0"/>
-          </a:p>
-        </p:txBody>
-      </p:sp>
-      <p:sp>
-        <p:nvSpPr>
-          <p:cNvPr id="386053" name="Rectangle 5"/>
-          <p:cNvSpPr>
-            <a:spLocks noChangeArrowheads="1"/>
-          </p:cNvSpPr>
-          <p:nvPr/>
-        </p:nvSpPr>
-        <p:spPr bwMode="auto">
-          <a:xfrm>
-            <a:off x="1360488" y="482600"/>
-            <a:ext cx="7094109" cy="707886"/>
-          </a:xfrm>
-          <a:prstGeom prst="rect">
-            <a:avLst/>
-          </a:prstGeom>
-          <a:noFill/>
-          <a:ln w="9525">
-            <a:noFill/>
-            <a:miter lim="800000"/>
-            <a:headEnd/>
-            <a:tailEnd type="none" w="lg" len="lg"/>
-          </a:ln>
-          <a:effectLst/>
-        </p:spPr>
-        <p:txBody>
-          <a:bodyPr wrap="none">
-            <a:prstTxWarp prst="textNoShape">
-              <a:avLst/>
-            </a:prstTxWarp>
-            <a:spAutoFit/>
-          </a:bodyPr>
-          <a:lstStyle/>
-          <a:p>
-            <a:r>
-              <a:rPr lang="en-US" sz="4000" dirty="0" err="1">
-                <a:solidFill>
-                  <a:schemeClr val="tx2"/>
-                </a:solidFill>
-                <a:latin typeface="Comic Sans MS"/>
-              </a:rPr>
-              <a:t>Chernoff</a:t>
-            </a:r>
-            <a:r>
-              <a:rPr lang="en-US" sz="4000" dirty="0">
-                <a:solidFill>
-                  <a:schemeClr val="tx2"/>
-                </a:solidFill>
-                <a:latin typeface="Comic Sans MS"/>
-              </a:rPr>
-              <a:t> vs. Binomial Bounds</a:t>
-            </a:r>
-          </a:p>
-        </p:txBody>
-      </p:sp>
-    </p:spTree>
-  </p:cSld>
-  <p:clrMapOvr>
-    <a:masterClrMapping/>
-  </p:clrMapOvr>
-  <p:timing>
-    <p:tnLst>
-      <p:par>
-        <p:cTn id="1" dur="indefinite" restart="never" nodeType="tmRoot"/>
-      </p:par>
-    </p:tnLst>
-  </p:timing>
-</p:sld>
-</file>
-
-<file path=ppt/slides/slide22.xml><?xml version="1.0" encoding="utf-8"?>
-<p:sld xmlns:a="http://schemas.openxmlformats.org/drawingml/2006/main" xmlns:r="http://schemas.openxmlformats.org/officeDocument/2006/relationships" xmlns:mc="http://schemas.openxmlformats.org/markup-compatibility/2006" xmlns:mv="urn:schemas-microsoft-com:mac:vml" xmlns:p="http://schemas.openxmlformats.org/presentationml/2006/main" mc:Ignorable="mv" mc:PreserveAttributes="mv:*">
-  <p:cSld>
-    <p:spTree>
-      <p:nvGrpSpPr>
-        <p:cNvPr id="1" name=""/>
-        <p:cNvGrpSpPr/>
-        <p:nvPr/>
-      </p:nvGrpSpPr>
-      <p:grpSpPr>
-        <a:xfrm>
-          <a:off x="0" y="0"/>
-          <a:ext cx="0" cy="0"/>
-          <a:chOff x="0" y="0"/>
-          <a:chExt cx="0" cy="0"/>
-        </a:xfrm>
-      </p:grpSpPr>
-      <p:sp>
-        <p:nvSpPr>
-          <p:cNvPr id="4" name="Slide Number Placeholder 1"/>
-          <p:cNvSpPr>
-            <a:spLocks noGrp="1"/>
-          </p:cNvSpPr>
-          <p:nvPr>
-            <p:ph type="sldNum" sz="quarter" idx="10"/>
-          </p:nvPr>
-        </p:nvSpPr>
-        <p:spPr/>
-        <p:txBody>
-          <a:bodyPr/>
-          <a:lstStyle/>
-          <a:p>
-            <a:r>
-              <a:rPr lang="en-US" dirty="0">
-                <a:latin typeface="Comic Sans MS"/>
-              </a:rPr>
-              <a:t>L14-3</a:t>
-            </a:r>
-            <a:r>
-              <a:rPr lang="en-US" sz="1400" dirty="0">
-                <a:latin typeface="Comic Sans MS"/>
-              </a:rPr>
-              <a:t>.</a:t>
-            </a:r>
-            <a:fld id="{15755910-AEAA-6E46-94F9-A95CA38E3440}" type="slidenum">
-              <a:rPr lang="en-US" sz="1400">
-                <a:latin typeface="Comic Sans MS"/>
-              </a:rPr>
-              <a:pPr/>
-              <a:t>22</a:t>
-            </a:fld>
-            <a:endParaRPr lang="en-US" sz="1400" dirty="0">
-              <a:latin typeface="Comic Sans MS"/>
-            </a:endParaRPr>
-          </a:p>
-        </p:txBody>
-      </p:sp>
-      <p:sp>
-        <p:nvSpPr>
-          <p:cNvPr id="381956" name="Text Box 4"/>
-          <p:cNvSpPr txBox="1">
-            <a:spLocks noChangeArrowheads="1"/>
-          </p:cNvSpPr>
-          <p:nvPr/>
-        </p:nvSpPr>
-        <p:spPr bwMode="auto">
-          <a:xfrm>
-            <a:off x="400300" y="2567225"/>
-            <a:ext cx="8343400" cy="1723549"/>
-          </a:xfrm>
-          <a:prstGeom prst="rect">
-            <a:avLst/>
-          </a:prstGeom>
-          <a:noFill/>
-          <a:ln w="9525">
-            <a:noFill/>
-            <a:miter lim="800000"/>
-            <a:headEnd/>
-            <a:tailEnd type="none" w="lg" len="lg"/>
-          </a:ln>
-          <a:effectLst/>
-        </p:spPr>
-        <p:txBody>
-          <a:bodyPr wrap="none">
-            <a:prstTxWarp prst="textNoShape">
-              <a:avLst/>
-            </a:prstTxWarp>
-            <a:spAutoFit/>
-          </a:bodyPr>
-          <a:lstStyle/>
-          <a:p>
-            <a:r>
-              <a:rPr lang="en-US" sz="10600" dirty="0">
-                <a:latin typeface="Comic Sans MS"/>
-              </a:rPr>
-              <a:t>Problems</a:t>
-            </a:r>
-            <a:r>
-              <a:rPr lang="en-US" sz="10600" dirty="0" smtClean="0">
-                <a:latin typeface="Comic Sans MS"/>
-              </a:rPr>
-              <a:t> 4,5</a:t>
-            </a:r>
-            <a:endParaRPr lang="en-US" sz="10600" dirty="0">
-              <a:latin typeface="Comic Sans MS"/>
-            </a:endParaRPr>
-          </a:p>
-        </p:txBody>
-      </p:sp>
-      <p:sp>
-        <p:nvSpPr>
-          <p:cNvPr id="381957" name="Text Box 5"/>
-          <p:cNvSpPr txBox="1">
-            <a:spLocks noChangeArrowheads="1"/>
-          </p:cNvSpPr>
-          <p:nvPr/>
-        </p:nvSpPr>
-        <p:spPr bwMode="auto">
-          <a:xfrm>
-            <a:off x="2574925" y="403225"/>
-            <a:ext cx="4408829" cy="707886"/>
-          </a:xfrm>
-          <a:prstGeom prst="rect">
-            <a:avLst/>
-          </a:prstGeom>
-          <a:noFill/>
-          <a:ln w="9525">
-            <a:noFill/>
-            <a:miter lim="800000"/>
-            <a:headEnd/>
-            <a:tailEnd type="none" w="lg" len="lg"/>
-          </a:ln>
-          <a:effectLst/>
-        </p:spPr>
-        <p:txBody>
-          <a:bodyPr wrap="none">
-            <a:prstTxWarp prst="textNoShape">
-              <a:avLst/>
-            </a:prstTxWarp>
-            <a:spAutoFit/>
-          </a:bodyPr>
-          <a:lstStyle/>
-          <a:p>
-            <a:r>
-              <a:rPr lang="en-US" sz="4000" dirty="0">
-                <a:latin typeface="Comic Sans MS"/>
-              </a:rPr>
-              <a:t>In Class Problems</a:t>
-            </a:r>
-          </a:p>
-        </p:txBody>
-      </p:sp>
-    </p:spTree>
-  </p:cSld>
-  <p:clrMapOvr>
-    <a:masterClrMapping/>
-  </p:clrMapOvr>
-  <p:timing>
-    <p:tnLst>
-      <p:par>
-        <p:cTn id="1" dur="indefinite" restart="never" nodeType="tmRoot"/>
-      </p:par>
-    </p:tnLst>
-  </p:timing>
-</p:sld>
-</file>
-
-<file path=ppt/slides/slide3.xml><?xml version="1.0" encoding="utf-8"?>
+<file path=ppt/slides/slide2.xml><?xml version="1.0" encoding="utf-8"?>
 <p:sld xmlns:a="http://schemas.openxmlformats.org/drawingml/2006/main" xmlns:r="http://schemas.openxmlformats.org/officeDocument/2006/relationships" xmlns:mc="http://schemas.openxmlformats.org/markup-compatibility/2006" xmlns:mv="urn:schemas-microsoft-com:mac:vml" xmlns:p="http://schemas.openxmlformats.org/presentationml/2006/main" mc:Ignorable="mv" mc:PreserveAttributes="mv:*">
   <p:cSld>
     <p:spTree>
@@ -12049,13 +9228,19 @@
           <a:lstStyle/>
           <a:p>
             <a:r>
-              <a:rPr lang="en-US" dirty="0">
-                <a:latin typeface="Comic Sans MS"/>
-              </a:rPr>
-              <a:t>L14-3</a:t>
-            </a:r>
-            <a:r>
-              <a:rPr lang="en-US" sz="1400" dirty="0">
+              <a:rPr lang="en-US" dirty="0" err="1" smtClean="0">
+                <a:latin typeface="Comic Sans MS"/>
+              </a:rPr>
+              <a:t>lec</a:t>
+            </a:r>
+            <a:r>
+              <a:rPr lang="en-US" dirty="0" smtClean="0">
+                <a:latin typeface="Comic Sans MS"/>
+              </a:rPr>
+              <a:t> 13F</a:t>
+            </a:r>
+            <a:r>
+              <a:rPr lang="en-US" sz="1400" dirty="0" smtClean="0">
                 <a:latin typeface="Comic Sans MS"/>
               </a:rPr>
               <a:t>.</a:t>
@@ -12065,7 +9250,7 @@
                 <a:latin typeface="Comic Sans MS"/>
               </a:rPr>
               <a:pPr/>
-              <a:t>3</a:t>
+              <a:t>2</a:t>
             </a:fld>
             <a:endParaRPr lang="en-US" sz="1400" dirty="0">
               <a:latin typeface="Comic Sans MS"/>
@@ -12491,7 +9676,7 @@
 </p:sld>
 </file>
 
-<file path=ppt/slides/slide4.xml><?xml version="1.0" encoding="utf-8"?>
+<file path=ppt/slides/slide20.xml><?xml version="1.0" encoding="utf-8"?>
 <p:sld xmlns:a="http://schemas.openxmlformats.org/drawingml/2006/main" xmlns:r="http://schemas.openxmlformats.org/officeDocument/2006/relationships" xmlns:mc="http://schemas.openxmlformats.org/markup-compatibility/2006" xmlns:mv="urn:schemas-microsoft-com:mac:vml" xmlns:p="http://schemas.openxmlformats.org/presentationml/2006/main" mc:Ignorable="mv" mc:PreserveAttributes="mv:*">
   <p:cSld>
     <p:spTree>
@@ -12524,13 +9709,591 @@
           <a:lstStyle/>
           <a:p>
             <a:r>
-              <a:rPr lang="en-US" dirty="0">
-                <a:latin typeface="Comic Sans MS"/>
-              </a:rPr>
-              <a:t>L14-3</a:t>
-            </a:r>
-            <a:r>
-              <a:rPr lang="en-US" sz="1400" dirty="0">
+              <a:rPr lang="en-US" dirty="0" err="1" smtClean="0">
+                <a:latin typeface="Comic Sans MS"/>
+              </a:rPr>
+              <a:t>lec</a:t>
+            </a:r>
+            <a:r>
+              <a:rPr lang="en-US" dirty="0" smtClean="0">
+                <a:latin typeface="Comic Sans MS"/>
+              </a:rPr>
+              <a:t> 13F</a:t>
+            </a:r>
+            <a:r>
+              <a:rPr lang="en-US" sz="1400" dirty="0" smtClean="0">
+                <a:latin typeface="Comic Sans MS"/>
+              </a:rPr>
+              <a:t>.</a:t>
+            </a:r>
+            <a:fld id="{334916ED-38E5-AF49-8B22-8490EF231F00}" type="slidenum">
+              <a:rPr lang="en-US" sz="1400">
+                <a:latin typeface="Comic Sans MS"/>
+              </a:rPr>
+              <a:pPr/>
+              <a:t>20</a:t>
+            </a:fld>
+            <a:endParaRPr lang="en-US" sz="1400" dirty="0">
+              <a:latin typeface="Comic Sans MS"/>
+            </a:endParaRPr>
+          </a:p>
+        </p:txBody>
+      </p:sp>
+      <p:sp>
+        <p:nvSpPr>
+          <p:cNvPr id="386050" name="Rectangle 2"/>
+          <p:cNvSpPr>
+            <a:spLocks noGrp="1" noChangeArrowheads="1"/>
+          </p:cNvSpPr>
+          <p:nvPr>
+            <p:ph type="body" idx="1"/>
+          </p:nvPr>
+        </p:nvSpPr>
+        <p:spPr>
+          <a:xfrm>
+            <a:off x="279400" y="1314450"/>
+            <a:ext cx="8623300" cy="4311650"/>
+          </a:xfrm>
+        </p:spPr>
+        <p:txBody>
+          <a:bodyPr/>
+          <a:lstStyle/>
+          <a:p>
+            <a:pPr>
+              <a:buFontTx/>
+              <a:buNone/>
+            </a:pPr>
+            <a:r>
+              <a:rPr lang="en-US" sz="4400" dirty="0"/>
+              <a:t>If </a:t>
+            </a:r>
+            <a:r>
+              <a:rPr lang="en-US" sz="4400" dirty="0" err="1" smtClean="0">
+                <a:solidFill>
+                  <a:schemeClr val="accent1">
+                    <a:lumMod val="50000"/>
+                  </a:schemeClr>
+                </a:solidFill>
+              </a:rPr>
+              <a:t>Pr</a:t>
+            </a:r>
+            <a:r>
+              <a:rPr lang="en-US" sz="4400" dirty="0" err="1">
+                <a:solidFill>
+                  <a:schemeClr val="accent1">
+                    <a:lumMod val="50000"/>
+                  </a:schemeClr>
+                </a:solidFill>
+                <a:cs typeface="Comic Sans MS"/>
+              </a:rPr>
+              <a:t>[</a:t>
+            </a:r>
+            <a:r>
+              <a:rPr lang="en-US" sz="4400" dirty="0" err="1" smtClean="0">
+                <a:solidFill>
+                  <a:schemeClr val="accent1">
+                    <a:lumMod val="50000"/>
+                  </a:schemeClr>
+                </a:solidFill>
+              </a:rPr>
+              <a:t>T</a:t>
+            </a:r>
+            <a:r>
+              <a:rPr lang="en-US" sz="4400" baseline="-25000" dirty="0" err="1" smtClean="0">
+                <a:solidFill>
+                  <a:schemeClr val="accent1">
+                    <a:lumMod val="50000"/>
+                  </a:schemeClr>
+                </a:solidFill>
+              </a:rPr>
+              <a:t>i</a:t>
+            </a:r>
+            <a:r>
+              <a:rPr lang="en-US" sz="4400" dirty="0" smtClean="0">
+                <a:solidFill>
+                  <a:schemeClr val="accent1">
+                    <a:lumMod val="50000"/>
+                  </a:schemeClr>
+                </a:solidFill>
+              </a:rPr>
+              <a:t> </a:t>
+            </a:r>
+            <a:r>
+              <a:rPr lang="en-US" sz="4400" dirty="0">
+                <a:solidFill>
+                  <a:schemeClr val="accent1">
+                    <a:lumMod val="50000"/>
+                  </a:schemeClr>
+                </a:solidFill>
+              </a:rPr>
+              <a:t>= </a:t>
+            </a:r>
+            <a:r>
+              <a:rPr lang="en-US" sz="4400" dirty="0" smtClean="0">
+                <a:solidFill>
+                  <a:schemeClr val="accent1">
+                    <a:lumMod val="50000"/>
+                  </a:schemeClr>
+                </a:solidFill>
+              </a:rPr>
+              <a:t>1]</a:t>
+            </a:r>
+            <a:r>
+              <a:rPr lang="en-US" sz="4400" dirty="0" smtClean="0"/>
+              <a:t> </a:t>
+            </a:r>
+            <a:r>
+              <a:rPr lang="en-US" sz="4400" dirty="0"/>
+              <a:t>same for all</a:t>
+            </a:r>
+            <a:r>
+              <a:rPr lang="en-US" sz="4400" dirty="0">
+                <a:solidFill>
+                  <a:srgbClr val="0000E5"/>
+                </a:solidFill>
+              </a:rPr>
+              <a:t> </a:t>
+            </a:r>
+            <a:r>
+              <a:rPr lang="en-US" sz="4400" dirty="0" err="1">
+                <a:solidFill>
+                  <a:srgbClr val="0000E5"/>
+                </a:solidFill>
+              </a:rPr>
+              <a:t>i</a:t>
+            </a:r>
+            <a:r>
+              <a:rPr lang="en-US" sz="4400" dirty="0"/>
+              <a:t>, then</a:t>
+            </a:r>
+            <a:endParaRPr lang="en-US" sz="4400" dirty="0" smtClean="0"/>
+          </a:p>
+          <a:p>
+            <a:pPr algn="ctr">
+              <a:buFontTx/>
+              <a:buNone/>
+            </a:pPr>
+            <a:r>
+              <a:rPr lang="en-US" sz="4800" dirty="0" smtClean="0">
+                <a:solidFill>
+                  <a:srgbClr val="0000E5"/>
+                </a:solidFill>
+              </a:rPr>
+              <a:t>T </a:t>
+            </a:r>
+            <a:r>
+              <a:rPr lang="en-US" sz="4800" dirty="0">
+                <a:solidFill>
+                  <a:srgbClr val="0000E5"/>
+                </a:solidFill>
+              </a:rPr>
+              <a:t>=</a:t>
+            </a:r>
+            <a:r>
+              <a:rPr lang="en-US" sz="4800" dirty="0" smtClean="0">
+                <a:solidFill>
+                  <a:srgbClr val="0000E5"/>
+                </a:solidFill>
+              </a:rPr>
+              <a:t> </a:t>
+            </a:r>
+            <a:r>
+              <a:rPr lang="en-US" sz="4800" dirty="0" err="1">
+                <a:solidFill>
+                  <a:srgbClr val="0000E5"/>
+                </a:solidFill>
+                <a:sym typeface="Symbol" charset="2"/>
+              </a:rPr>
+              <a:t>Σ</a:t>
+            </a:r>
+            <a:r>
+              <a:rPr lang="en-US" sz="4800" dirty="0" smtClean="0">
+                <a:solidFill>
+                  <a:srgbClr val="0000E5"/>
+                </a:solidFill>
+              </a:rPr>
+              <a:t> </a:t>
+            </a:r>
+            <a:r>
+              <a:rPr lang="en-US" sz="4800" dirty="0">
+                <a:solidFill>
+                  <a:srgbClr val="0000E5"/>
+                </a:solidFill>
+              </a:rPr>
+              <a:t>T</a:t>
+            </a:r>
+            <a:r>
+              <a:rPr lang="en-US" sz="4800" baseline="-25000" dirty="0">
+                <a:solidFill>
+                  <a:srgbClr val="0000E5"/>
+                </a:solidFill>
+              </a:rPr>
+              <a:t>i</a:t>
+            </a:r>
+            <a:r>
+              <a:rPr lang="en-US" sz="4800" baseline="-25000" dirty="0"/>
+              <a:t>   </a:t>
+            </a:r>
+            <a:r>
+              <a:rPr lang="en-US" sz="4800" dirty="0"/>
+              <a:t>is</a:t>
+            </a:r>
+            <a:r>
+              <a:rPr lang="en-US" sz="4800" dirty="0" smtClean="0"/>
+              <a:t> binomial</a:t>
+            </a:r>
+            <a:r>
+              <a:rPr lang="en-US" sz="4800" dirty="0"/>
+              <a:t>.</a:t>
+            </a:r>
+            <a:endParaRPr lang="en-US" sz="4800" dirty="0" smtClean="0"/>
+          </a:p>
+          <a:p>
+            <a:pPr>
+              <a:buFontTx/>
+              <a:buNone/>
+            </a:pPr>
+            <a:r>
+              <a:rPr lang="en-US" sz="4400" dirty="0" smtClean="0"/>
+              <a:t>Get better bounds using</a:t>
+            </a:r>
+          </a:p>
+          <a:p>
+            <a:pPr>
+              <a:buFontTx/>
+              <a:buNone/>
+            </a:pPr>
+            <a:r>
+              <a:rPr lang="en-US" sz="4400" dirty="0" smtClean="0"/>
+              <a:t>binomial calculations, but </a:t>
+            </a:r>
+          </a:p>
+          <a:p>
+            <a:pPr>
+              <a:buFontTx/>
+              <a:buNone/>
+            </a:pPr>
+            <a:r>
+              <a:rPr lang="en-US" sz="4400" dirty="0" err="1" smtClean="0"/>
+              <a:t>Chernoff</a:t>
+            </a:r>
+            <a:r>
+              <a:rPr lang="en-US" sz="4400" dirty="0" smtClean="0"/>
+              <a:t> </a:t>
+            </a:r>
+            <a:r>
+              <a:rPr lang="en-US" sz="4400" dirty="0"/>
+              <a:t>bound</a:t>
+            </a:r>
+            <a:r>
+              <a:rPr lang="en-US" sz="4400" dirty="0" smtClean="0"/>
+              <a:t> </a:t>
+            </a:r>
+            <a:r>
+              <a:rPr lang="en-US" sz="4400" dirty="0" smtClean="0"/>
+              <a:t>still </a:t>
+            </a:r>
+            <a:r>
+              <a:rPr lang="en-US" sz="4400" dirty="0" smtClean="0"/>
+              <a:t>decent</a:t>
+            </a:r>
+            <a:r>
+              <a:rPr lang="en-US" sz="4400" dirty="0" smtClean="0"/>
+              <a:t>.</a:t>
+            </a:r>
+            <a:endParaRPr lang="en-US" sz="4400" dirty="0"/>
+          </a:p>
+        </p:txBody>
+      </p:sp>
+      <p:sp>
+        <p:nvSpPr>
+          <p:cNvPr id="386053" name="Rectangle 5"/>
+          <p:cNvSpPr>
+            <a:spLocks noChangeArrowheads="1"/>
+          </p:cNvSpPr>
+          <p:nvPr/>
+        </p:nvSpPr>
+        <p:spPr bwMode="auto">
+          <a:xfrm>
+            <a:off x="1360488" y="482600"/>
+            <a:ext cx="7094109" cy="707886"/>
+          </a:xfrm>
+          <a:prstGeom prst="rect">
+            <a:avLst/>
+          </a:prstGeom>
+          <a:noFill/>
+          <a:ln w="9525">
+            <a:noFill/>
+            <a:miter lim="800000"/>
+            <a:headEnd/>
+            <a:tailEnd type="none" w="lg" len="lg"/>
+          </a:ln>
+          <a:effectLst/>
+        </p:spPr>
+        <p:txBody>
+          <a:bodyPr wrap="none">
+            <a:prstTxWarp prst="textNoShape">
+              <a:avLst/>
+            </a:prstTxWarp>
+            <a:spAutoFit/>
+          </a:bodyPr>
+          <a:lstStyle/>
+          <a:p>
+            <a:r>
+              <a:rPr lang="en-US" sz="4000" dirty="0" err="1">
+                <a:solidFill>
+                  <a:schemeClr val="tx2"/>
+                </a:solidFill>
+                <a:latin typeface="Comic Sans MS"/>
+              </a:rPr>
+              <a:t>Chernoff</a:t>
+            </a:r>
+            <a:r>
+              <a:rPr lang="en-US" sz="4000" dirty="0">
+                <a:solidFill>
+                  <a:schemeClr val="tx2"/>
+                </a:solidFill>
+                <a:latin typeface="Comic Sans MS"/>
+              </a:rPr>
+              <a:t> vs. Binomial Bounds</a:t>
+            </a:r>
+          </a:p>
+        </p:txBody>
+      </p:sp>
+    </p:spTree>
+  </p:cSld>
+  <p:clrMapOvr>
+    <a:masterClrMapping/>
+  </p:clrMapOvr>
+  <p:timing>
+    <p:tnLst>
+      <p:par>
+        <p:cTn id="1" dur="indefinite" restart="never" nodeType="tmRoot"/>
+      </p:par>
+    </p:tnLst>
+  </p:timing>
+</p:sld>
+</file>
+
+<file path=ppt/slides/slide21.xml><?xml version="1.0" encoding="utf-8"?>
+<p:sld xmlns:a="http://schemas.openxmlformats.org/drawingml/2006/main" xmlns:r="http://schemas.openxmlformats.org/officeDocument/2006/relationships" xmlns:mc="http://schemas.openxmlformats.org/markup-compatibility/2006" xmlns:mv="urn:schemas-microsoft-com:mac:vml" xmlns:p="http://schemas.openxmlformats.org/presentationml/2006/main" mc:Ignorable="mv" mc:PreserveAttributes="mv:*">
+  <p:cSld>
+    <p:spTree>
+      <p:nvGrpSpPr>
+        <p:cNvPr id="1" name=""/>
+        <p:cNvGrpSpPr/>
+        <p:nvPr/>
+      </p:nvGrpSpPr>
+      <p:grpSpPr>
+        <a:xfrm>
+          <a:off x="0" y="0"/>
+          <a:ext cx="0" cy="0"/>
+          <a:chOff x="0" y="0"/>
+          <a:chExt cx="0" cy="0"/>
+        </a:xfrm>
+      </p:grpSpPr>
+      <p:sp>
+        <p:nvSpPr>
+          <p:cNvPr id="4" name="Slide Number Placeholder 1"/>
+          <p:cNvSpPr>
+            <a:spLocks noGrp="1"/>
+          </p:cNvSpPr>
+          <p:nvPr>
+            <p:ph type="sldNum" sz="quarter" idx="10"/>
+          </p:nvPr>
+        </p:nvSpPr>
+        <p:spPr/>
+        <p:txBody>
+          <a:bodyPr/>
+          <a:lstStyle/>
+          <a:p>
+            <a:r>
+              <a:rPr lang="en-US" dirty="0" err="1" smtClean="0">
+                <a:latin typeface="Comic Sans MS"/>
+              </a:rPr>
+              <a:t>lec</a:t>
+            </a:r>
+            <a:r>
+              <a:rPr lang="en-US" dirty="0" smtClean="0">
+                <a:latin typeface="Comic Sans MS"/>
+              </a:rPr>
+              <a:t> 13F</a:t>
+            </a:r>
+            <a:r>
+              <a:rPr lang="en-US" sz="1400" dirty="0" smtClean="0">
+                <a:latin typeface="Comic Sans MS"/>
+              </a:rPr>
+              <a:t>.</a:t>
+            </a:r>
+            <a:fld id="{15755910-AEAA-6E46-94F9-A95CA38E3440}" type="slidenum">
+              <a:rPr lang="en-US" sz="1400">
+                <a:latin typeface="Comic Sans MS"/>
+              </a:rPr>
+              <a:pPr/>
+              <a:t>21</a:t>
+            </a:fld>
+            <a:endParaRPr lang="en-US" sz="1400" dirty="0">
+              <a:latin typeface="Comic Sans MS"/>
+            </a:endParaRPr>
+          </a:p>
+        </p:txBody>
+      </p:sp>
+      <p:sp>
+        <p:nvSpPr>
+          <p:cNvPr id="381956" name="Text Box 4"/>
+          <p:cNvSpPr txBox="1">
+            <a:spLocks noChangeArrowheads="1"/>
+          </p:cNvSpPr>
+          <p:nvPr/>
+        </p:nvSpPr>
+        <p:spPr bwMode="auto">
+          <a:xfrm>
+            <a:off x="400300" y="2567225"/>
+            <a:ext cx="8343400" cy="1723549"/>
+          </a:xfrm>
+          <a:prstGeom prst="rect">
+            <a:avLst/>
+          </a:prstGeom>
+          <a:noFill/>
+          <a:ln w="9525">
+            <a:noFill/>
+            <a:miter lim="800000"/>
+            <a:headEnd/>
+            <a:tailEnd type="none" w="lg" len="lg"/>
+          </a:ln>
+          <a:effectLst/>
+        </p:spPr>
+        <p:txBody>
+          <a:bodyPr wrap="none">
+            <a:prstTxWarp prst="textNoShape">
+              <a:avLst/>
+            </a:prstTxWarp>
+            <a:spAutoFit/>
+          </a:bodyPr>
+          <a:lstStyle/>
+          <a:p>
+            <a:r>
+              <a:rPr lang="en-US" sz="10600" dirty="0">
+                <a:latin typeface="Comic Sans MS"/>
+              </a:rPr>
+              <a:t>Problems</a:t>
+            </a:r>
+            <a:r>
+              <a:rPr lang="en-US" sz="10600" dirty="0" smtClean="0">
+                <a:latin typeface="Comic Sans MS"/>
+              </a:rPr>
+              <a:t> 4,5</a:t>
+            </a:r>
+            <a:endParaRPr lang="en-US" sz="10600" dirty="0">
+              <a:latin typeface="Comic Sans MS"/>
+            </a:endParaRPr>
+          </a:p>
+        </p:txBody>
+      </p:sp>
+      <p:sp>
+        <p:nvSpPr>
+          <p:cNvPr id="381957" name="Text Box 5"/>
+          <p:cNvSpPr txBox="1">
+            <a:spLocks noChangeArrowheads="1"/>
+          </p:cNvSpPr>
+          <p:nvPr/>
+        </p:nvSpPr>
+        <p:spPr bwMode="auto">
+          <a:xfrm>
+            <a:off x="2574925" y="403225"/>
+            <a:ext cx="4408829" cy="707886"/>
+          </a:xfrm>
+          <a:prstGeom prst="rect">
+            <a:avLst/>
+          </a:prstGeom>
+          <a:noFill/>
+          <a:ln w="9525">
+            <a:noFill/>
+            <a:miter lim="800000"/>
+            <a:headEnd/>
+            <a:tailEnd type="none" w="lg" len="lg"/>
+          </a:ln>
+          <a:effectLst/>
+        </p:spPr>
+        <p:txBody>
+          <a:bodyPr wrap="none">
+            <a:prstTxWarp prst="textNoShape">
+              <a:avLst/>
+            </a:prstTxWarp>
+            <a:spAutoFit/>
+          </a:bodyPr>
+          <a:lstStyle/>
+          <a:p>
+            <a:r>
+              <a:rPr lang="en-US" sz="4000" dirty="0">
+                <a:latin typeface="Comic Sans MS"/>
+              </a:rPr>
+              <a:t>In Class Problems</a:t>
+            </a:r>
+          </a:p>
+        </p:txBody>
+      </p:sp>
+    </p:spTree>
+  </p:cSld>
+  <p:clrMapOvr>
+    <a:masterClrMapping/>
+  </p:clrMapOvr>
+  <p:timing>
+    <p:tnLst>
+      <p:par>
+        <p:cTn id="1" dur="indefinite" restart="never" nodeType="tmRoot"/>
+      </p:par>
+    </p:tnLst>
+  </p:timing>
+</p:sld>
+</file>
+
+<file path=ppt/slides/slide3.xml><?xml version="1.0" encoding="utf-8"?>
+<p:sld xmlns:a="http://schemas.openxmlformats.org/drawingml/2006/main" xmlns:r="http://schemas.openxmlformats.org/officeDocument/2006/relationships" xmlns:mc="http://schemas.openxmlformats.org/markup-compatibility/2006" xmlns:mv="urn:schemas-microsoft-com:mac:vml" xmlns:p="http://schemas.openxmlformats.org/presentationml/2006/main" mc:Ignorable="mv" mc:PreserveAttributes="mv:*">
+  <p:cSld>
+    <p:spTree>
+      <p:nvGrpSpPr>
+        <p:cNvPr id="1" name=""/>
+        <p:cNvGrpSpPr/>
+        <p:nvPr/>
+      </p:nvGrpSpPr>
+      <p:grpSpPr>
+        <a:xfrm>
+          <a:off x="0" y="0"/>
+          <a:ext cx="0" cy="0"/>
+          <a:chOff x="0" y="0"/>
+          <a:chExt cx="0" cy="0"/>
+        </a:xfrm>
+      </p:grpSpPr>
+      <p:sp>
+        <p:nvSpPr>
+          <p:cNvPr id="4" name="Slide Number Placeholder 3"/>
+          <p:cNvSpPr>
+            <a:spLocks noGrp="1"/>
+          </p:cNvSpPr>
+          <p:nvPr>
+            <p:ph type="sldNum" sz="quarter" idx="10"/>
+          </p:nvPr>
+        </p:nvSpPr>
+        <p:spPr/>
+        <p:txBody>
+          <a:bodyPr/>
+          <a:lstStyle/>
+          <a:p>
+            <a:r>
+              <a:rPr lang="en-US" dirty="0" err="1" smtClean="0">
+                <a:latin typeface="Comic Sans MS"/>
+              </a:rPr>
+              <a:t>lec</a:t>
+            </a:r>
+            <a:r>
+              <a:rPr lang="en-US" dirty="0" smtClean="0">
+                <a:latin typeface="Comic Sans MS"/>
+              </a:rPr>
+              <a:t> 13F</a:t>
+            </a:r>
+            <a:r>
+              <a:rPr lang="en-US" sz="1400" dirty="0" smtClean="0">
                 <a:latin typeface="Comic Sans MS"/>
               </a:rPr>
               <a:t>.</a:t>
@@ -12540,7 +10303,7 @@
                 <a:latin typeface="Comic Sans MS"/>
               </a:rPr>
               <a:pPr/>
-              <a:t>4</a:t>
+              <a:t>3</a:t>
             </a:fld>
             <a:endParaRPr lang="en-US" sz="1400" dirty="0">
               <a:latin typeface="Comic Sans MS"/>
@@ -12880,7 +10643,7 @@
 </p:sld>
 </file>
 
-<file path=ppt/slides/slide5.xml><?xml version="1.0" encoding="utf-8"?>
+<file path=ppt/slides/slide4.xml><?xml version="1.0" encoding="utf-8"?>
 <p:sld xmlns:a="http://schemas.openxmlformats.org/drawingml/2006/main" xmlns:r="http://schemas.openxmlformats.org/officeDocument/2006/relationships" xmlns:mc="http://schemas.openxmlformats.org/markup-compatibility/2006" xmlns:mv="urn:schemas-microsoft-com:mac:vml" xmlns:p="http://schemas.openxmlformats.org/presentationml/2006/main" mc:Ignorable="mv" mc:PreserveAttributes="mv:*">
   <p:cSld>
     <p:spTree>
@@ -12913,13 +10676,19 @@
           <a:lstStyle/>
           <a:p>
             <a:r>
-              <a:rPr lang="en-US" dirty="0">
-                <a:latin typeface="Comic Sans MS"/>
-              </a:rPr>
-              <a:t>L14-3</a:t>
-            </a:r>
-            <a:r>
-              <a:rPr lang="en-US" sz="1400" dirty="0">
+              <a:rPr lang="en-US" dirty="0" err="1" smtClean="0">
+                <a:latin typeface="Comic Sans MS"/>
+              </a:rPr>
+              <a:t>lec</a:t>
+            </a:r>
+            <a:r>
+              <a:rPr lang="en-US" dirty="0" smtClean="0">
+                <a:latin typeface="Comic Sans MS"/>
+              </a:rPr>
+              <a:t> 13F</a:t>
+            </a:r>
+            <a:r>
+              <a:rPr lang="en-US" sz="1400" dirty="0" smtClean="0">
                 <a:latin typeface="Comic Sans MS"/>
               </a:rPr>
               <a:t>.</a:t>
@@ -12929,7 +10698,7 @@
                 <a:latin typeface="Comic Sans MS"/>
               </a:rPr>
               <a:pPr/>
-              <a:t>5</a:t>
+              <a:t>4</a:t>
             </a:fld>
             <a:endParaRPr lang="en-US" sz="1400" dirty="0">
               <a:latin typeface="Comic Sans MS"/>
@@ -12962,12 +10731,24 @@
               <a:buNone/>
             </a:pPr>
             <a:r>
-              <a:rPr lang="en-US" sz="3600" i="1" dirty="0"/>
-              <a:t>Fundamental fact</a:t>
-            </a:r>
-            <a:r>
-              <a:rPr lang="en-US" sz="4000" i="1" dirty="0"/>
-              <a:t>:</a:t>
+              <a:rPr lang="en-US" sz="3600" dirty="0"/>
+              <a:t>Fundamental </a:t>
+            </a:r>
+            <a:r>
+              <a:rPr lang="en-US" sz="3600" dirty="0" smtClean="0"/>
+              <a:t>fact</a:t>
+            </a:r>
+            <a:r>
+              <a:rPr lang="en-US" sz="4000" dirty="0" smtClean="0"/>
+              <a:t>: </a:t>
+            </a:r>
+            <a:r>
+              <a:rPr lang="en-US" sz="4000" dirty="0" smtClean="0">
+                <a:solidFill>
+                  <a:srgbClr val="660066"/>
+                </a:solidFill>
+              </a:rPr>
+              <a:t>Murphy’s Law</a:t>
             </a:r>
           </a:p>
           <a:p>
@@ -13068,43 +10849,6 @@
           </a:p>
         </p:txBody>
       </p:sp>
-      <p:pic>
-        <p:nvPicPr>
-          <p:cNvPr id="400394" name="Picture 10" descr="txp_fig"/>
-          <p:cNvPicPr>
-            <a:picLocks noChangeAspect="1" noChangeArrowheads="1"/>
-          </p:cNvPicPr>
-          <p:nvPr>
-            <p:custDataLst>
-              <p:tags r:id="rId2"/>
-            </p:custDataLst>
-          </p:nvPr>
-        </p:nvPicPr>
-        <p:blipFill>
-          <a:blip r:embed="rId4"/>
-          <a:srcRect/>
-          <a:stretch>
-            <a:fillRect/>
-          </a:stretch>
-        </p:blipFill>
-        <p:spPr bwMode="auto">
-          <a:xfrm>
-            <a:off x="2684463" y="4894263"/>
-            <a:ext cx="3370262" cy="398462"/>
-          </a:xfrm>
-          <a:prstGeom prst="rect">
-            <a:avLst/>
-          </a:prstGeom>
-          <a:noFill/>
-          <a:ln w="9525">
-            <a:noFill/>
-            <a:miter lim="800000"/>
-            <a:headEnd/>
-            <a:tailEnd type="none" w="lg" len="lg"/>
-          </a:ln>
-          <a:effectLst/>
-        </p:spPr>
-      </p:pic>
       <p:sp>
         <p:nvSpPr>
           <p:cNvPr id="7" name="Text Box 11"/>
@@ -13160,12 +10904,12 @@
           <p:nvPr/>
         </p:nvGraphicFramePr>
         <p:xfrm>
-          <a:off x="1327150" y="4343400"/>
+          <a:off x="1260475" y="4279900"/>
           <a:ext cx="6623050" cy="2037862"/>
         </p:xfrm>
         <a:graphic>
           <a:graphicData uri="http://schemas.openxmlformats.org/presentationml/2006/ole">
-            <p:oleObj spid="_x0000_s400399" name="Equation" r:id="rId5" imgW="1155700" imgH="355600" progId="Equation.DSMT4">
+            <p:oleObj spid="_x0000_s400399" name="Equation" r:id="rId3" imgW="1155700" imgH="355600" progId="Equation.DSMT4">
               <p:embed/>
             </p:oleObj>
           </a:graphicData>
@@ -13176,6 +10920,9 @@
   <p:clrMapOvr>
     <a:masterClrMapping/>
   </p:clrMapOvr>
+  <p:transition spd="slow">
+    <p:fade thruBlk="1"/>
+  </p:transition>
   <p:timing>
     <p:tnLst>
       <p:par>
@@ -13307,7 +11054,7 @@
 </p:sld>
 </file>
 
-<file path=ppt/slides/slide6.xml><?xml version="1.0" encoding="utf-8"?>
+<file path=ppt/slides/slide5.xml><?xml version="1.0" encoding="utf-8"?>
 <p:sld xmlns:a="http://schemas.openxmlformats.org/drawingml/2006/main" xmlns:r="http://schemas.openxmlformats.org/officeDocument/2006/relationships" xmlns:mc="http://schemas.openxmlformats.org/markup-compatibility/2006" xmlns:mv="urn:schemas-microsoft-com:mac:vml" xmlns:p="http://schemas.openxmlformats.org/presentationml/2006/main" mc:Ignorable="mv" mc:PreserveAttributes="mv:*">
   <p:cSld>
     <p:spTree>
@@ -13340,13 +11087,19 @@
           <a:lstStyle/>
           <a:p>
             <a:r>
-              <a:rPr lang="en-US" dirty="0">
-                <a:latin typeface="Comic Sans MS"/>
-              </a:rPr>
-              <a:t>L14-3</a:t>
-            </a:r>
-            <a:r>
-              <a:rPr lang="en-US" sz="1400" dirty="0">
+              <a:rPr lang="en-US" dirty="0" err="1" smtClean="0">
+                <a:latin typeface="Comic Sans MS"/>
+              </a:rPr>
+              <a:t>lec</a:t>
+            </a:r>
+            <a:r>
+              <a:rPr lang="en-US" dirty="0" smtClean="0">
+                <a:latin typeface="Comic Sans MS"/>
+              </a:rPr>
+              <a:t> 13F</a:t>
+            </a:r>
+            <a:r>
+              <a:rPr lang="en-US" sz="1400" dirty="0" smtClean="0">
                 <a:latin typeface="Comic Sans MS"/>
               </a:rPr>
               <a:t>.</a:t>
@@ -13356,7 +11109,7 @@
                 <a:latin typeface="Comic Sans MS"/>
               </a:rPr>
               <a:pPr/>
-              <a:t>6</a:t>
+              <a:t>5</a:t>
             </a:fld>
             <a:endParaRPr lang="en-US" sz="1400" dirty="0">
               <a:latin typeface="Comic Sans MS"/>
@@ -13376,8 +11129,8 @@
         </p:nvSpPr>
         <p:spPr>
           <a:xfrm>
-            <a:off x="622300" y="1739900"/>
-            <a:ext cx="8255000" cy="4457700"/>
+            <a:off x="165100" y="1739900"/>
+            <a:ext cx="8890000" cy="3543300"/>
           </a:xfrm>
         </p:spPr>
         <p:txBody>
@@ -13570,6 +11323,9 @@
   <p:clrMapOvr>
     <a:masterClrMapping/>
   </p:clrMapOvr>
+  <p:transition>
+    <p:fade/>
+  </p:transition>
   <p:timing>
     <p:tnLst>
       <p:par>
@@ -13580,7 +11336,7 @@
 </p:sld>
 </file>
 
-<file path=ppt/slides/slide7.xml><?xml version="1.0" encoding="utf-8"?>
+<file path=ppt/slides/slide6.xml><?xml version="1.0" encoding="utf-8"?>
 <p:sld xmlns:a="http://schemas.openxmlformats.org/drawingml/2006/main" xmlns:r="http://schemas.openxmlformats.org/officeDocument/2006/relationships" xmlns:mc="http://schemas.openxmlformats.org/markup-compatibility/2006" xmlns:mv="urn:schemas-microsoft-com:mac:vml" xmlns:p="http://schemas.openxmlformats.org/presentationml/2006/main" mc:Ignorable="mv" mc:PreserveAttributes="mv:*">
   <p:cSld>
     <p:spTree>
@@ -13613,13 +11369,19 @@
           <a:lstStyle/>
           <a:p>
             <a:r>
-              <a:rPr lang="en-US" dirty="0">
-                <a:latin typeface="Comic Sans MS"/>
-              </a:rPr>
-              <a:t>L14-3</a:t>
-            </a:r>
-            <a:r>
-              <a:rPr lang="en-US" sz="1400" dirty="0">
+              <a:rPr lang="en-US" dirty="0" err="1" smtClean="0">
+                <a:latin typeface="Comic Sans MS"/>
+              </a:rPr>
+              <a:t>lec</a:t>
+            </a:r>
+            <a:r>
+              <a:rPr lang="en-US" dirty="0" smtClean="0">
+                <a:latin typeface="Comic Sans MS"/>
+              </a:rPr>
+              <a:t> 13F</a:t>
+            </a:r>
+            <a:r>
+              <a:rPr lang="en-US" sz="1400" dirty="0" smtClean="0">
                 <a:latin typeface="Comic Sans MS"/>
               </a:rPr>
               <a:t>.</a:t>
@@ -13629,7 +11391,7 @@
                 <a:latin typeface="Comic Sans MS"/>
               </a:rPr>
               <a:pPr/>
-              <a:t>7</a:t>
+              <a:t>6</a:t>
             </a:fld>
             <a:endParaRPr lang="en-US" sz="1400" dirty="0">
               <a:latin typeface="Comic Sans MS"/>
@@ -13654,7 +11416,7 @@
             <a:avLst/>
           </a:prstGeom>
           <a:solidFill>
-            <a:schemeClr val="bg1"/>
+            <a:schemeClr val="accent5"/>
           </a:solidFill>
           <a:ln w="9525">
             <a:noFill/>
@@ -14068,6 +11830,9 @@
   <p:clrMapOvr>
     <a:masterClrMapping/>
   </p:clrMapOvr>
+  <p:transition>
+    <p:fade/>
+  </p:transition>
   <p:timing>
     <p:tnLst>
       <p:par>
@@ -14383,7 +12148,7 @@
 </p:sld>
 </file>
 
-<file path=ppt/slides/slide8.xml><?xml version="1.0" encoding="utf-8"?>
+<file path=ppt/slides/slide7.xml><?xml version="1.0" encoding="utf-8"?>
 <p:sld xmlns:a="http://schemas.openxmlformats.org/drawingml/2006/main" xmlns:r="http://schemas.openxmlformats.org/officeDocument/2006/relationships" xmlns:mc="http://schemas.openxmlformats.org/markup-compatibility/2006" xmlns:mv="urn:schemas-microsoft-com:mac:vml" xmlns:p="http://schemas.openxmlformats.org/presentationml/2006/main" mc:Ignorable="mv" mc:PreserveAttributes="mv:*">
   <p:cSld>
     <p:spTree>
@@ -14416,13 +12181,19 @@
           <a:lstStyle/>
           <a:p>
             <a:r>
-              <a:rPr lang="en-US" dirty="0">
-                <a:latin typeface="Comic Sans MS"/>
-              </a:rPr>
-              <a:t>L14-3</a:t>
-            </a:r>
-            <a:r>
-              <a:rPr lang="en-US" sz="1400" dirty="0">
+              <a:rPr lang="en-US" dirty="0" err="1" smtClean="0">
+                <a:latin typeface="Comic Sans MS"/>
+              </a:rPr>
+              <a:t>lec</a:t>
+            </a:r>
+            <a:r>
+              <a:rPr lang="en-US" dirty="0" smtClean="0">
+                <a:latin typeface="Comic Sans MS"/>
+              </a:rPr>
+              <a:t> 13F</a:t>
+            </a:r>
+            <a:r>
+              <a:rPr lang="en-US" sz="1400" dirty="0" smtClean="0">
                 <a:latin typeface="Comic Sans MS"/>
               </a:rPr>
               <a:t>.</a:t>
@@ -14432,7 +12203,7 @@
                 <a:latin typeface="Comic Sans MS"/>
               </a:rPr>
               <a:pPr/>
-              <a:t>8</a:t>
+              <a:t>7</a:t>
             </a:fld>
             <a:endParaRPr lang="en-US" sz="1400" dirty="0">
               <a:latin typeface="Comic Sans MS"/>
@@ -14452,8 +12223,8 @@
         </p:nvSpPr>
         <p:spPr>
           <a:xfrm>
-            <a:off x="234950" y="1803400"/>
-            <a:ext cx="8674100" cy="3251200"/>
+            <a:off x="117475" y="1784350"/>
+            <a:ext cx="8909050" cy="3289300"/>
           </a:xfrm>
         </p:spPr>
         <p:txBody>
@@ -14495,7 +12266,9 @@
             <a:r>
               <a:rPr lang="en-US" sz="4400" dirty="0" err="1" smtClean="0">
                 <a:solidFill>
-                  <a:schemeClr val="accent2"/>
+                  <a:schemeClr val="accent1">
+                    <a:lumMod val="50000"/>
+                  </a:schemeClr>
                 </a:solidFill>
               </a:rPr>
               <a:t>c</a:t>
@@ -14570,20 +12343,35 @@
                 <a:ea typeface="Comic Sans MS"/>
                 <a:cs typeface="Comic Sans MS"/>
               </a:rPr>
-              <a:t>  </a:t>
-            </a:r>
-          </a:p>
-          <a:p>
-            <a:pPr algn="ctr">
-              <a:buFontTx/>
-              <a:buNone/>
-            </a:pPr>
+              <a:t> </a:t>
+            </a:r>
+            <a:r>
+              <a:rPr lang="en-US" dirty="0" smtClean="0">
+                <a:ea typeface="Comic Sans MS"/>
+                <a:cs typeface="Comic Sans MS"/>
+              </a:rPr>
+              <a:t> </a:t>
+            </a:r>
+            <a:r>
+              <a:rPr lang="en-US" dirty="0" smtClean="0">
+                <a:ea typeface="Comic Sans MS"/>
+                <a:cs typeface="Comic Sans MS"/>
+              </a:rPr>
+              <a:t>                     </a:t>
+            </a:r>
+            <a:r>
+              <a:rPr lang="en-US" sz="4400" dirty="0" smtClean="0">
+                <a:ea typeface="Comic Sans MS"/>
+                <a:cs typeface="Comic Sans MS"/>
+              </a:rPr>
+              <a:t>(</a:t>
+            </a:r>
             <a:r>
               <a:rPr lang="en-US" sz="4400" dirty="0">
                 <a:ea typeface="Comic Sans MS"/>
                 <a:cs typeface="Comic Sans MS"/>
               </a:rPr>
-              <a:t>(if </a:t>
+              <a:t>if </a:t>
             </a:r>
             <a:r>
               <a:rPr lang="en-US" sz="4400" i="1" dirty="0" err="1">
@@ -14852,11 +12640,34 @@
           </a:graphicData>
         </a:graphic>
       </p:graphicFrame>
+      <p:graphicFrame>
+        <p:nvGraphicFramePr>
+          <p:cNvPr id="10" name="Object 9"/>
+          <p:cNvGraphicFramePr>
+            <a:graphicFrameLocks noChangeAspect="1"/>
+          </p:cNvGraphicFramePr>
+          <p:nvPr/>
+        </p:nvGraphicFramePr>
+        <p:xfrm>
+          <a:off x="1024114" y="4241800"/>
+          <a:ext cx="7095772" cy="1130300"/>
+        </p:xfrm>
+        <a:graphic>
+          <a:graphicData uri="http://schemas.openxmlformats.org/presentationml/2006/ole">
+            <p:oleObj spid="_x0000_s398353" name="Equation" r:id="rId5" imgW="1435100" imgH="228600" progId="Equation.DSMT4">
+              <p:embed/>
+            </p:oleObj>
+          </a:graphicData>
+        </a:graphic>
+      </p:graphicFrame>
     </p:spTree>
   </p:cSld>
   <p:clrMapOvr>
     <a:masterClrMapping/>
   </p:clrMapOvr>
+  <p:transition>
+    <p:fade thruBlk="1"/>
+  </p:transition>
   <p:timing>
     <p:tnLst>
       <p:par>
@@ -14878,7 +12689,7 @@
                             </p:stCondLst>
                             <p:childTnLst>
                               <p:par>
-                                <p:cTn id="5" presetID="1" presetClass="entr" presetSubtype="0" fill="hold" nodeType="clickEffect">
+                                <p:cTn id="5" presetID="22" presetClass="entr" presetSubtype="8" fill="hold" grpId="0" nodeType="clickEffect">
                                   <p:stCondLst>
                                     <p:cond delay="0"/>
                                   </p:stCondLst>
@@ -14905,6 +12716,62 @@
                                         <p:strVal val="visible"/>
                                       </p:to>
                                     </p:set>
+                                    <p:animEffect transition="in" filter="wipe(left)">
+                                      <p:cBhvr>
+                                        <p:cTn id="7" dur="500"/>
+                                        <p:tgtEl>
+                                          <p:spTgt spid="398338">
+                                            <p:txEl>
+                                              <p:pRg st="0" end="0"/>
+                                            </p:txEl>
+                                          </p:spTgt>
+                                        </p:tgtEl>
+                                      </p:cBhvr>
+                                    </p:animEffect>
+                                  </p:childTnLst>
+                                </p:cTn>
+                              </p:par>
+                            </p:childTnLst>
+                          </p:cTn>
+                        </p:par>
+                        <p:par>
+                          <p:cTn id="8" fill="hold">
+                            <p:stCondLst>
+                              <p:cond delay="500"/>
+                            </p:stCondLst>
+                            <p:childTnLst>
+                              <p:par>
+                                <p:cTn id="9" presetID="22" presetClass="entr" presetSubtype="8" fill="hold" nodeType="afterEffect">
+                                  <p:stCondLst>
+                                    <p:cond delay="0"/>
+                                  </p:stCondLst>
+                                  <p:childTnLst>
+                                    <p:set>
+                                      <p:cBhvr>
+                                        <p:cTn id="10" dur="1" fill="hold">
+                                          <p:stCondLst>
+                                            <p:cond delay="0"/>
+                                          </p:stCondLst>
+                                        </p:cTn>
+                                        <p:tgtEl>
+                                          <p:spTgt spid="9"/>
+                                        </p:tgtEl>
+                                        <p:attrNameLst>
+                                          <p:attrName>style.visibility</p:attrName>
+                                        </p:attrNameLst>
+                                      </p:cBhvr>
+                                      <p:to>
+                                        <p:strVal val="visible"/>
+                                      </p:to>
+                                    </p:set>
+                                    <p:animEffect transition="in" filter="wipe(left)">
+                                      <p:cBhvr>
+                                        <p:cTn id="11" dur="500"/>
+                                        <p:tgtEl>
+                                          <p:spTgt spid="9"/>
+                                        </p:tgtEl>
+                                      </p:cBhvr>
+                                    </p:animEffect>
                                   </p:childTnLst>
                                 </p:cTn>
                               </p:par>
@@ -14915,26 +12782,79 @@
                     </p:cTn>
                   </p:par>
                   <p:par>
-                    <p:cTn id="7" fill="hold">
+                    <p:cTn id="12" fill="hold">
                       <p:stCondLst>
                         <p:cond delay="indefinite"/>
                       </p:stCondLst>
                       <p:childTnLst>
                         <p:par>
-                          <p:cTn id="8" fill="hold">
+                          <p:cTn id="13" fill="hold">
                             <p:stCondLst>
                               <p:cond delay="0"/>
                             </p:stCondLst>
                             <p:childTnLst>
                               <p:par>
-                                <p:cTn id="9" presetID="1" presetClass="entr" presetSubtype="0" fill="hold" nodeType="clickEffect">
+                                <p:cTn id="14" presetID="22" presetClass="entr" presetSubtype="8" fill="hold" nodeType="clickEffect">
                                   <p:stCondLst>
                                     <p:cond delay="0"/>
                                   </p:stCondLst>
                                   <p:childTnLst>
                                     <p:set>
                                       <p:cBhvr>
-                                        <p:cTn id="10" dur="1" fill="hold">
+                                        <p:cTn id="15" dur="1" fill="hold">
+                                          <p:stCondLst>
+                                            <p:cond delay="0"/>
+                                          </p:stCondLst>
+                                        </p:cTn>
+                                        <p:tgtEl>
+                                          <p:spTgt spid="10"/>
+                                        </p:tgtEl>
+                                        <p:attrNameLst>
+                                          <p:attrName>style.visibility</p:attrName>
+                                        </p:attrNameLst>
+                                      </p:cBhvr>
+                                      <p:to>
+                                        <p:strVal val="visible"/>
+                                      </p:to>
+                                    </p:set>
+                                    <p:animEffect transition="in" filter="wipe(left)">
+                                      <p:cBhvr>
+                                        <p:cTn id="16" dur="500"/>
+                                        <p:tgtEl>
+                                          <p:spTgt spid="10"/>
+                                        </p:tgtEl>
+                                      </p:cBhvr>
+                                    </p:animEffect>
+                                  </p:childTnLst>
+                                </p:cTn>
+                              </p:par>
+                            </p:childTnLst>
+                          </p:cTn>
+                        </p:par>
+                      </p:childTnLst>
+                    </p:cTn>
+                  </p:par>
+                  <p:par>
+                    <p:cTn id="17" fill="hold">
+                      <p:stCondLst>
+                        <p:cond delay="indefinite"/>
+                      </p:stCondLst>
+                      <p:childTnLst>
+                        <p:par>
+                          <p:cTn id="18" fill="hold">
+                            <p:stCondLst>
+                              <p:cond delay="0"/>
+                            </p:stCondLst>
+                            <p:childTnLst>
+                              <p:par>
+                                <p:cTn id="19" presetID="1" presetClass="entr" presetSubtype="0" fill="hold" nodeType="clickEffect">
+                                  <p:stCondLst>
+                                    <p:cond delay="0"/>
+                                  </p:stCondLst>
+                                  <p:childTnLst>
+                                    <p:set>
+                                      <p:cBhvr>
+                                        <p:cTn id="20" dur="1" fill="hold">
                                           <p:stCondLst>
                                             <p:cond delay="0"/>
                                           </p:stCondLst>
@@ -14960,26 +12880,26 @@
                     </p:cTn>
                   </p:par>
                   <p:par>
-                    <p:cTn id="11" fill="hold">
+                    <p:cTn id="21" fill="hold">
                       <p:stCondLst>
                         <p:cond delay="indefinite"/>
                       </p:stCondLst>
                       <p:childTnLst>
                         <p:par>
-                          <p:cTn id="12" fill="hold">
+                          <p:cTn id="22" fill="hold">
                             <p:stCondLst>
                               <p:cond delay="0"/>
                             </p:stCondLst>
                             <p:childTnLst>
                               <p:par>
-                                <p:cTn id="13" presetID="1" presetClass="entr" presetSubtype="0" fill="hold" nodeType="clickEffect">
+                                <p:cTn id="23" presetID="1" presetClass="entr" presetSubtype="0" fill="hold" nodeType="clickEffect">
                                   <p:stCondLst>
                                     <p:cond delay="0"/>
                                   </p:stCondLst>
                                   <p:childTnLst>
                                     <p:set>
                                       <p:cBhvr>
-                                        <p:cTn id="14" dur="1" fill="hold">
+                                        <p:cTn id="24" dur="1" fill="hold">
                                           <p:stCondLst>
                                             <p:cond delay="0"/>
                                           </p:stCondLst>
@@ -15005,26 +12925,26 @@
                     </p:cTn>
                   </p:par>
                   <p:par>
-                    <p:cTn id="15" fill="hold">
+                    <p:cTn id="25" fill="hold">
                       <p:stCondLst>
                         <p:cond delay="indefinite"/>
                       </p:stCondLst>
                       <p:childTnLst>
                         <p:par>
-                          <p:cTn id="16" fill="hold">
+                          <p:cTn id="26" fill="hold">
                             <p:stCondLst>
                               <p:cond delay="0"/>
                             </p:stCondLst>
                             <p:childTnLst>
                               <p:par>
-                                <p:cTn id="17" presetID="1" presetClass="entr" presetSubtype="0" fill="hold" nodeType="clickEffect">
+                                <p:cTn id="27" presetID="22" presetClass="entr" presetSubtype="8" fill="hold" grpId="0" nodeType="clickEffect">
                                   <p:stCondLst>
                                     <p:cond delay="0"/>
                                   </p:stCondLst>
                                   <p:childTnLst>
                                     <p:set>
                                       <p:cBhvr>
-                                        <p:cTn id="18" dur="1" fill="hold">
+                                        <p:cTn id="28" dur="1" fill="hold">
                                           <p:stCondLst>
                                             <p:cond delay="0"/>
                                           </p:stCondLst>
@@ -15032,7 +12952,7 @@
                                         <p:tgtEl>
                                           <p:spTgt spid="398338">
                                             <p:txEl>
-                                              <p:pRg st="3" end="3"/>
+                                              <p:pRg st="2" end="2"/>
                                             </p:txEl>
                                           </p:spTgt>
                                         </p:tgtEl>
@@ -15044,6 +12964,18 @@
                                         <p:strVal val="visible"/>
                                       </p:to>
                                     </p:set>
+                                    <p:animEffect transition="in" filter="wipe(left)">
+                                      <p:cBhvr>
+                                        <p:cTn id="29" dur="500"/>
+                                        <p:tgtEl>
+                                          <p:spTgt spid="398338">
+                                            <p:txEl>
+                                              <p:pRg st="2" end="2"/>
+                                            </p:txEl>
+                                          </p:spTgt>
+                                        </p:tgtEl>
+                                      </p:cBhvr>
+                                    </p:animEffect>
                                   </p:childTnLst>
                                 </p:cTn>
                               </p:par>
@@ -15074,13 +13006,24 @@
         </p:cTn>
       </p:par>
     </p:tnLst>
+    <p:bldLst>
+      <p:bldP spid="398338" grpId="0" uiExpand="1" build="p"/>
+    </p:bldLst>
   </p:timing>
 </p:sld>
 </file>
 
-<file path=ppt/slides/slide9.xml><?xml version="1.0" encoding="utf-8"?>
+<file path=ppt/slides/slide8.xml><?xml version="1.0" encoding="utf-8"?>
 <p:sld xmlns:a="http://schemas.openxmlformats.org/drawingml/2006/main" xmlns:r="http://schemas.openxmlformats.org/officeDocument/2006/relationships" xmlns:mc="http://schemas.openxmlformats.org/markup-compatibility/2006" xmlns:mv="urn:schemas-microsoft-com:mac:vml" xmlns:p="http://schemas.openxmlformats.org/presentationml/2006/main" mc:Ignorable="mv" mc:PreserveAttributes="mv:*">
   <p:cSld>
+    <p:bg>
+      <p:bgPr>
+        <a:solidFill>
+          <a:schemeClr val="accent5"/>
+        </a:solidFill>
+        <a:effectLst/>
+      </p:bgPr>
+    </p:bg>
     <p:spTree>
       <p:nvGrpSpPr>
         <p:cNvPr id="1" name=""/>
@@ -15111,13 +13054,19 @@
           <a:lstStyle/>
           <a:p>
             <a:r>
-              <a:rPr lang="en-US" dirty="0">
-                <a:latin typeface="Comic Sans MS"/>
-              </a:rPr>
-              <a:t>L14-3</a:t>
-            </a:r>
-            <a:r>
-              <a:rPr lang="en-US" sz="1400" dirty="0">
+              <a:rPr lang="en-US" dirty="0" err="1" smtClean="0">
+                <a:latin typeface="Comic Sans MS"/>
+              </a:rPr>
+              <a:t>lec</a:t>
+            </a:r>
+            <a:r>
+              <a:rPr lang="en-US" dirty="0" smtClean="0">
+                <a:latin typeface="Comic Sans MS"/>
+              </a:rPr>
+              <a:t> 13F</a:t>
+            </a:r>
+            <a:r>
+              <a:rPr lang="en-US" sz="1400" dirty="0" smtClean="0">
                 <a:latin typeface="Comic Sans MS"/>
               </a:rPr>
               <a:t>.</a:t>
@@ -15127,7 +13076,7 @@
                 <a:latin typeface="Comic Sans MS"/>
               </a:rPr>
               <a:pPr/>
-              <a:t>9</a:t>
+              <a:t>8</a:t>
             </a:fld>
             <a:endParaRPr lang="en-US" sz="1400" dirty="0">
               <a:latin typeface="Comic Sans MS"/>
@@ -15174,14 +13123,14 @@
         </p:nvSpPr>
         <p:spPr bwMode="auto">
           <a:xfrm>
-            <a:off x="1320800" y="1905506"/>
+            <a:off x="1333500" y="1536174"/>
             <a:ext cx="6502400" cy="3785652"/>
           </a:xfrm>
           <a:prstGeom prst="rect">
             <a:avLst/>
           </a:prstGeom>
           <a:solidFill>
-            <a:schemeClr val="bg1"/>
+            <a:schemeClr val="accent5"/>
           </a:solidFill>
           <a:ln w="9525">
             <a:noFill/>
@@ -15692,6 +13641,1068 @@
 </p:sld>
 </file>
 
+<file path=ppt/slides/slide9.xml><?xml version="1.0" encoding="utf-8"?>
+<p:sld xmlns:a="http://schemas.openxmlformats.org/drawingml/2006/main" xmlns:r="http://schemas.openxmlformats.org/officeDocument/2006/relationships" xmlns:mc="http://schemas.openxmlformats.org/markup-compatibility/2006" xmlns:mv="urn:schemas-microsoft-com:mac:vml" xmlns:p="http://schemas.openxmlformats.org/presentationml/2006/main" mc:Ignorable="mv" mc:PreserveAttributes="mv:*">
+  <p:cSld>
+    <p:spTree>
+      <p:nvGrpSpPr>
+        <p:cNvPr id="1" name=""/>
+        <p:cNvGrpSpPr/>
+        <p:nvPr/>
+      </p:nvGrpSpPr>
+      <p:grpSpPr>
+        <a:xfrm>
+          <a:off x="0" y="0"/>
+          <a:ext cx="0" cy="0"/>
+          <a:chOff x="0" y="0"/>
+          <a:chExt cx="0" cy="0"/>
+        </a:xfrm>
+      </p:grpSpPr>
+      <p:sp>
+        <p:nvSpPr>
+          <p:cNvPr id="6" name="Slide Number Placeholder 3"/>
+          <p:cNvSpPr>
+            <a:spLocks noGrp="1"/>
+          </p:cNvSpPr>
+          <p:nvPr>
+            <p:ph type="sldNum" sz="quarter" idx="10"/>
+          </p:nvPr>
+        </p:nvSpPr>
+        <p:spPr/>
+        <p:txBody>
+          <a:bodyPr/>
+          <a:lstStyle/>
+          <a:p>
+            <a:r>
+              <a:rPr lang="en-US" dirty="0" err="1" smtClean="0">
+                <a:latin typeface="Comic Sans MS"/>
+              </a:rPr>
+              <a:t>lec</a:t>
+            </a:r>
+            <a:r>
+              <a:rPr lang="en-US" dirty="0" smtClean="0">
+                <a:latin typeface="Comic Sans MS"/>
+              </a:rPr>
+              <a:t> 13F</a:t>
+            </a:r>
+            <a:r>
+              <a:rPr lang="en-US" sz="1400" dirty="0" smtClean="0">
+                <a:latin typeface="Comic Sans MS"/>
+              </a:rPr>
+              <a:t>.</a:t>
+            </a:r>
+            <a:fld id="{685ED2A4-7B63-AE4C-9BD0-ADD5FA3DE018}" type="slidenum">
+              <a:rPr lang="en-US" sz="1400">
+                <a:latin typeface="Comic Sans MS"/>
+              </a:rPr>
+              <a:pPr/>
+              <a:t>9</a:t>
+            </a:fld>
+            <a:endParaRPr lang="en-US" sz="1400" dirty="0">
+              <a:latin typeface="Comic Sans MS"/>
+            </a:endParaRPr>
+          </a:p>
+        </p:txBody>
+      </p:sp>
+      <p:sp>
+        <p:nvSpPr>
+          <p:cNvPr id="375814" name="Text Box 6"/>
+          <p:cNvSpPr txBox="1">
+            <a:spLocks noChangeArrowheads="1"/>
+          </p:cNvSpPr>
+          <p:nvPr/>
+        </p:nvSpPr>
+        <p:spPr bwMode="auto">
+          <a:xfrm>
+            <a:off x="563563" y="1471910"/>
+            <a:ext cx="8364537" cy="3477875"/>
+          </a:xfrm>
+          <a:prstGeom prst="rect">
+            <a:avLst/>
+          </a:prstGeom>
+          <a:noFill/>
+          <a:ln w="9525">
+            <a:noFill/>
+            <a:miter lim="800000"/>
+            <a:headEnd/>
+            <a:tailEnd type="none" w="lg" len="lg"/>
+          </a:ln>
+          <a:effectLst/>
+        </p:spPr>
+        <p:txBody>
+          <a:bodyPr>
+            <a:prstTxWarp prst="textNoShape">
+              <a:avLst/>
+            </a:prstTxWarp>
+            <a:spAutoFit/>
+          </a:bodyPr>
+          <a:lstStyle/>
+          <a:p>
+            <a:r>
+              <a:rPr lang="en-US" sz="4400" dirty="0">
+                <a:latin typeface="Comic Sans MS"/>
+              </a:rPr>
+              <a:t>Dependence on</a:t>
+            </a:r>
+            <a:r>
+              <a:rPr lang="en-US" sz="4400" i="1" dirty="0">
+                <a:latin typeface="Comic Sans MS"/>
+              </a:rPr>
+              <a:t> </a:t>
+            </a:r>
+            <a:r>
+              <a:rPr lang="en-US" sz="4400" dirty="0" err="1">
+                <a:solidFill>
+                  <a:schemeClr val="accent2"/>
+                </a:solidFill>
+                <a:latin typeface="Comic Sans MS"/>
+              </a:rPr>
+              <a:t>c</a:t>
+            </a:r>
+            <a:r>
+              <a:rPr lang="en-US" sz="4400" dirty="0">
+                <a:latin typeface="Comic Sans MS"/>
+              </a:rPr>
+              <a:t>?</a:t>
+            </a:r>
+          </a:p>
+          <a:p>
+            <a:r>
+              <a:rPr lang="en-US" sz="4400" dirty="0" err="1">
+                <a:solidFill>
+                  <a:schemeClr val="accent1">
+                    <a:lumMod val="50000"/>
+                  </a:schemeClr>
+                </a:solidFill>
+                <a:latin typeface="Comic Sans MS"/>
+              </a:rPr>
+              <a:t>c</a:t>
+            </a:r>
+            <a:r>
+              <a:rPr lang="en-US" sz="4400" dirty="0">
+                <a:solidFill>
+                  <a:schemeClr val="accent1">
+                    <a:lumMod val="50000"/>
+                  </a:schemeClr>
+                </a:solidFill>
+                <a:latin typeface="Comic Sans MS"/>
+              </a:rPr>
+              <a:t>=1:      </a:t>
+            </a:r>
+            <a:r>
+              <a:rPr lang="en-US" sz="4400" dirty="0" smtClean="0">
+                <a:solidFill>
+                  <a:schemeClr val="accent1">
+                    <a:lumMod val="50000"/>
+                  </a:schemeClr>
+                </a:solidFill>
+                <a:latin typeface="Comic Sans MS"/>
+              </a:rPr>
+              <a:t>  </a:t>
+            </a:r>
+            <a:r>
+              <a:rPr lang="el-GR" sz="4400" b="1" dirty="0">
+                <a:solidFill>
+                  <a:schemeClr val="accent1">
+                    <a:lumMod val="50000"/>
+                  </a:schemeClr>
+                </a:solidFill>
+                <a:latin typeface="Euclid Symbol" charset="2"/>
+                <a:cs typeface="Euclid Symbol" charset="2"/>
+              </a:rPr>
+              <a:t>β</a:t>
+            </a:r>
+            <a:r>
+              <a:rPr lang="en-US" sz="4400" dirty="0">
+                <a:solidFill>
+                  <a:schemeClr val="accent1">
+                    <a:lumMod val="50000"/>
+                  </a:schemeClr>
+                </a:solidFill>
+                <a:latin typeface="Comic Sans MS"/>
+              </a:rPr>
+              <a:t>(</a:t>
+            </a:r>
+            <a:r>
+              <a:rPr lang="en-US" sz="4400" dirty="0" err="1">
+                <a:solidFill>
+                  <a:schemeClr val="accent1">
+                    <a:lumMod val="50000"/>
+                  </a:schemeClr>
+                </a:solidFill>
+                <a:latin typeface="Comic Sans MS"/>
+              </a:rPr>
+              <a:t>c</a:t>
+            </a:r>
+            <a:r>
+              <a:rPr lang="en-US" sz="4400" dirty="0">
+                <a:solidFill>
+                  <a:schemeClr val="accent1">
+                    <a:lumMod val="50000"/>
+                  </a:schemeClr>
+                </a:solidFill>
+                <a:latin typeface="Comic Sans MS"/>
+              </a:rPr>
+              <a:t>) = 0</a:t>
+            </a:r>
+            <a:r>
+              <a:rPr lang="en-US" sz="4000" dirty="0">
+                <a:latin typeface="Comic Sans MS"/>
+              </a:rPr>
+              <a:t>         </a:t>
+            </a:r>
+            <a:r>
+              <a:rPr lang="en-US" sz="4000" dirty="0" smtClean="0">
+                <a:latin typeface="Comic Sans MS"/>
+              </a:rPr>
+              <a:t> (</a:t>
+            </a:r>
+            <a:r>
+              <a:rPr lang="en-US" sz="4000" dirty="0">
+                <a:latin typeface="Comic Sans MS"/>
+              </a:rPr>
+              <a:t>useless)</a:t>
+            </a:r>
+            <a:endParaRPr lang="el-GR" sz="4000" dirty="0">
+              <a:latin typeface="Comic Sans MS"/>
+            </a:endParaRPr>
+          </a:p>
+          <a:p>
+            <a:r>
+              <a:rPr lang="en-US" sz="4400" dirty="0" err="1">
+                <a:latin typeface="Comic Sans MS"/>
+              </a:rPr>
+              <a:t>c</a:t>
+            </a:r>
+            <a:r>
+              <a:rPr lang="en-US" sz="4400" dirty="0">
+                <a:latin typeface="Comic Sans MS"/>
+              </a:rPr>
+              <a:t> large: </a:t>
+            </a:r>
+            <a:r>
+              <a:rPr lang="en-US" sz="4400" dirty="0" smtClean="0">
+                <a:latin typeface="Comic Sans MS"/>
+              </a:rPr>
+              <a:t> </a:t>
+            </a:r>
+            <a:r>
+              <a:rPr lang="el-GR" sz="4400" b="1" dirty="0" smtClean="0">
+                <a:solidFill>
+                  <a:schemeClr val="accent1">
+                    <a:lumMod val="50000"/>
+                  </a:schemeClr>
+                </a:solidFill>
+                <a:latin typeface="Euclid Symbol" charset="2"/>
+                <a:cs typeface="Euclid Symbol" charset="2"/>
+              </a:rPr>
+              <a:t>β</a:t>
+            </a:r>
+            <a:r>
+              <a:rPr lang="en-US" sz="4400" dirty="0" smtClean="0">
+                <a:solidFill>
+                  <a:srgbClr val="0000E5"/>
+                </a:solidFill>
+                <a:latin typeface="Comic Sans MS"/>
+              </a:rPr>
+              <a:t>(</a:t>
+            </a:r>
+            <a:r>
+              <a:rPr lang="en-US" sz="4400" dirty="0" err="1">
+                <a:solidFill>
+                  <a:srgbClr val="0000E5"/>
+                </a:solidFill>
+                <a:latin typeface="Comic Sans MS"/>
+              </a:rPr>
+              <a:t>c</a:t>
+            </a:r>
+            <a:r>
+              <a:rPr lang="en-US" sz="4400" dirty="0">
+                <a:solidFill>
+                  <a:srgbClr val="0000E5"/>
+                </a:solidFill>
+                <a:latin typeface="Comic Sans MS"/>
+              </a:rPr>
+              <a:t>) </a:t>
+            </a:r>
+            <a:r>
+              <a:rPr lang="en-US" sz="4400" dirty="0">
+                <a:solidFill>
+                  <a:srgbClr val="0000E5"/>
+                </a:solidFill>
+                <a:latin typeface="Comic Sans MS"/>
+                <a:ea typeface="Comic Sans MS"/>
+                <a:cs typeface="Comic Sans MS"/>
+              </a:rPr>
+              <a:t>≈ </a:t>
+            </a:r>
+            <a:r>
+              <a:rPr lang="en-US" sz="4400" dirty="0" err="1">
+                <a:solidFill>
+                  <a:srgbClr val="0000E5"/>
+                </a:solidFill>
+                <a:latin typeface="Comic Sans MS"/>
+                <a:ea typeface="Comic Sans MS"/>
+                <a:cs typeface="Comic Sans MS"/>
+              </a:rPr>
+              <a:t>c</a:t>
+            </a:r>
+            <a:r>
+              <a:rPr lang="en-US" sz="4400" dirty="0">
+                <a:solidFill>
+                  <a:srgbClr val="0000E5"/>
+                </a:solidFill>
+                <a:latin typeface="Comic Sans MS"/>
+                <a:ea typeface="Comic Sans MS"/>
+                <a:cs typeface="Comic Sans MS"/>
+              </a:rPr>
+              <a:t> log </a:t>
+            </a:r>
+            <a:r>
+              <a:rPr lang="en-US" sz="4400" dirty="0" err="1">
+                <a:solidFill>
+                  <a:srgbClr val="0000E5"/>
+                </a:solidFill>
+                <a:latin typeface="Comic Sans MS"/>
+                <a:ea typeface="Comic Sans MS"/>
+                <a:cs typeface="Comic Sans MS"/>
+              </a:rPr>
+              <a:t>c</a:t>
+            </a:r>
+            <a:r>
+              <a:rPr lang="en-US" sz="4400" dirty="0" smtClean="0">
+                <a:solidFill>
+                  <a:srgbClr val="0000E5"/>
+                </a:solidFill>
+                <a:latin typeface="Comic Sans MS"/>
+                <a:ea typeface="Comic Sans MS"/>
+                <a:cs typeface="Comic Sans MS"/>
+              </a:rPr>
+              <a:t> </a:t>
+            </a:r>
+            <a:r>
+              <a:rPr lang="en-US" sz="4400" dirty="0" smtClean="0">
+                <a:latin typeface="Comic Sans MS"/>
+                <a:ea typeface="Comic Sans MS"/>
+                <a:cs typeface="Comic Sans MS"/>
+              </a:rPr>
+              <a:t> </a:t>
+            </a:r>
+            <a:r>
+              <a:rPr lang="en-US" sz="4400" dirty="0">
+                <a:solidFill>
+                  <a:srgbClr val="008000"/>
+                </a:solidFill>
+                <a:latin typeface="Comic Sans MS"/>
+                <a:ea typeface="Comic Sans MS"/>
+                <a:cs typeface="Comic Sans MS"/>
+              </a:rPr>
+              <a:t>LARGE</a:t>
+            </a:r>
+          </a:p>
+          <a:p>
+            <a:r>
+              <a:rPr lang="en-US" sz="4400" dirty="0" err="1">
+                <a:solidFill>
+                  <a:srgbClr val="0000E5"/>
+                </a:solidFill>
+                <a:latin typeface="Comic Sans MS"/>
+                <a:ea typeface="Comic Sans MS"/>
+                <a:cs typeface="Comic Sans MS"/>
+              </a:rPr>
+              <a:t>c</a:t>
+            </a:r>
+            <a:r>
+              <a:rPr lang="en-US" sz="4400" dirty="0">
+                <a:solidFill>
+                  <a:srgbClr val="0000E5"/>
+                </a:solidFill>
+                <a:latin typeface="Comic Sans MS"/>
+                <a:ea typeface="Comic Sans MS"/>
+                <a:cs typeface="Comic Sans MS"/>
+              </a:rPr>
+              <a:t>=</a:t>
+            </a:r>
+            <a:r>
+              <a:rPr lang="en-US" sz="4400" dirty="0" err="1">
+                <a:solidFill>
+                  <a:srgbClr val="0000E5"/>
+                </a:solidFill>
+                <a:latin typeface="Comic Sans MS"/>
+                <a:ea typeface="Comic Sans MS"/>
+                <a:cs typeface="Comic Sans MS"/>
+              </a:rPr>
+              <a:t>e</a:t>
+            </a:r>
+            <a:r>
+              <a:rPr lang="en-US" sz="4400" dirty="0">
+                <a:solidFill>
+                  <a:srgbClr val="0000E5"/>
+                </a:solidFill>
+                <a:latin typeface="Comic Sans MS"/>
+                <a:ea typeface="Comic Sans MS"/>
+                <a:cs typeface="Comic Sans MS"/>
+              </a:rPr>
+              <a:t>:      </a:t>
+            </a:r>
+            <a:r>
+              <a:rPr lang="en-US" sz="4400" dirty="0" smtClean="0">
+                <a:solidFill>
+                  <a:srgbClr val="0000E5"/>
+                </a:solidFill>
+                <a:latin typeface="Comic Sans MS"/>
+                <a:ea typeface="Comic Sans MS"/>
+                <a:cs typeface="Comic Sans MS"/>
+              </a:rPr>
+              <a:t> </a:t>
+            </a:r>
+            <a:r>
+              <a:rPr lang="el-GR" sz="4400" b="1" dirty="0" smtClean="0">
+                <a:solidFill>
+                  <a:srgbClr val="0000E5"/>
+                </a:solidFill>
+                <a:latin typeface="Euclid Symbol" charset="2"/>
+                <a:cs typeface="Euclid Symbol" charset="2"/>
+              </a:rPr>
+              <a:t>β</a:t>
+            </a:r>
+            <a:r>
+              <a:rPr lang="en-US" sz="4400" dirty="0" smtClean="0">
+                <a:solidFill>
+                  <a:srgbClr val="0000E5"/>
+                </a:solidFill>
+                <a:latin typeface="Comic Sans MS"/>
+              </a:rPr>
+              <a:t>(</a:t>
+            </a:r>
+            <a:r>
+              <a:rPr lang="en-US" sz="4400" dirty="0" err="1">
+                <a:solidFill>
+                  <a:srgbClr val="0000E5"/>
+                </a:solidFill>
+                <a:latin typeface="Comic Sans MS"/>
+              </a:rPr>
+              <a:t>c</a:t>
+            </a:r>
+            <a:r>
+              <a:rPr lang="en-US" sz="4400" dirty="0">
+                <a:solidFill>
+                  <a:srgbClr val="0000E5"/>
+                </a:solidFill>
+                <a:latin typeface="Comic Sans MS"/>
+              </a:rPr>
+              <a:t>) = </a:t>
+            </a:r>
+            <a:r>
+              <a:rPr lang="en-US" sz="4400" dirty="0" smtClean="0">
+                <a:solidFill>
+                  <a:srgbClr val="0000E5"/>
+                </a:solidFill>
+                <a:latin typeface="Comic Sans MS"/>
+              </a:rPr>
+              <a:t>1</a:t>
+            </a:r>
+            <a:endParaRPr lang="en-US" sz="4000" dirty="0" smtClean="0">
+              <a:latin typeface="Comic Sans MS"/>
+            </a:endParaRPr>
+          </a:p>
+          <a:p>
+            <a:r>
+              <a:rPr lang="en-US" sz="4400" dirty="0" err="1">
+                <a:solidFill>
+                  <a:srgbClr val="0000E5"/>
+                </a:solidFill>
+                <a:latin typeface="Comic Sans MS"/>
+              </a:rPr>
+              <a:t>c</a:t>
+            </a:r>
+            <a:r>
+              <a:rPr lang="en-US" sz="4400" dirty="0">
+                <a:solidFill>
+                  <a:srgbClr val="0000E5"/>
+                </a:solidFill>
+                <a:latin typeface="Comic Sans MS"/>
+              </a:rPr>
+              <a:t>=(1+</a:t>
+            </a:r>
+            <a:r>
+              <a:rPr lang="el-GR" sz="4400" b="1" dirty="0">
+                <a:solidFill>
+                  <a:srgbClr val="0000E5"/>
+                </a:solidFill>
+                <a:latin typeface="Euclid Symbol" charset="2"/>
+                <a:ea typeface="Comic Sans MS"/>
+                <a:cs typeface="Euclid Symbol" charset="2"/>
+              </a:rPr>
+              <a:t>ε</a:t>
+            </a:r>
+            <a:r>
+              <a:rPr lang="en-US" sz="4400" dirty="0">
+                <a:solidFill>
+                  <a:srgbClr val="0000E5"/>
+                </a:solidFill>
+                <a:latin typeface="Comic Sans MS"/>
+                <a:ea typeface="Comic Sans MS"/>
+                <a:cs typeface="Comic Sans MS"/>
+              </a:rPr>
+              <a:t>): </a:t>
+            </a:r>
+            <a:r>
+              <a:rPr lang="en-US" sz="4400" dirty="0" smtClean="0">
+                <a:solidFill>
+                  <a:srgbClr val="0000E5"/>
+                </a:solidFill>
+                <a:latin typeface="Comic Sans MS"/>
+                <a:ea typeface="Comic Sans MS"/>
+                <a:cs typeface="Comic Sans MS"/>
+              </a:rPr>
+              <a:t> </a:t>
+            </a:r>
+            <a:r>
+              <a:rPr lang="el-GR" sz="4400" b="1" dirty="0" smtClean="0">
+                <a:solidFill>
+                  <a:srgbClr val="0000E5"/>
+                </a:solidFill>
+                <a:latin typeface="Euclid Symbol" charset="2"/>
+                <a:cs typeface="Euclid Symbol" charset="2"/>
+              </a:rPr>
+              <a:t>β</a:t>
+            </a:r>
+            <a:r>
+              <a:rPr lang="en-US" sz="4400" dirty="0" smtClean="0">
+                <a:solidFill>
+                  <a:srgbClr val="0000E5"/>
+                </a:solidFill>
+                <a:latin typeface="Comic Sans MS"/>
+              </a:rPr>
+              <a:t>(</a:t>
+            </a:r>
+            <a:r>
+              <a:rPr lang="en-US" sz="4400" dirty="0" err="1">
+                <a:solidFill>
+                  <a:srgbClr val="0000E5"/>
+                </a:solidFill>
+                <a:latin typeface="Comic Sans MS"/>
+              </a:rPr>
+              <a:t>c</a:t>
+            </a:r>
+            <a:r>
+              <a:rPr lang="en-US" sz="4400" dirty="0">
+                <a:solidFill>
+                  <a:srgbClr val="0000E5"/>
+                </a:solidFill>
+                <a:latin typeface="Comic Sans MS"/>
+              </a:rPr>
+              <a:t>) =</a:t>
+            </a:r>
+            <a:r>
+              <a:rPr lang="en-US" sz="4400" dirty="0" smtClean="0">
+                <a:solidFill>
+                  <a:srgbClr val="0000E5"/>
+                </a:solidFill>
+                <a:latin typeface="Comic Sans MS"/>
+              </a:rPr>
+              <a:t> </a:t>
+            </a:r>
+            <a:r>
+              <a:rPr lang="en-US" sz="4400" dirty="0" smtClean="0">
+                <a:solidFill>
+                  <a:srgbClr val="0000E5"/>
+                </a:solidFill>
+                <a:latin typeface="Comic Sans MS"/>
+                <a:sym typeface="Symbol" charset="2"/>
+              </a:rPr>
+              <a:t>O</a:t>
+            </a:r>
+            <a:r>
+              <a:rPr lang="en-US" sz="4400" dirty="0" smtClean="0">
+                <a:solidFill>
+                  <a:srgbClr val="0000E5"/>
+                </a:solidFill>
+                <a:latin typeface="Comic Sans MS"/>
+              </a:rPr>
+              <a:t>(</a:t>
+            </a:r>
+            <a:r>
+              <a:rPr lang="el-GR" sz="4400" b="1" dirty="0" smtClean="0">
+                <a:solidFill>
+                  <a:srgbClr val="0000E5"/>
+                </a:solidFill>
+                <a:latin typeface="Euclid Symbol" charset="2"/>
+                <a:ea typeface="Comic Sans MS"/>
+                <a:cs typeface="Euclid Symbol" charset="2"/>
+              </a:rPr>
+              <a:t>ε</a:t>
+            </a:r>
+            <a:r>
+              <a:rPr lang="en-US" sz="4400" baseline="30000" dirty="0" smtClean="0">
+                <a:solidFill>
+                  <a:srgbClr val="0000E5"/>
+                </a:solidFill>
+                <a:latin typeface="Comic Sans MS"/>
+              </a:rPr>
+              <a:t>2</a:t>
+            </a:r>
+            <a:r>
+              <a:rPr lang="en-US" sz="4400" dirty="0">
+                <a:solidFill>
+                  <a:srgbClr val="0000E5"/>
+                </a:solidFill>
+                <a:latin typeface="Comic Sans MS"/>
+              </a:rPr>
+              <a:t>)</a:t>
+            </a:r>
+          </a:p>
+        </p:txBody>
+      </p:sp>
+      <p:sp>
+        <p:nvSpPr>
+          <p:cNvPr id="375815" name="Rectangle 7"/>
+          <p:cNvSpPr>
+            <a:spLocks noChangeArrowheads="1"/>
+          </p:cNvSpPr>
+          <p:nvPr/>
+        </p:nvSpPr>
+        <p:spPr bwMode="auto">
+          <a:xfrm>
+            <a:off x="2976563" y="977900"/>
+            <a:ext cx="4714875" cy="641350"/>
+          </a:xfrm>
+          <a:prstGeom prst="rect">
+            <a:avLst/>
+          </a:prstGeom>
+          <a:noFill/>
+          <a:ln w="9525">
+            <a:noFill/>
+            <a:miter lim="800000"/>
+            <a:headEnd/>
+            <a:tailEnd type="none" w="lg" len="lg"/>
+          </a:ln>
+          <a:effectLst/>
+        </p:spPr>
+        <p:txBody>
+          <a:bodyPr>
+            <a:prstTxWarp prst="textNoShape">
+              <a:avLst/>
+            </a:prstTxWarp>
+            <a:spAutoFit/>
+          </a:bodyPr>
+          <a:lstStyle/>
+          <a:p>
+            <a:pPr>
+              <a:spcBef>
+                <a:spcPct val="20000"/>
+              </a:spcBef>
+            </a:pPr>
+            <a:endParaRPr lang="en-US" sz="5400" baseline="30000" dirty="0">
+              <a:latin typeface="Comic Sans MS"/>
+            </a:endParaRPr>
+          </a:p>
+        </p:txBody>
+      </p:sp>
+      <p:sp>
+        <p:nvSpPr>
+          <p:cNvPr id="8" name="Title 7"/>
+          <p:cNvSpPr>
+            <a:spLocks noGrp="1"/>
+          </p:cNvSpPr>
+          <p:nvPr>
+            <p:ph type="title"/>
+          </p:nvPr>
+        </p:nvSpPr>
+        <p:spPr/>
+        <p:txBody>
+          <a:bodyPr/>
+          <a:lstStyle/>
+          <a:p>
+            <a:r>
+              <a:rPr lang="en-US" dirty="0" err="1" smtClean="0"/>
+              <a:t>Pr[</a:t>
+            </a:r>
+            <a:r>
+              <a:rPr lang="en-US" dirty="0" err="1" smtClean="0">
+                <a:solidFill>
+                  <a:srgbClr val="3C34DA"/>
+                </a:solidFill>
+              </a:rPr>
+              <a:t>R</a:t>
+            </a:r>
+            <a:r>
+              <a:rPr lang="en-US" dirty="0" smtClean="0">
+                <a:solidFill>
+                  <a:srgbClr val="008000"/>
+                </a:solidFill>
+              </a:rPr>
+              <a:t> </a:t>
+            </a:r>
+            <a:r>
+              <a:rPr lang="en-US" b="1" dirty="0" smtClean="0">
+                <a:solidFill>
+                  <a:srgbClr val="008000"/>
+                </a:solidFill>
+                <a:latin typeface="Euclid Symbol" charset="2"/>
+                <a:cs typeface="Euclid Symbol" charset="2"/>
+              </a:rPr>
+              <a:t>≥</a:t>
+            </a:r>
+            <a:r>
+              <a:rPr lang="en-US" dirty="0" smtClean="0">
+                <a:solidFill>
+                  <a:srgbClr val="008000"/>
+                </a:solidFill>
+              </a:rPr>
+              <a:t> </a:t>
+            </a:r>
+            <a:r>
+              <a:rPr lang="en-US" dirty="0" err="1" smtClean="0">
+                <a:solidFill>
+                  <a:schemeClr val="accent2"/>
+                </a:solidFill>
+              </a:rPr>
+              <a:t>c</a:t>
+            </a:r>
+            <a:r>
+              <a:rPr lang="en-US" dirty="0" smtClean="0">
+                <a:solidFill>
+                  <a:schemeClr val="accent2"/>
+                </a:solidFill>
+                <a:ea typeface="Comic Sans MS"/>
+                <a:cs typeface="Comic Sans MS"/>
+              </a:rPr>
+              <a:t>µ</a:t>
+            </a:r>
+            <a:r>
+              <a:rPr lang="en-US" dirty="0" smtClean="0">
+                <a:ea typeface="Comic Sans MS"/>
+                <a:cs typeface="Comic Sans MS"/>
+              </a:rPr>
+              <a:t>]   </a:t>
+            </a:r>
+            <a:r>
+              <a:rPr lang="en-US" b="1" dirty="0" smtClean="0">
+                <a:latin typeface="Euclid Symbol" charset="2"/>
+                <a:ea typeface="Comic Sans MS"/>
+                <a:cs typeface="Euclid Symbol" charset="2"/>
+              </a:rPr>
+              <a:t>≤</a:t>
+            </a:r>
+            <a:r>
+              <a:rPr lang="en-US" dirty="0" smtClean="0">
+                <a:solidFill>
+                  <a:srgbClr val="008000"/>
+                </a:solidFill>
+                <a:ea typeface="Comic Sans MS"/>
+                <a:cs typeface="Comic Sans MS"/>
+              </a:rPr>
+              <a:t> </a:t>
+            </a:r>
+            <a:endParaRPr lang="en-US" dirty="0"/>
+          </a:p>
+        </p:txBody>
+      </p:sp>
+      <p:graphicFrame>
+        <p:nvGraphicFramePr>
+          <p:cNvPr id="375817" name="Object 9"/>
+          <p:cNvGraphicFramePr>
+            <a:graphicFrameLocks noChangeAspect="1"/>
+          </p:cNvGraphicFramePr>
+          <p:nvPr/>
+        </p:nvGraphicFramePr>
+        <p:xfrm>
+          <a:off x="4946650" y="280988"/>
+          <a:ext cx="1809750" cy="928334"/>
+        </p:xfrm>
+        <a:graphic>
+          <a:graphicData uri="http://schemas.openxmlformats.org/presentationml/2006/ole">
+            <p:oleObj spid="_x0000_s375817" name="Equation" r:id="rId3" imgW="495300" imgH="254000" progId="Equation.DSMT4">
+              <p:embed/>
+            </p:oleObj>
+          </a:graphicData>
+        </a:graphic>
+      </p:graphicFrame>
+    </p:spTree>
+  </p:cSld>
+  <p:clrMapOvr>
+    <a:masterClrMapping/>
+  </p:clrMapOvr>
+  <p:timing>
+    <p:tnLst>
+      <p:par>
+        <p:cTn id="1" dur="indefinite" restart="never" nodeType="tmRoot">
+          <p:childTnLst>
+            <p:seq concurrent="1" nextAc="seek">
+              <p:cTn id="2" dur="indefinite" nodeType="mainSeq">
+                <p:childTnLst>
+                  <p:par>
+                    <p:cTn id="3" fill="hold">
+                      <p:stCondLst>
+                        <p:cond delay="indefinite"/>
+                      </p:stCondLst>
+                      <p:childTnLst>
+                        <p:par>
+                          <p:cTn id="4" fill="hold">
+                            <p:stCondLst>
+                              <p:cond delay="0"/>
+                            </p:stCondLst>
+                            <p:childTnLst>
+                              <p:par>
+                                <p:cTn id="5" presetID="1" presetClass="entr" presetSubtype="0" fill="hold" nodeType="clickEffect">
+                                  <p:stCondLst>
+                                    <p:cond delay="0"/>
+                                  </p:stCondLst>
+                                  <p:childTnLst>
+                                    <p:set>
+                                      <p:cBhvr>
+                                        <p:cTn id="6" dur="1" fill="hold">
+                                          <p:stCondLst>
+                                            <p:cond delay="0"/>
+                                          </p:stCondLst>
+                                        </p:cTn>
+                                        <p:tgtEl>
+                                          <p:spTgt spid="375814">
+                                            <p:txEl>
+                                              <p:pRg st="0" end="0"/>
+                                            </p:txEl>
+                                          </p:spTgt>
+                                        </p:tgtEl>
+                                        <p:attrNameLst>
+                                          <p:attrName>style.visibility</p:attrName>
+                                        </p:attrNameLst>
+                                      </p:cBhvr>
+                                      <p:to>
+                                        <p:strVal val="visible"/>
+                                      </p:to>
+                                    </p:set>
+                                  </p:childTnLst>
+                                </p:cTn>
+                              </p:par>
+                            </p:childTnLst>
+                          </p:cTn>
+                        </p:par>
+                      </p:childTnLst>
+                    </p:cTn>
+                  </p:par>
+                  <p:par>
+                    <p:cTn id="7" fill="hold">
+                      <p:stCondLst>
+                        <p:cond delay="indefinite"/>
+                      </p:stCondLst>
+                      <p:childTnLst>
+                        <p:par>
+                          <p:cTn id="8" fill="hold">
+                            <p:stCondLst>
+                              <p:cond delay="0"/>
+                            </p:stCondLst>
+                            <p:childTnLst>
+                              <p:par>
+                                <p:cTn id="9" presetID="1" presetClass="entr" presetSubtype="0" fill="hold" nodeType="clickEffect">
+                                  <p:stCondLst>
+                                    <p:cond delay="0"/>
+                                  </p:stCondLst>
+                                  <p:childTnLst>
+                                    <p:set>
+                                      <p:cBhvr>
+                                        <p:cTn id="10" dur="1" fill="hold">
+                                          <p:stCondLst>
+                                            <p:cond delay="0"/>
+                                          </p:stCondLst>
+                                        </p:cTn>
+                                        <p:tgtEl>
+                                          <p:spTgt spid="375814">
+                                            <p:txEl>
+                                              <p:pRg st="1" end="1"/>
+                                            </p:txEl>
+                                          </p:spTgt>
+                                        </p:tgtEl>
+                                        <p:attrNameLst>
+                                          <p:attrName>style.visibility</p:attrName>
+                                        </p:attrNameLst>
+                                      </p:cBhvr>
+                                      <p:to>
+                                        <p:strVal val="visible"/>
+                                      </p:to>
+                                    </p:set>
+                                  </p:childTnLst>
+                                </p:cTn>
+                              </p:par>
+                            </p:childTnLst>
+                          </p:cTn>
+                        </p:par>
+                      </p:childTnLst>
+                    </p:cTn>
+                  </p:par>
+                  <p:par>
+                    <p:cTn id="11" fill="hold">
+                      <p:stCondLst>
+                        <p:cond delay="indefinite"/>
+                      </p:stCondLst>
+                      <p:childTnLst>
+                        <p:par>
+                          <p:cTn id="12" fill="hold">
+                            <p:stCondLst>
+                              <p:cond delay="0"/>
+                            </p:stCondLst>
+                            <p:childTnLst>
+                              <p:par>
+                                <p:cTn id="13" presetID="1" presetClass="entr" presetSubtype="0" fill="hold" nodeType="clickEffect">
+                                  <p:stCondLst>
+                                    <p:cond delay="0"/>
+                                  </p:stCondLst>
+                                  <p:childTnLst>
+                                    <p:set>
+                                      <p:cBhvr>
+                                        <p:cTn id="14" dur="1" fill="hold">
+                                          <p:stCondLst>
+                                            <p:cond delay="0"/>
+                                          </p:stCondLst>
+                                        </p:cTn>
+                                        <p:tgtEl>
+                                          <p:spTgt spid="375814">
+                                            <p:txEl>
+                                              <p:pRg st="2" end="2"/>
+                                            </p:txEl>
+                                          </p:spTgt>
+                                        </p:tgtEl>
+                                        <p:attrNameLst>
+                                          <p:attrName>style.visibility</p:attrName>
+                                        </p:attrNameLst>
+                                      </p:cBhvr>
+                                      <p:to>
+                                        <p:strVal val="visible"/>
+                                      </p:to>
+                                    </p:set>
+                                  </p:childTnLst>
+                                </p:cTn>
+                              </p:par>
+                            </p:childTnLst>
+                          </p:cTn>
+                        </p:par>
+                      </p:childTnLst>
+                    </p:cTn>
+                  </p:par>
+                  <p:par>
+                    <p:cTn id="15" fill="hold">
+                      <p:stCondLst>
+                        <p:cond delay="indefinite"/>
+                      </p:stCondLst>
+                      <p:childTnLst>
+                        <p:par>
+                          <p:cTn id="16" fill="hold">
+                            <p:stCondLst>
+                              <p:cond delay="0"/>
+                            </p:stCondLst>
+                            <p:childTnLst>
+                              <p:par>
+                                <p:cTn id="17" presetID="1" presetClass="entr" presetSubtype="0" fill="hold" nodeType="clickEffect">
+                                  <p:stCondLst>
+                                    <p:cond delay="0"/>
+                                  </p:stCondLst>
+                                  <p:childTnLst>
+                                    <p:set>
+                                      <p:cBhvr>
+                                        <p:cTn id="18" dur="1" fill="hold">
+                                          <p:stCondLst>
+                                            <p:cond delay="0"/>
+                                          </p:stCondLst>
+                                        </p:cTn>
+                                        <p:tgtEl>
+                                          <p:spTgt spid="375814">
+                                            <p:txEl>
+                                              <p:pRg st="3" end="3"/>
+                                            </p:txEl>
+                                          </p:spTgt>
+                                        </p:tgtEl>
+                                        <p:attrNameLst>
+                                          <p:attrName>style.visibility</p:attrName>
+                                        </p:attrNameLst>
+                                      </p:cBhvr>
+                                      <p:to>
+                                        <p:strVal val="visible"/>
+                                      </p:to>
+                                    </p:set>
+                                  </p:childTnLst>
+                                </p:cTn>
+                              </p:par>
+                            </p:childTnLst>
+                          </p:cTn>
+                        </p:par>
+                      </p:childTnLst>
+                    </p:cTn>
+                  </p:par>
+                  <p:par>
+                    <p:cTn id="19" fill="hold">
+                      <p:stCondLst>
+                        <p:cond delay="indefinite"/>
+                      </p:stCondLst>
+                      <p:childTnLst>
+                        <p:par>
+                          <p:cTn id="20" fill="hold">
+                            <p:stCondLst>
+                              <p:cond delay="0"/>
+                            </p:stCondLst>
+                            <p:childTnLst>
+                              <p:par>
+                                <p:cTn id="21" presetID="1" presetClass="entr" presetSubtype="0" fill="hold" nodeType="clickEffect">
+                                  <p:stCondLst>
+                                    <p:cond delay="0"/>
+                                  </p:stCondLst>
+                                  <p:childTnLst>
+                                    <p:set>
+                                      <p:cBhvr>
+                                        <p:cTn id="22" dur="1" fill="hold">
+                                          <p:stCondLst>
+                                            <p:cond delay="0"/>
+                                          </p:stCondLst>
+                                        </p:cTn>
+                                        <p:tgtEl>
+                                          <p:spTgt spid="375814">
+                                            <p:txEl>
+                                              <p:pRg st="4" end="4"/>
+                                            </p:txEl>
+                                          </p:spTgt>
+                                        </p:tgtEl>
+                                        <p:attrNameLst>
+                                          <p:attrName>style.visibility</p:attrName>
+                                        </p:attrNameLst>
+                                      </p:cBhvr>
+                                      <p:to>
+                                        <p:strVal val="visible"/>
+                                      </p:to>
+                                    </p:set>
+                                  </p:childTnLst>
+                                </p:cTn>
+                              </p:par>
+                            </p:childTnLst>
+                          </p:cTn>
+                        </p:par>
+                      </p:childTnLst>
+                    </p:cTn>
+                  </p:par>
+                </p:childTnLst>
+              </p:cTn>
+              <p:prevCondLst>
+                <p:cond evt="onPrev" delay="0">
+                  <p:tgtEl>
+                    <p:sldTgt/>
+                  </p:tgtEl>
+                </p:cond>
+              </p:prevCondLst>
+              <p:nextCondLst>
+                <p:cond evt="onNext" delay="0">
+                  <p:tgtEl>
+                    <p:sldTgt/>
+                  </p:tgtEl>
+                </p:cond>
+              </p:nextCondLst>
+            </p:seq>
+          </p:childTnLst>
+        </p:cTn>
+      </p:par>
+    </p:tnLst>
+  </p:timing>
+</p:sld>
+</file>
+
 <file path=ppt/tags/tag1.xml><?xml version="1.0" encoding="utf-8"?>
 <p:tagLst xmlns:a="http://schemas.openxmlformats.org/drawingml/2006/main" xmlns:r="http://schemas.openxmlformats.org/officeDocument/2006/relationships" xmlns:mc="http://schemas.openxmlformats.org/markup-compatibility/2006" xmlns:mv="urn:schemas-microsoft-com:mac:vml" xmlns:p="http://schemas.openxmlformats.org/presentationml/2006/main" mc:Ignorable="mv" mc:PreserveAttributes="mv:*">
   <p:tag name="TEXPOINTINIT" val="\newcommand{paren}{1}{(#1)}&#10;\newcommand{ang}{1}{\langle#1\rangle}&#10;\newcommand{suchthat}{0}{\mid}&#10;\newcommand{eqdef}{0}{\font{Euclid}{\bf{::=}}}&#10;\newcommand{bar}{1}{\overline{#1}}&#10;\newcommand{and}{0}{\wedge}&#10;\newcommand{conj}{0}{\And}&#10;\newcommand{smand}{0}{\And}&#10;\newcommand{AND}{0}{\bigwedge}&#10;\newcommand{Land}{0}{\AND}&#10;\newcommand{lgand}{0}{\AND}&#10;\newcommand{Or}{0}{\vee}&#10;\newcommand{disj}{0}{\Or}&#10;\newcommand{smor}{0}{\Or}&#10;\newcommand{OR}{0}{\bigvee}&#10;\newcommand{Lor}{0}{\OR}&#10;\newcommand{lgor}{0}{\OR}&#10;\newcommand{implies}{0}{\longrightarrow}&#10;\newcommand{iff}{0}{\longleftrightarrow}&#10;\newcommand{bicond}{0}{\longleftrightarrow}&#10;\newcommand{equivalent}{0}{\Longleftrightarrow}&#10;\newcommand{set}{1}{\lbrace{#1}\rbrace}&#10;\newcommand{card}{1}{\abs{#1}}&#10;\newcommand{union}{0}{\cup}&#10;\newcommand{lgunion}{0}{\bigcup}&#10;\newcommand{intersect}{0}{\cap}&#10;\newcommand{lgintersect}{0}{\bigcap}&#10;\newcommand{cross}{0}{\times}&#10;\newcommand{compose}{0}{\circ}&#10;\newcommand{composition}{0}{\circ}&#10;\newcommand{power}{0}{\cP}&#10;\newcommand{range}{1}{\font{times new roman}{range}(#1)}&#10;\newcommand{domain}{1}{\font{times new roman}{domain}(#1)}&#10;\newcommand{emptystring}{0}{\lambda}&#10;\newcommand{naturals}{0}{\bbn}}&#10;\newcommand{integers}{0}{\bbz}&#10;\newcommand{rationals}{0}{\bbq}&#10;\newcommand{reals}{0}{\bbr}&#10;\newcommand{complexes}{0}{\bbc}&#10;\newcommand{abs}{1}{\mid#1\mid}&#10;\newcommand{floor}{1}{\lfloor#1\rfloor}&#10;\newcommand{ceil}{1}{\lceil#1\rceil}&#10;%\newcommand{divides}{0}{\mathbin{|}}&#10;\newcommand{divides}{0}{\mid}&#10;\newcommand{sspace}{0}{\cS}&#10;\newcommand{pr}{1}{\font{times new roman}{Pr}\lbrace#1\rbrace}&#10;\newcommand{prob}{1}{\pr{#1}}&#10;\newcommand{prsub}{2}{\font{times new roman}{Pr}_{#2}\lbrace{#1}\rbrace}&#10;\newcommand{prcond}{2}{\font{times new roman}{Pr}\lbrace{#1}\,\mid\,#2\rbrace}&#10;\newcommand{Ex}{0}{\font{times new roman}{E}}&#10;\newcommand{Var}{0}{\font{times new roman}{Var}}&#10;\newcommand{Cov}{0}{\font{times new roman}{Cov}}&#10;\newcommand{expect}{1}{\Ex[#1]}&#10;\newcommand{expectsq}{1}{{\Ex}^2[#1]}&#10;\newcommand{expcond}{2}{\expect{#1\mid#2}}&#10;\newcommand{variance}{1}{\Var[#1]}&#10;\newcommand{varsq}{1}{{\Var}^2[#1]}&#10;\newcommand{covar}{1}{\Cov[#1]}&#10;\newcommand{covariance}{2}{\Cov[#1,#2}}"/>
@@ -15709,40 +14720,6 @@
   <p:tag name="DEFAULTHEIGHT" val="370"/>
   <p:tag name="DEFAULTMAGNIFICATION" val="1.5"/>
   <p:tag name="DEFAULTFONTSIZE" val="10"/>
-</p:tagLst>
-</file>
-
-<file path=ppt/tags/tag2.xml><?xml version="1.0" encoding="utf-8"?>
-<p:tagLst xmlns:a="http://schemas.openxmlformats.org/drawingml/2006/main" xmlns:r="http://schemas.openxmlformats.org/officeDocument/2006/relationships" xmlns:mc="http://schemas.openxmlformats.org/markup-compatibility/2006" xmlns:mv="urn:schemas-microsoft-com:mac:vml" xmlns:p="http://schemas.openxmlformats.org/presentationml/2006/main" mc:Ignorable="mv" mc:PreserveAttributes="mv:*">
-  <p:tag name="SOURCE" val="\documentclass{slides}\pagestyle{empty}&#10;\input{c:/42/devel/latex-macros/texpoint.sty}&#10;\begin{document}&#10;$  \pr{R=0} \leq e^{-\mu_R}$&#10;\end{document}&#10;"/>
-  <p:tag name="EXTERNALNAME" val="txp_fig"/>
-  <p:tag name="BLEND" val="False"/>
-  <p:tag name="TRANSPARENT" val="False"/>
-  <p:tag name="KEEPFILES" val="False"/>
-  <p:tag name="DEBUGPAUSE" val="False"/>
-  <p:tag name="RESOLUTION" val="300"/>
-  <p:tag name="TIMEOUT" val="15"/>
-  <p:tag name="BITMAPFORMAT" val="bmpmono"/>
-  <p:tag name="DEBUGINTERACTIVE" val="True"/>
-  <p:tag name="ORIGWIDTH" val="176.875"/>
-  <p:tag name="PICTUREFILESIZE" val="8414"/>
-</p:tagLst>
-</file>
-
-<file path=ppt/tags/tag3.xml><?xml version="1.0" encoding="utf-8"?>
-<p:tagLst xmlns:a="http://schemas.openxmlformats.org/drawingml/2006/main" xmlns:r="http://schemas.openxmlformats.org/officeDocument/2006/relationships" xmlns:mc="http://schemas.openxmlformats.org/markup-compatibility/2006" xmlns:mv="urn:schemas-microsoft-com:mac:vml" xmlns:p="http://schemas.openxmlformats.org/presentationml/2006/main" mc:Ignorable="mv" mc:PreserveAttributes="mv:*">
-  <p:tag name="SOURCE" val="\documentclass{slides}\pagestyle{empty}&#10;\input{c:/42/devel/latex-macros/texpoint.sty}&#10;\begin{document}&#10;$  \frac{1,000,000}{10,000}$&#10;\end{document}&#10;"/>
-  <p:tag name="EXTERNALNAME" val="txp_fig"/>
-  <p:tag name="BLEND" val="False"/>
-  <p:tag name="TRANSPARENT" val="False"/>
-  <p:tag name="KEEPFILES" val="False"/>
-  <p:tag name="DEBUGPAUSE" val="False"/>
-  <p:tag name="RESOLUTION" val="300"/>
-  <p:tag name="TIMEOUT" val="15"/>
-  <p:tag name="BITMAPFORMAT" val="bmpmono"/>
-  <p:tag name="DEBUGINTERACTIVE" val="True"/>
-  <p:tag name="ORIGWIDTH" val="82.75"/>
-  <p:tag name="PICTUREFILESIZE" val="6090"/>
 </p:tagLst>
 </file>
 
